--- a/MidYearPresentation/FCI-CU-GP-Midyear-PresentationV0.0.1.pptx
+++ b/MidYearPresentation/FCI-CU-GP-Midyear-PresentationV0.0.1.pptx
@@ -7,6 +7,9 @@
   <p:sldIdLst>
     <p:sldId id="256" r:id="rId3"/>
     <p:sldId id="257" r:id="rId4"/>
+    <p:sldId id="258" r:id="rId5"/>
+    <p:sldId id="259" r:id="rId6"/>
+    <p:sldId id="260" r:id="rId7"/>
   </p:sldIdLst>
   <p:sldSz cx="10080625" cy="7559675"/>
   <p:notesSz cx="7772400" cy="10058400"/>
@@ -65,7 +68,7 @@
         <p:spPr>
           <a:xfrm>
             <a:off x="504000" y="301320"/>
-            <a:ext cx="9070920" cy="1261440"/>
+            <a:ext cx="9070560" cy="1261080"/>
           </a:xfrm>
           <a:prstGeom prst="rect">
             <a:avLst/>
@@ -102,7 +105,7 @@
         <p:spPr>
           <a:xfrm>
             <a:off x="504000" y="1768680"/>
-            <a:ext cx="9072000" cy="2090880"/>
+            <a:ext cx="9071640" cy="2090880"/>
           </a:xfrm>
           <a:prstGeom prst="rect">
             <a:avLst/>
@@ -138,7 +141,7 @@
         <p:spPr>
           <a:xfrm>
             <a:off x="504000" y="4058640"/>
-            <a:ext cx="9072000" cy="2090880"/>
+            <a:ext cx="9071640" cy="2090880"/>
           </a:xfrm>
           <a:prstGeom prst="rect">
             <a:avLst/>
@@ -196,7 +199,7 @@
         <p:spPr>
           <a:xfrm>
             <a:off x="504000" y="301320"/>
-            <a:ext cx="9070920" cy="1261440"/>
+            <a:ext cx="9070560" cy="1261080"/>
           </a:xfrm>
           <a:prstGeom prst="rect">
             <a:avLst/>
@@ -399,7 +402,7 @@
         <p:spPr>
           <a:xfrm>
             <a:off x="504000" y="301320"/>
-            <a:ext cx="9070920" cy="1261440"/>
+            <a:ext cx="9070560" cy="1261080"/>
           </a:xfrm>
           <a:prstGeom prst="rect">
             <a:avLst/>
@@ -436,7 +439,7 @@
         <p:spPr>
           <a:xfrm>
             <a:off x="504000" y="1768680"/>
-            <a:ext cx="9072000" cy="4384080"/>
+            <a:ext cx="9071640" cy="4383720"/>
           </a:xfrm>
           <a:prstGeom prst="rect">
             <a:avLst/>
@@ -472,7 +475,7 @@
         <p:spPr>
           <a:xfrm>
             <a:off x="504000" y="1768680"/>
-            <a:ext cx="9072000" cy="4384080"/>
+            <a:ext cx="9071640" cy="4383720"/>
           </a:xfrm>
           <a:prstGeom prst="rect">
             <a:avLst/>
@@ -507,8 +510,8 @@
         </p:blipFill>
         <p:spPr>
           <a:xfrm>
-            <a:off x="2292480" y="1768680"/>
-            <a:ext cx="5494680" cy="4384080"/>
+            <a:off x="2292480" y="1768320"/>
+            <a:ext cx="5494320" cy="4383720"/>
           </a:xfrm>
           <a:prstGeom prst="rect">
             <a:avLst/>
@@ -530,8 +533,8 @@
         </p:blipFill>
         <p:spPr>
           <a:xfrm>
-            <a:off x="2292480" y="1768680"/>
-            <a:ext cx="5494680" cy="4384080"/>
+            <a:off x="2292480" y="1768320"/>
+            <a:ext cx="5494320" cy="4383720"/>
           </a:xfrm>
           <a:prstGeom prst="rect">
             <a:avLst/>
@@ -576,7 +579,7 @@
         <p:spPr>
           <a:xfrm>
             <a:off x="504000" y="301320"/>
-            <a:ext cx="9070920" cy="1261440"/>
+            <a:ext cx="9070560" cy="1261080"/>
           </a:xfrm>
           <a:prstGeom prst="rect">
             <a:avLst/>
@@ -613,7 +616,7 @@
         <p:spPr>
           <a:xfrm>
             <a:off x="504000" y="1768680"/>
-            <a:ext cx="9072000" cy="4384080"/>
+            <a:ext cx="9071640" cy="4383720"/>
           </a:xfrm>
           <a:prstGeom prst="rect">
             <a:avLst/>
@@ -672,7 +675,7 @@
         <p:spPr>
           <a:xfrm>
             <a:off x="504000" y="301320"/>
-            <a:ext cx="9070920" cy="1261440"/>
+            <a:ext cx="9070560" cy="1261080"/>
           </a:xfrm>
           <a:prstGeom prst="rect">
             <a:avLst/>
@@ -709,7 +712,7 @@
         <p:spPr>
           <a:xfrm>
             <a:off x="504000" y="1768680"/>
-            <a:ext cx="9072000" cy="4384080"/>
+            <a:ext cx="9071640" cy="4383720"/>
           </a:xfrm>
           <a:prstGeom prst="rect">
             <a:avLst/>
@@ -767,7 +770,7 @@
         <p:spPr>
           <a:xfrm>
             <a:off x="504000" y="301320"/>
-            <a:ext cx="9070920" cy="1261440"/>
+            <a:ext cx="9070560" cy="1261080"/>
           </a:xfrm>
           <a:prstGeom prst="rect">
             <a:avLst/>
@@ -804,7 +807,7 @@
         <p:spPr>
           <a:xfrm>
             <a:off x="504000" y="1768680"/>
-            <a:ext cx="4426920" cy="4384080"/>
+            <a:ext cx="4426920" cy="4383720"/>
           </a:xfrm>
           <a:prstGeom prst="rect">
             <a:avLst/>
@@ -840,7 +843,7 @@
         <p:spPr>
           <a:xfrm>
             <a:off x="5152680" y="1768680"/>
-            <a:ext cx="4426920" cy="4384080"/>
+            <a:ext cx="4426920" cy="4383720"/>
           </a:xfrm>
           <a:prstGeom prst="rect">
             <a:avLst/>
@@ -898,7 +901,7 @@
         <p:spPr>
           <a:xfrm>
             <a:off x="504000" y="301320"/>
-            <a:ext cx="9070920" cy="1261440"/>
+            <a:ext cx="9070560" cy="1261080"/>
           </a:xfrm>
           <a:prstGeom prst="rect">
             <a:avLst/>
@@ -957,7 +960,7 @@
         <p:spPr>
           <a:xfrm>
             <a:off x="504000" y="301320"/>
-            <a:ext cx="9070920" cy="5848560"/>
+            <a:ext cx="9070560" cy="5846760"/>
           </a:xfrm>
           <a:prstGeom prst="rect">
             <a:avLst/>
@@ -1016,7 +1019,7 @@
         <p:spPr>
           <a:xfrm>
             <a:off x="504000" y="301320"/>
-            <a:ext cx="9070920" cy="1261440"/>
+            <a:ext cx="9070560" cy="1261080"/>
           </a:xfrm>
           <a:prstGeom prst="rect">
             <a:avLst/>
@@ -1125,7 +1128,7 @@
         <p:spPr>
           <a:xfrm>
             <a:off x="5152680" y="1768680"/>
-            <a:ext cx="4426920" cy="4384080"/>
+            <a:ext cx="4426920" cy="4383720"/>
           </a:xfrm>
           <a:prstGeom prst="rect">
             <a:avLst/>
@@ -1183,7 +1186,7 @@
         <p:spPr>
           <a:xfrm>
             <a:off x="504000" y="301320"/>
-            <a:ext cx="9070920" cy="1261440"/>
+            <a:ext cx="9070560" cy="1261080"/>
           </a:xfrm>
           <a:prstGeom prst="rect">
             <a:avLst/>
@@ -1220,7 +1223,7 @@
         <p:spPr>
           <a:xfrm>
             <a:off x="504000" y="1768680"/>
-            <a:ext cx="4426920" cy="4384080"/>
+            <a:ext cx="4426920" cy="4383720"/>
           </a:xfrm>
           <a:prstGeom prst="rect">
             <a:avLst/>
@@ -1350,7 +1353,7 @@
         <p:spPr>
           <a:xfrm>
             <a:off x="504000" y="301320"/>
-            <a:ext cx="9070920" cy="1261440"/>
+            <a:ext cx="9070560" cy="1261080"/>
           </a:xfrm>
           <a:prstGeom prst="rect">
             <a:avLst/>
@@ -1459,7 +1462,7 @@
         <p:spPr>
           <a:xfrm>
             <a:off x="504000" y="4058640"/>
-            <a:ext cx="9072000" cy="2090880"/>
+            <a:ext cx="9071640" cy="2090880"/>
           </a:xfrm>
           <a:prstGeom prst="rect">
             <a:avLst/>
@@ -1517,7 +1520,7 @@
         <p:spPr>
           <a:xfrm>
             <a:off x="504000" y="301320"/>
-            <a:ext cx="9070920" cy="1261440"/>
+            <a:ext cx="9070560" cy="1261080"/>
           </a:xfrm>
           <a:prstGeom prst="rect">
             <a:avLst/>
@@ -1554,7 +1557,7 @@
         <p:spPr>
           <a:xfrm>
             <a:off x="504000" y="1768680"/>
-            <a:ext cx="9072000" cy="4384080"/>
+            <a:ext cx="9071640" cy="4383720"/>
           </a:xfrm>
           <a:prstGeom prst="rect">
             <a:avLst/>
@@ -1572,7 +1575,7 @@
               <a:buChar char=""/>
             </a:pPr>
             <a:r>
-              <a:rPr b="0" lang="en-US" sz="3200" spc="-1" strike="noStrike">
+              <a:rPr b="0" lang="en-US" sz="1800" spc="-1" strike="noStrike">
                 <a:solidFill>
                   <a:srgbClr val="000000"/>
                 </a:solidFill>
@@ -1585,7 +1588,7 @@
               </a:rPr>
               <a:t>Click to edit the outline text format</a:t>
             </a:r>
-            <a:endParaRPr b="0" lang="en-US" sz="3200" spc="-1" strike="noStrike">
+            <a:endParaRPr b="0" lang="en-US" sz="1800" spc="-1" strike="noStrike">
               <a:solidFill>
                 <a:srgbClr val="000000"/>
               </a:solidFill>
@@ -1607,7 +1610,7 @@
               <a:buChar char=""/>
             </a:pPr>
             <a:r>
-              <a:rPr b="0" lang="en-US" sz="2800" spc="-1" strike="noStrike">
+              <a:rPr b="0" lang="en-US" sz="1800" spc="-1" strike="noStrike">
                 <a:solidFill>
                   <a:srgbClr val="000000"/>
                 </a:solidFill>
@@ -1620,7 +1623,7 @@
               </a:rPr>
               <a:t>Second Outline Level</a:t>
             </a:r>
-            <a:endParaRPr b="0" lang="en-US" sz="2800" spc="-1" strike="noStrike">
+            <a:endParaRPr b="0" lang="en-US" sz="1800" spc="-1" strike="noStrike">
               <a:solidFill>
                 <a:srgbClr val="000000"/>
               </a:solidFill>
@@ -1642,7 +1645,7 @@
               <a:buChar char=""/>
             </a:pPr>
             <a:r>
-              <a:rPr b="0" lang="en-US" sz="2400" spc="-1" strike="noStrike">
+              <a:rPr b="0" lang="en-US" sz="1800" spc="-1" strike="noStrike">
                 <a:solidFill>
                   <a:srgbClr val="000000"/>
                 </a:solidFill>
@@ -1655,7 +1658,7 @@
               </a:rPr>
               <a:t>Third Outline Level</a:t>
             </a:r>
-            <a:endParaRPr b="0" lang="en-US" sz="2400" spc="-1" strike="noStrike">
+            <a:endParaRPr b="0" lang="en-US" sz="1800" spc="-1" strike="noStrike">
               <a:solidFill>
                 <a:srgbClr val="000000"/>
               </a:solidFill>
@@ -1677,7 +1680,7 @@
               <a:buChar char=""/>
             </a:pPr>
             <a:r>
-              <a:rPr b="0" lang="en-US" sz="2000" spc="-1" strike="noStrike">
+              <a:rPr b="0" lang="en-US" sz="1800" spc="-1" strike="noStrike">
                 <a:solidFill>
                   <a:srgbClr val="000000"/>
                 </a:solidFill>
@@ -1690,7 +1693,7 @@
               </a:rPr>
               <a:t>Fourth Outline Level</a:t>
             </a:r>
-            <a:endParaRPr b="0" lang="en-US" sz="2000" spc="-1" strike="noStrike">
+            <a:endParaRPr b="0" lang="en-US" sz="1800" spc="-1" strike="noStrike">
               <a:solidFill>
                 <a:srgbClr val="000000"/>
               </a:solidFill>
@@ -1712,7 +1715,7 @@
               <a:buChar char=""/>
             </a:pPr>
             <a:r>
-              <a:rPr b="0" lang="en-US" sz="2000" spc="-1" strike="noStrike">
+              <a:rPr b="0" lang="en-US" sz="1800" spc="-1" strike="noStrike">
                 <a:solidFill>
                   <a:srgbClr val="000000"/>
                 </a:solidFill>
@@ -1725,7 +1728,7 @@
               </a:rPr>
               <a:t>Fifth Outline Level</a:t>
             </a:r>
-            <a:endParaRPr b="0" lang="en-US" sz="2000" spc="-1" strike="noStrike">
+            <a:endParaRPr b="0" lang="en-US" sz="1800" spc="-1" strike="noStrike">
               <a:solidFill>
                 <a:srgbClr val="000000"/>
               </a:solidFill>
@@ -1747,7 +1750,7 @@
               <a:buChar char=""/>
             </a:pPr>
             <a:r>
-              <a:rPr b="0" lang="en-US" sz="2000" spc="-1" strike="noStrike">
+              <a:rPr b="0" lang="en-US" sz="1800" spc="-1" strike="noStrike">
                 <a:solidFill>
                   <a:srgbClr val="000000"/>
                 </a:solidFill>
@@ -1760,7 +1763,7 @@
               </a:rPr>
               <a:t>Sixth Outline Level</a:t>
             </a:r>
-            <a:endParaRPr b="0" lang="en-US" sz="2000" spc="-1" strike="noStrike">
+            <a:endParaRPr b="0" lang="en-US" sz="1800" spc="-1" strike="noStrike">
               <a:solidFill>
                 <a:srgbClr val="000000"/>
               </a:solidFill>
@@ -1782,7 +1785,7 @@
               <a:buChar char=""/>
             </a:pPr>
             <a:r>
-              <a:rPr b="0" lang="en-US" sz="2000" spc="-1" strike="noStrike">
+              <a:rPr b="0" lang="en-US" sz="1800" spc="-1" strike="noStrike">
                 <a:solidFill>
                   <a:srgbClr val="000000"/>
                 </a:solidFill>
@@ -1795,7 +1798,7 @@
               </a:rPr>
               <a:t>Seventh Outline Level</a:t>
             </a:r>
-            <a:endParaRPr b="0" lang="en-US" sz="2000" spc="-1" strike="noStrike">
+            <a:endParaRPr b="0" lang="en-US" sz="1800" spc="-1" strike="noStrike">
               <a:solidFill>
                 <a:srgbClr val="000000"/>
               </a:solidFill>
@@ -1855,7 +1858,7 @@
         <p:spPr>
           <a:xfrm>
             <a:off x="504000" y="301320"/>
-            <a:ext cx="9070920" cy="1261440"/>
+            <a:ext cx="9070560" cy="1261080"/>
           </a:xfrm>
           <a:prstGeom prst="rect">
             <a:avLst/>
@@ -1881,7 +1884,7 @@
         <p:spPr>
           <a:xfrm>
             <a:off x="504000" y="1769040"/>
-            <a:ext cx="9070920" cy="4383720"/>
+            <a:ext cx="9070560" cy="4383360"/>
           </a:xfrm>
           <a:prstGeom prst="rect">
             <a:avLst/>
@@ -1907,7 +1910,7 @@
         <p:spPr>
           <a:xfrm>
             <a:off x="457920" y="1024200"/>
-            <a:ext cx="9070920" cy="1810080"/>
+            <a:ext cx="9070560" cy="1809720"/>
           </a:xfrm>
           <a:prstGeom prst="rect">
             <a:avLst/>
@@ -1942,6 +1945,7 @@
                   </a:solidFill>
                 </a:uFill>
                 <a:latin typeface="Arial"/>
+                <a:ea typeface="DejaVu Sans"/>
               </a:rPr>
               <a:t>Fs7ny</a:t>
             </a:r>
@@ -1956,6 +1960,7 @@
                   </a:solidFill>
                 </a:uFill>
                 <a:latin typeface="Arial"/>
+                <a:ea typeface="DejaVu Sans"/>
               </a:rPr>
               <a:t>	</a:t>
             </a:r>
@@ -1982,7 +1987,7 @@
         <p:spPr>
           <a:xfrm>
             <a:off x="457200" y="2743200"/>
-            <a:ext cx="9071640" cy="1919880"/>
+            <a:ext cx="9071280" cy="1919520"/>
           </a:xfrm>
           <a:prstGeom prst="rect">
             <a:avLst/>
@@ -2017,6 +2022,7 @@
                   </a:solidFill>
                 </a:uFill>
                 <a:latin typeface="Times New Roman"/>
+                <a:ea typeface="DejaVu Sans"/>
               </a:rPr>
               <a:t>Supervised by</a:t>
             </a:r>
@@ -2049,6 +2055,7 @@
                   </a:solidFill>
                 </a:uFill>
                 <a:latin typeface="Times New Roman"/>
+                <a:ea typeface="DejaVu Sans"/>
               </a:rPr>
               <a:t>Dr. Cherry Ahmed</a:t>
             </a:r>
@@ -2081,6 +2088,7 @@
                   </a:solidFill>
                 </a:uFill>
                 <a:latin typeface="Times New Roman"/>
+                <a:ea typeface="DejaVu Sans"/>
               </a:rPr>
               <a:t>TA. Ashraf Yahia</a:t>
             </a:r>
@@ -2107,7 +2115,7 @@
         <p:spPr>
           <a:xfrm>
             <a:off x="504000" y="4572000"/>
-            <a:ext cx="2173680" cy="426960"/>
+            <a:ext cx="2173320" cy="426600"/>
           </a:xfrm>
           <a:prstGeom prst="rect">
             <a:avLst/>
@@ -2137,22 +2145,9 @@
                   </a:solidFill>
                 </a:uFill>
                 <a:latin typeface="Times New Roman"/>
+                <a:ea typeface="DejaVu Sans"/>
               </a:rPr>
-              <a:t>Implemented</a:t>
-            </a:r>
-            <a:r>
-              <a:rPr b="0" lang="en-US" sz="2400" spc="-1" strike="noStrike">
-                <a:solidFill>
-                  <a:srgbClr val="000000"/>
-                </a:solidFill>
-                <a:uFill>
-                  <a:solidFill>
-                    <a:srgbClr val="ffffff"/>
-                  </a:solidFill>
-                </a:uFill>
-                <a:latin typeface="Times New Roman"/>
-              </a:rPr>
-              <a:t> by</a:t>
+              <a:t>Implemented by</a:t>
             </a:r>
             <a:endParaRPr b="0" lang="en-US" sz="1800" spc="-1" strike="noStrike">
               <a:solidFill>
@@ -2189,9 +2184,13 @@
               <a:tr h="719640">
                 <a:tc>
                   <a:txBody>
-                    <a:bodyPr lIns="90000" rIns="90000" tIns="46800" bIns="46800" anchor="ctr"/>
+                    <a:bodyPr lIns="90000" rIns="90000"/>
                     <a:p>
-                      <a:pPr algn="ctr"/>
+                      <a:pPr algn="ctr">
+                        <a:lnSpc>
+                          <a:spcPct val="100000"/>
+                        </a:lnSpc>
+                      </a:pPr>
                       <a:r>
                         <a:rPr b="0" lang="en-US" sz="1800" spc="-1" strike="noStrike">
                           <a:solidFill>
@@ -2215,7 +2214,7 @@
                             <a:srgbClr val="ffffff"/>
                           </a:solidFill>
                         </a:uFill>
-                        <a:latin typeface="Times New Roman"/>
+                        <a:latin typeface="Arial"/>
                       </a:endParaRPr>
                     </a:p>
                   </a:txBody>
@@ -2247,9 +2246,13 @@
                 </a:tc>
                 <a:tc>
                   <a:txBody>
-                    <a:bodyPr lIns="90000" rIns="90000" tIns="46800" bIns="46800" anchor="ctr"/>
+                    <a:bodyPr lIns="90000" rIns="90000"/>
                     <a:p>
-                      <a:pPr algn="ctr"/>
+                      <a:pPr algn="ctr">
+                        <a:lnSpc>
+                          <a:spcPct val="100000"/>
+                        </a:lnSpc>
+                      </a:pPr>
                       <a:r>
                         <a:rPr b="0" lang="en-US" sz="1800" spc="-1" strike="noStrike">
                           <a:solidFill>
@@ -2273,7 +2276,7 @@
                             <a:srgbClr val="ffffff"/>
                           </a:solidFill>
                         </a:uFill>
-                        <a:latin typeface="Times New Roman"/>
+                        <a:latin typeface="Arial"/>
                       </a:endParaRPr>
                     </a:p>
                   </a:txBody>
@@ -2307,9 +2310,13 @@
               <a:tr h="719640">
                 <a:tc>
                   <a:txBody>
-                    <a:bodyPr lIns="90000" rIns="90000" tIns="46800" bIns="46800" anchor="ctr"/>
+                    <a:bodyPr lIns="90000" rIns="90000"/>
                     <a:p>
-                      <a:pPr algn="ctr"/>
+                      <a:pPr algn="ctr">
+                        <a:lnSpc>
+                          <a:spcPct val="100000"/>
+                        </a:lnSpc>
+                      </a:pPr>
                       <a:r>
                         <a:rPr b="0" lang="en-US" sz="1800" spc="-1" strike="noStrike">
                           <a:solidFill>
@@ -2333,7 +2340,7 @@
                             <a:srgbClr val="ffffff"/>
                           </a:solidFill>
                         </a:uFill>
-                        <a:latin typeface="Times New Roman"/>
+                        <a:latin typeface="Arial"/>
                       </a:endParaRPr>
                     </a:p>
                   </a:txBody>
@@ -2365,9 +2372,13 @@
                 </a:tc>
                 <a:tc>
                   <a:txBody>
-                    <a:bodyPr lIns="90000" rIns="90000" tIns="46800" bIns="46800" anchor="ctr"/>
+                    <a:bodyPr lIns="90000" rIns="90000"/>
                     <a:p>
-                      <a:pPr algn="ctr"/>
+                      <a:pPr algn="ctr">
+                        <a:lnSpc>
+                          <a:spcPct val="100000"/>
+                        </a:lnSpc>
+                      </a:pPr>
                       <a:r>
                         <a:rPr b="0" lang="en-US" sz="1800" spc="-1" strike="noStrike">
                           <a:solidFill>
@@ -2391,7 +2402,7 @@
                             <a:srgbClr val="ffffff"/>
                           </a:solidFill>
                         </a:uFill>
-                        <a:latin typeface="Times New Roman"/>
+                        <a:latin typeface="Arial"/>
                       </a:endParaRPr>
                     </a:p>
                   </a:txBody>
@@ -2425,9 +2436,13 @@
               <a:tr h="720360">
                 <a:tc>
                   <a:txBody>
-                    <a:bodyPr lIns="90000" rIns="90000" tIns="46800" bIns="46800" anchor="ctr"/>
+                    <a:bodyPr lIns="90000" rIns="90000"/>
                     <a:p>
-                      <a:pPr algn="ctr"/>
+                      <a:pPr algn="ctr">
+                        <a:lnSpc>
+                          <a:spcPct val="100000"/>
+                        </a:lnSpc>
+                      </a:pPr>
                       <a:r>
                         <a:rPr b="0" lang="en-US" sz="1800" spc="-1" strike="noStrike">
                           <a:solidFill>
@@ -2451,7 +2466,7 @@
                             <a:srgbClr val="ffffff"/>
                           </a:solidFill>
                         </a:uFill>
-                        <a:latin typeface="Times New Roman"/>
+                        <a:latin typeface="Arial"/>
                       </a:endParaRPr>
                     </a:p>
                   </a:txBody>
@@ -2483,9 +2498,13 @@
                 </a:tc>
                 <a:tc>
                   <a:txBody>
-                    <a:bodyPr lIns="90000" rIns="90000" tIns="46800" bIns="46800" anchor="ctr"/>
+                    <a:bodyPr lIns="90000" rIns="90000"/>
                     <a:p>
-                      <a:pPr algn="ctr"/>
+                      <a:pPr algn="ctr">
+                        <a:lnSpc>
+                          <a:spcPct val="100000"/>
+                        </a:lnSpc>
+                      </a:pPr>
                       <a:r>
                         <a:rPr b="0" lang="en-US" sz="1800" spc="-1" strike="noStrike">
                           <a:solidFill>
@@ -2509,7 +2528,7 @@
                             <a:srgbClr val="ffffff"/>
                           </a:solidFill>
                         </a:uFill>
-                        <a:latin typeface="Times New Roman"/>
+                        <a:latin typeface="Arial"/>
                       </a:endParaRPr>
                     </a:p>
                   </a:txBody>
@@ -2595,14 +2614,14 @@
       </p:grpSpPr>
       <p:sp>
         <p:nvSpPr>
-          <p:cNvPr id="42" name="TextShape 1"/>
-          <p:cNvSpPr txBox="1"/>
+          <p:cNvPr id="42" name="CustomShape 1"/>
+          <p:cNvSpPr/>
           <p:nvPr/>
         </p:nvSpPr>
         <p:spPr>
           <a:xfrm>
             <a:off x="548640" y="182880"/>
-            <a:ext cx="9070920" cy="1261440"/>
+            <a:ext cx="9070560" cy="1261080"/>
           </a:xfrm>
           <a:prstGeom prst="rect">
             <a:avLst/>
@@ -2612,10 +2631,20 @@
             <a:noFill/>
           </a:ln>
         </p:spPr>
+        <p:style>
+          <a:lnRef idx="0"/>
+          <a:fillRef idx="0"/>
+          <a:effectRef idx="0"/>
+          <a:fontRef idx="minor"/>
+        </p:style>
         <p:txBody>
           <a:bodyPr lIns="0" rIns="0" tIns="0" bIns="0" anchor="ctr"/>
           <a:p>
-            <a:pPr algn="ctr"/>
+            <a:pPr algn="ctr">
+              <a:lnSpc>
+                <a:spcPct val="100000"/>
+              </a:lnSpc>
+            </a:pPr>
             <a:r>
               <a:rPr b="0" lang="en-US" sz="4400" spc="-1" strike="noStrike">
                 <a:solidFill>
@@ -2628,46 +2657,32 @@
                 </a:uFill>
                 <a:latin typeface="Arial"/>
               </a:rPr>
-              <a:t>Project </a:t>
+              <a:t>Project Idea</a:t>
             </a:r>
-            <a:r>
-              <a:rPr b="0" lang="en-US" sz="4400" spc="-1" strike="noStrike">
-                <a:solidFill>
-                  <a:srgbClr val="000000"/>
-                </a:solidFill>
-                <a:uFill>
-                  <a:solidFill>
-                    <a:srgbClr val="ffffff"/>
-                  </a:solidFill>
-                </a:uFill>
-                <a:latin typeface="Arial"/>
-              </a:rPr>
-              <a:t>Idea</a:t>
-            </a:r>
-            <a:endParaRPr b="0" lang="en-US" sz="4400" spc="-1" strike="noStrike">
-              <a:solidFill>
-                <a:srgbClr val="000000"/>
-              </a:solidFill>
-              <a:uFill>
-                <a:solidFill>
-                  <a:srgbClr val="ffffff"/>
-                </a:solidFill>
-              </a:uFill>
-              <a:latin typeface="Arial"/>
-            </a:endParaRPr>
-          </a:p>
-        </p:txBody>
-      </p:sp>
-      <p:sp>
-        <p:nvSpPr>
-          <p:cNvPr id="43" name="TextShape 2"/>
-          <p:cNvSpPr txBox="1"/>
+            <a:endParaRPr b="0" lang="en-US" sz="1800" spc="-1" strike="noStrike">
+              <a:solidFill>
+                <a:srgbClr val="000000"/>
+              </a:solidFill>
+              <a:uFill>
+                <a:solidFill>
+                  <a:srgbClr val="ffffff"/>
+                </a:solidFill>
+              </a:uFill>
+              <a:latin typeface="Arial"/>
+            </a:endParaRPr>
+          </a:p>
+        </p:txBody>
+      </p:sp>
+      <p:sp>
+        <p:nvSpPr>
+          <p:cNvPr id="43" name="CustomShape 2"/>
+          <p:cNvSpPr/>
           <p:nvPr/>
         </p:nvSpPr>
         <p:spPr>
           <a:xfrm>
             <a:off x="437760" y="1742400"/>
-            <a:ext cx="9072000" cy="4384080"/>
+            <a:ext cx="9071640" cy="4383720"/>
           </a:xfrm>
           <a:prstGeom prst="rect">
             <a:avLst/>
@@ -2677,10 +2692,19 @@
             <a:noFill/>
           </a:ln>
         </p:spPr>
+        <p:style>
+          <a:lnRef idx="0"/>
+          <a:fillRef idx="0"/>
+          <a:effectRef idx="0"/>
+          <a:fontRef idx="minor"/>
+        </p:style>
         <p:txBody>
           <a:bodyPr lIns="0" rIns="0" tIns="0" bIns="0"/>
           <a:p>
-            <a:pPr marL="432000" indent="-324000">
+            <a:pPr marL="432000" indent="-323640">
+              <a:lnSpc>
+                <a:spcPct val="100000"/>
+              </a:lnSpc>
               <a:buClr>
                 <a:srgbClr val="000000"/>
               </a:buClr>
@@ -2703,20 +2727,23 @@
               </a:rPr>
               <a:t>When people decide to take a vacation.</a:t>
             </a:r>
-            <a:endParaRPr b="0" lang="en-US" sz="3200" spc="-1" strike="noStrike">
-              <a:solidFill>
-                <a:srgbClr val="000000"/>
-              </a:solidFill>
-              <a:uFill>
-                <a:solidFill>
-                  <a:srgbClr val="ffffff"/>
-                </a:solidFill>
-              </a:uFill>
-              <a:latin typeface="Times New Roman"/>
-            </a:endParaRPr>
-          </a:p>
-          <a:p>
-            <a:pPr marL="432000" indent="-324000">
+            <a:endParaRPr b="0" lang="en-US" sz="1800" spc="-1" strike="noStrike">
+              <a:solidFill>
+                <a:srgbClr val="000000"/>
+              </a:solidFill>
+              <a:uFill>
+                <a:solidFill>
+                  <a:srgbClr val="ffffff"/>
+                </a:solidFill>
+              </a:uFill>
+              <a:latin typeface="Arial"/>
+            </a:endParaRPr>
+          </a:p>
+          <a:p>
+            <a:pPr marL="432000" indent="-323640">
+              <a:lnSpc>
+                <a:spcPct val="100000"/>
+              </a:lnSpc>
               <a:buClr>
                 <a:srgbClr val="000000"/>
               </a:buClr>
@@ -2739,20 +2766,23 @@
               </a:rPr>
               <a:t>Preparing for such trips is managed by many companies.</a:t>
             </a:r>
-            <a:endParaRPr b="0" lang="en-US" sz="3200" spc="-1" strike="noStrike">
-              <a:solidFill>
-                <a:srgbClr val="000000"/>
-              </a:solidFill>
-              <a:uFill>
-                <a:solidFill>
-                  <a:srgbClr val="ffffff"/>
-                </a:solidFill>
-              </a:uFill>
-              <a:latin typeface="Times New Roman"/>
-            </a:endParaRPr>
-          </a:p>
-          <a:p>
-            <a:pPr marL="432000" indent="-324000">
+            <a:endParaRPr b="0" lang="en-US" sz="1800" spc="-1" strike="noStrike">
+              <a:solidFill>
+                <a:srgbClr val="000000"/>
+              </a:solidFill>
+              <a:uFill>
+                <a:solidFill>
+                  <a:srgbClr val="ffffff"/>
+                </a:solidFill>
+              </a:uFill>
+              <a:latin typeface="Arial"/>
+            </a:endParaRPr>
+          </a:p>
+          <a:p>
+            <a:pPr marL="432000" indent="-323640">
+              <a:lnSpc>
+                <a:spcPct val="100000"/>
+              </a:lnSpc>
               <a:buClr>
                 <a:srgbClr val="000000"/>
               </a:buClr>
@@ -2775,20 +2805,23 @@
               </a:rPr>
               <a:t>they don’t have a platform to advertise their offers.</a:t>
             </a:r>
-            <a:endParaRPr b="0" lang="en-US" sz="3200" spc="-1" strike="noStrike">
-              <a:solidFill>
-                <a:srgbClr val="000000"/>
-              </a:solidFill>
-              <a:uFill>
-                <a:solidFill>
-                  <a:srgbClr val="ffffff"/>
-                </a:solidFill>
-              </a:uFill>
-              <a:latin typeface="Times New Roman"/>
-            </a:endParaRPr>
-          </a:p>
-          <a:p>
-            <a:pPr marL="432000" indent="-324000">
+            <a:endParaRPr b="0" lang="en-US" sz="1800" spc="-1" strike="noStrike">
+              <a:solidFill>
+                <a:srgbClr val="000000"/>
+              </a:solidFill>
+              <a:uFill>
+                <a:solidFill>
+                  <a:srgbClr val="ffffff"/>
+                </a:solidFill>
+              </a:uFill>
+              <a:latin typeface="Arial"/>
+            </a:endParaRPr>
+          </a:p>
+          <a:p>
+            <a:pPr marL="432000" indent="-323640">
+              <a:lnSpc>
+                <a:spcPct val="100000"/>
+              </a:lnSpc>
               <a:buClr>
                 <a:srgbClr val="000000"/>
               </a:buClr>
@@ -2811,25 +2844,28 @@
               </a:rPr>
               <a:t>So a system is required to be the platform where the customer can:</a:t>
             </a:r>
-            <a:endParaRPr b="0" lang="en-US" sz="3200" spc="-1" strike="noStrike">
-              <a:solidFill>
-                <a:srgbClr val="000000"/>
-              </a:solidFill>
-              <a:uFill>
-                <a:solidFill>
-                  <a:srgbClr val="ffffff"/>
-                </a:solidFill>
-              </a:uFill>
-              <a:latin typeface="Times New Roman"/>
-            </a:endParaRPr>
-          </a:p>
-          <a:p>
-            <a:pPr lvl="1" marL="864000" indent="-324000">
+            <a:endParaRPr b="0" lang="en-US" sz="1800" spc="-1" strike="noStrike">
+              <a:solidFill>
+                <a:srgbClr val="000000"/>
+              </a:solidFill>
+              <a:uFill>
+                <a:solidFill>
+                  <a:srgbClr val="ffffff"/>
+                </a:solidFill>
+              </a:uFill>
+              <a:latin typeface="Arial"/>
+            </a:endParaRPr>
+          </a:p>
+          <a:p>
+            <a:pPr lvl="1" marL="864000" indent="-323640">
+              <a:lnSpc>
+                <a:spcPct val="100000"/>
+              </a:lnSpc>
               <a:buClr>
                 <a:srgbClr val="000000"/>
               </a:buClr>
               <a:buSzPct val="75000"/>
-              <a:buFont typeface="Symbol" charset="2"/>
+              <a:buFont typeface="Symbol"/>
               <a:buChar char=""/>
             </a:pPr>
             <a:r>
@@ -2862,25 +2898,28 @@
               </a:rPr>
               <a:t>view and surf offers made by deferent companies.</a:t>
             </a:r>
-            <a:endParaRPr b="0" lang="en-US" sz="2800" spc="-1" strike="noStrike">
-              <a:solidFill>
-                <a:srgbClr val="000000"/>
-              </a:solidFill>
-              <a:uFill>
-                <a:solidFill>
-                  <a:srgbClr val="ffffff"/>
-                </a:solidFill>
-              </a:uFill>
-              <a:latin typeface="Times New Roman"/>
-            </a:endParaRPr>
-          </a:p>
-          <a:p>
-            <a:pPr lvl="1" marL="864000" indent="-324000">
+            <a:endParaRPr b="0" lang="en-US" sz="1800" spc="-1" strike="noStrike">
+              <a:solidFill>
+                <a:srgbClr val="000000"/>
+              </a:solidFill>
+              <a:uFill>
+                <a:solidFill>
+                  <a:srgbClr val="ffffff"/>
+                </a:solidFill>
+              </a:uFill>
+              <a:latin typeface="Arial"/>
+            </a:endParaRPr>
+          </a:p>
+          <a:p>
+            <a:pPr lvl="1" marL="864000" indent="-323640">
+              <a:lnSpc>
+                <a:spcPct val="100000"/>
+              </a:lnSpc>
               <a:buClr>
                 <a:srgbClr val="000000"/>
               </a:buClr>
               <a:buSzPct val="75000"/>
-              <a:buFont typeface="Symbol" charset="2"/>
+              <a:buFont typeface="Symbol"/>
               <a:buChar char=""/>
             </a:pPr>
             <a:r>
@@ -2898,25 +2937,28 @@
               </a:rPr>
               <a:t>select an offer that suits him/her.</a:t>
             </a:r>
-            <a:endParaRPr b="0" lang="en-US" sz="2800" spc="-1" strike="noStrike">
-              <a:solidFill>
-                <a:srgbClr val="000000"/>
-              </a:solidFill>
-              <a:uFill>
-                <a:solidFill>
-                  <a:srgbClr val="ffffff"/>
-                </a:solidFill>
-              </a:uFill>
-              <a:latin typeface="Times New Roman"/>
-            </a:endParaRPr>
-          </a:p>
-          <a:p>
-            <a:pPr lvl="1" marL="864000" indent="-324000">
+            <a:endParaRPr b="0" lang="en-US" sz="1800" spc="-1" strike="noStrike">
+              <a:solidFill>
+                <a:srgbClr val="000000"/>
+              </a:solidFill>
+              <a:uFill>
+                <a:solidFill>
+                  <a:srgbClr val="ffffff"/>
+                </a:solidFill>
+              </a:uFill>
+              <a:latin typeface="Arial"/>
+            </a:endParaRPr>
+          </a:p>
+          <a:p>
+            <a:pPr lvl="1" marL="864000" indent="-323640">
+              <a:lnSpc>
+                <a:spcPct val="100000"/>
+              </a:lnSpc>
               <a:buClr>
                 <a:srgbClr val="000000"/>
               </a:buClr>
               <a:buSzPct val="75000"/>
-              <a:buFont typeface="Symbol" charset="2"/>
+              <a:buFont typeface="Symbol"/>
               <a:buChar char=""/>
             </a:pPr>
             <a:r>
@@ -2934,16 +2976,16 @@
               </a:rPr>
               <a:t>book tickets and pay for them on the platform.</a:t>
             </a:r>
-            <a:endParaRPr b="0" lang="en-US" sz="2800" spc="-1" strike="noStrike">
-              <a:solidFill>
-                <a:srgbClr val="000000"/>
-              </a:solidFill>
-              <a:uFill>
-                <a:solidFill>
-                  <a:srgbClr val="ffffff"/>
-                </a:solidFill>
-              </a:uFill>
-              <a:latin typeface="Times New Roman"/>
+            <a:endParaRPr b="0" lang="en-US" sz="1800" spc="-1" strike="noStrike">
+              <a:solidFill>
+                <a:srgbClr val="000000"/>
+              </a:solidFill>
+              <a:uFill>
+                <a:solidFill>
+                  <a:srgbClr val="ffffff"/>
+                </a:solidFill>
+              </a:uFill>
+              <a:latin typeface="Arial"/>
             </a:endParaRPr>
           </a:p>
         </p:txBody>
@@ -2957,6 +2999,920 @@
           <p:childTnLst>
             <p:seq>
               <p:cTn id="4" nodeType="mainSeq"/>
+              <p:prevCondLst>
+                <p:cond delay="0" evt="onPrev">
+                  <p:tgtEl>
+                    <p:sldTgt/>
+                  </p:tgtEl>
+                </p:cond>
+              </p:prevCondLst>
+              <p:nextCondLst>
+                <p:cond delay="0" evt="onNext">
+                  <p:tgtEl>
+                    <p:sldTgt/>
+                  </p:tgtEl>
+                </p:cond>
+              </p:nextCondLst>
+            </p:seq>
+          </p:childTnLst>
+        </p:cTn>
+      </p:par>
+    </p:tnLst>
+  </p:timing>
+</p:sld>
+</file>
+
+<file path=ppt/slides/slide3.xml><?xml version="1.0" encoding="utf-8"?>
+<p:sld xmlns:a="http://schemas.openxmlformats.org/drawingml/2006/main" xmlns:p="http://schemas.openxmlformats.org/presentationml/2006/main" xmlns:r="http://schemas.openxmlformats.org/officeDocument/2006/relationships" xmlns:p14="http://schemas.microsoft.com/office/powerpoint/2010/main" xmlns:p15="http://schemas.microsoft.com/office/powerpoint/2012/main" xmlns:mc="http://schemas.openxmlformats.org/markup-compatibility/2006">
+  <p:cSld>
+    <p:spTree>
+      <p:nvGrpSpPr>
+        <p:cNvPr id="1" name=""/>
+        <p:cNvGrpSpPr/>
+        <p:nvPr/>
+      </p:nvGrpSpPr>
+      <p:grpSpPr>
+        <a:xfrm>
+          <a:off x="0" y="0"/>
+          <a:ext cx="0" cy="0"/>
+          <a:chOff x="0" y="0"/>
+          <a:chExt cx="0" cy="0"/>
+        </a:xfrm>
+      </p:grpSpPr>
+      <p:sp>
+        <p:nvSpPr>
+          <p:cNvPr id="44" name="TextShape 1"/>
+          <p:cNvSpPr txBox="1"/>
+          <p:nvPr/>
+        </p:nvSpPr>
+        <p:spPr>
+          <a:xfrm>
+            <a:off x="504000" y="301320"/>
+            <a:ext cx="9070560" cy="1261080"/>
+          </a:xfrm>
+          <a:prstGeom prst="rect">
+            <a:avLst/>
+          </a:prstGeom>
+          <a:noFill/>
+          <a:ln>
+            <a:noFill/>
+          </a:ln>
+        </p:spPr>
+        <p:txBody>
+          <a:bodyPr lIns="0" rIns="0" tIns="0" bIns="0" anchor="ctr"/>
+          <a:p>
+            <a:pPr algn="ctr"/>
+            <a:r>
+              <a:rPr b="0" lang="en-US" sz="4400" spc="-1" strike="noStrike">
+                <a:solidFill>
+                  <a:srgbClr val="000000"/>
+                </a:solidFill>
+                <a:uFill>
+                  <a:solidFill>
+                    <a:srgbClr val="ffffff"/>
+                  </a:solidFill>
+                </a:uFill>
+                <a:latin typeface="Arial"/>
+              </a:rPr>
+              <a:t>Problem</a:t>
+            </a:r>
+            <a:r>
+              <a:rPr b="0" lang="en-US" sz="4400" spc="-1" strike="noStrike">
+                <a:solidFill>
+                  <a:srgbClr val="000000"/>
+                </a:solidFill>
+                <a:uFill>
+                  <a:solidFill>
+                    <a:srgbClr val="ffffff"/>
+                  </a:solidFill>
+                </a:uFill>
+                <a:latin typeface="Arial"/>
+              </a:rPr>
+              <a:t>	</a:t>
+            </a:r>
+            <a:r>
+              <a:rPr b="0" lang="en-US" sz="4400" spc="-1" strike="noStrike">
+                <a:solidFill>
+                  <a:srgbClr val="000000"/>
+                </a:solidFill>
+                <a:uFill>
+                  <a:solidFill>
+                    <a:srgbClr val="ffffff"/>
+                  </a:solidFill>
+                </a:uFill>
+                <a:latin typeface="Arial"/>
+              </a:rPr>
+              <a:t>significance</a:t>
+            </a:r>
+            <a:endParaRPr b="0" lang="en-US" sz="4400" spc="-1" strike="noStrike">
+              <a:solidFill>
+                <a:srgbClr val="000000"/>
+              </a:solidFill>
+              <a:uFill>
+                <a:solidFill>
+                  <a:srgbClr val="ffffff"/>
+                </a:solidFill>
+              </a:uFill>
+              <a:latin typeface="Arial"/>
+            </a:endParaRPr>
+          </a:p>
+        </p:txBody>
+      </p:sp>
+      <p:sp>
+        <p:nvSpPr>
+          <p:cNvPr id="45" name="TextShape 2"/>
+          <p:cNvSpPr txBox="1"/>
+          <p:nvPr/>
+        </p:nvSpPr>
+        <p:spPr>
+          <a:xfrm>
+            <a:off x="438120" y="1742760"/>
+            <a:ext cx="9071640" cy="4383720"/>
+          </a:xfrm>
+          <a:prstGeom prst="rect">
+            <a:avLst/>
+          </a:prstGeom>
+          <a:noFill/>
+          <a:ln>
+            <a:noFill/>
+          </a:ln>
+        </p:spPr>
+        <p:txBody>
+          <a:bodyPr lIns="0" rIns="0" tIns="0" bIns="0"/>
+          <a:p>
+            <a:pPr marL="432000" indent="-324000">
+              <a:buClr>
+                <a:srgbClr val="000000"/>
+              </a:buClr>
+              <a:buSzPct val="45000"/>
+              <a:buFont typeface="Wingdings" charset="2"/>
+              <a:buChar char=""/>
+            </a:pPr>
+            <a:r>
+              <a:rPr b="0" lang="en-US" sz="3200" spc="-1" strike="noStrike">
+                <a:solidFill>
+                  <a:srgbClr val="000000"/>
+                </a:solidFill>
+                <a:uFill>
+                  <a:solidFill>
+                    <a:srgbClr val="ffffff"/>
+                  </a:solidFill>
+                </a:uFill>
+                <a:latin typeface="Arial"/>
+              </a:rPr>
+              <a:t>A platform for the traveling companies to advertise their offers is missing</a:t>
+            </a:r>
+            <a:endParaRPr b="0" lang="en-US" sz="3200" spc="-1" strike="noStrike">
+              <a:solidFill>
+                <a:srgbClr val="000000"/>
+              </a:solidFill>
+              <a:uFill>
+                <a:solidFill>
+                  <a:srgbClr val="ffffff"/>
+                </a:solidFill>
+              </a:uFill>
+              <a:latin typeface="Arial"/>
+            </a:endParaRPr>
+          </a:p>
+          <a:p>
+            <a:pPr marL="432000" indent="-324000">
+              <a:buClr>
+                <a:srgbClr val="000000"/>
+              </a:buClr>
+              <a:buSzPct val="45000"/>
+              <a:buFont typeface="Wingdings" charset="2"/>
+              <a:buChar char=""/>
+            </a:pPr>
+            <a:r>
+              <a:rPr b="0" lang="en-US" sz="3200" spc="-1" strike="noStrike">
+                <a:solidFill>
+                  <a:srgbClr val="000000"/>
+                </a:solidFill>
+                <a:uFill>
+                  <a:solidFill>
+                    <a:srgbClr val="ffffff"/>
+                  </a:solidFill>
+                </a:uFill>
+                <a:latin typeface="Arial"/>
+              </a:rPr>
+              <a:t>Deliver such a platform will be win-win situation for all.</a:t>
+            </a:r>
+            <a:endParaRPr b="0" lang="en-US" sz="3200" spc="-1" strike="noStrike">
+              <a:solidFill>
+                <a:srgbClr val="000000"/>
+              </a:solidFill>
+              <a:uFill>
+                <a:solidFill>
+                  <a:srgbClr val="ffffff"/>
+                </a:solidFill>
+              </a:uFill>
+              <a:latin typeface="Arial"/>
+            </a:endParaRPr>
+          </a:p>
+          <a:p>
+            <a:pPr marL="432000" indent="-324000">
+              <a:buClr>
+                <a:srgbClr val="000000"/>
+              </a:buClr>
+              <a:buSzPct val="45000"/>
+              <a:buFont typeface="Wingdings" charset="2"/>
+              <a:buChar char=""/>
+            </a:pPr>
+            <a:r>
+              <a:rPr b="0" lang="en-US" sz="3200" spc="-1" strike="noStrike">
+                <a:solidFill>
+                  <a:srgbClr val="000000"/>
+                </a:solidFill>
+                <a:uFill>
+                  <a:solidFill>
+                    <a:srgbClr val="ffffff"/>
+                  </a:solidFill>
+                </a:uFill>
+                <a:latin typeface="Arial"/>
+              </a:rPr>
+              <a:t>Creating a cross-platform System</a:t>
+            </a:r>
+            <a:endParaRPr b="0" lang="en-US" sz="3200" spc="-1" strike="noStrike">
+              <a:solidFill>
+                <a:srgbClr val="000000"/>
+              </a:solidFill>
+              <a:uFill>
+                <a:solidFill>
+                  <a:srgbClr val="ffffff"/>
+                </a:solidFill>
+              </a:uFill>
+              <a:latin typeface="Arial"/>
+            </a:endParaRPr>
+          </a:p>
+          <a:p>
+            <a:pPr marL="432000" indent="-324000">
+              <a:buClr>
+                <a:srgbClr val="000000"/>
+              </a:buClr>
+              <a:buSzPct val="45000"/>
+              <a:buFont typeface="Wingdings" charset="2"/>
+              <a:buChar char=""/>
+            </a:pPr>
+            <a:r>
+              <a:rPr b="0" lang="en-US" sz="3200" spc="-1" strike="noStrike">
+                <a:solidFill>
+                  <a:srgbClr val="000000"/>
+                </a:solidFill>
+                <a:uFill>
+                  <a:solidFill>
+                    <a:srgbClr val="ffffff"/>
+                  </a:solidFill>
+                </a:uFill>
+                <a:latin typeface="Arial"/>
+              </a:rPr>
+              <a:t>previous solutions:</a:t>
+            </a:r>
+            <a:endParaRPr b="0" lang="en-US" sz="3200" spc="-1" strike="noStrike">
+              <a:solidFill>
+                <a:srgbClr val="000000"/>
+              </a:solidFill>
+              <a:uFill>
+                <a:solidFill>
+                  <a:srgbClr val="ffffff"/>
+                </a:solidFill>
+              </a:uFill>
+              <a:latin typeface="Arial"/>
+            </a:endParaRPr>
+          </a:p>
+          <a:p>
+            <a:pPr lvl="1" marL="685800" indent="-228600">
+              <a:buClr>
+                <a:srgbClr val="000000"/>
+              </a:buClr>
+              <a:buSzPct val="75000"/>
+              <a:buFont typeface="Symbol" charset="2"/>
+              <a:buChar char=""/>
+            </a:pPr>
+            <a:r>
+              <a:rPr b="0" lang="en-US" sz="2800" spc="-1" strike="noStrike">
+                <a:solidFill>
+                  <a:srgbClr val="000000"/>
+                </a:solidFill>
+                <a:uFill>
+                  <a:solidFill>
+                    <a:srgbClr val="ffffff"/>
+                  </a:solidFill>
+                </a:uFill>
+                <a:latin typeface="Arial"/>
+              </a:rPr>
+              <a:t>Street-posters</a:t>
+            </a:r>
+            <a:endParaRPr b="0" lang="en-US" sz="2800" spc="-1" strike="noStrike">
+              <a:solidFill>
+                <a:srgbClr val="000000"/>
+              </a:solidFill>
+              <a:uFill>
+                <a:solidFill>
+                  <a:srgbClr val="ffffff"/>
+                </a:solidFill>
+              </a:uFill>
+              <a:latin typeface="Arial"/>
+            </a:endParaRPr>
+          </a:p>
+          <a:p>
+            <a:pPr lvl="1" marL="685800" indent="-228600">
+              <a:buClr>
+                <a:srgbClr val="000000"/>
+              </a:buClr>
+              <a:buSzPct val="75000"/>
+              <a:buFont typeface="Symbol" charset="2"/>
+              <a:buChar char=""/>
+            </a:pPr>
+            <a:r>
+              <a:rPr b="0" lang="en-US" sz="2800" spc="-1" strike="noStrike">
+                <a:solidFill>
+                  <a:srgbClr val="000000"/>
+                </a:solidFill>
+                <a:uFill>
+                  <a:solidFill>
+                    <a:srgbClr val="ffffff"/>
+                  </a:solidFill>
+                </a:uFill>
+                <a:latin typeface="Arial"/>
+              </a:rPr>
+              <a:t>Flayers</a:t>
+            </a:r>
+            <a:endParaRPr b="0" lang="en-US" sz="2800" spc="-1" strike="noStrike">
+              <a:solidFill>
+                <a:srgbClr val="000000"/>
+              </a:solidFill>
+              <a:uFill>
+                <a:solidFill>
+                  <a:srgbClr val="ffffff"/>
+                </a:solidFill>
+              </a:uFill>
+              <a:latin typeface="Arial"/>
+            </a:endParaRPr>
+          </a:p>
+          <a:p>
+            <a:pPr lvl="1" marL="685800" indent="-228600">
+              <a:buClr>
+                <a:srgbClr val="000000"/>
+              </a:buClr>
+              <a:buSzPct val="75000"/>
+              <a:buFont typeface="Symbol" charset="2"/>
+              <a:buChar char=""/>
+            </a:pPr>
+            <a:r>
+              <a:rPr b="0" lang="en-US" sz="2800" spc="-1" strike="noStrike">
+                <a:solidFill>
+                  <a:srgbClr val="000000"/>
+                </a:solidFill>
+                <a:uFill>
+                  <a:solidFill>
+                    <a:srgbClr val="ffffff"/>
+                  </a:solidFill>
+                </a:uFill>
+                <a:latin typeface="Arial"/>
+              </a:rPr>
+              <a:t>Social Media Events</a:t>
+            </a:r>
+            <a:endParaRPr b="0" lang="en-US" sz="2800" spc="-1" strike="noStrike">
+              <a:solidFill>
+                <a:srgbClr val="000000"/>
+              </a:solidFill>
+              <a:uFill>
+                <a:solidFill>
+                  <a:srgbClr val="ffffff"/>
+                </a:solidFill>
+              </a:uFill>
+              <a:latin typeface="Arial"/>
+            </a:endParaRPr>
+          </a:p>
+        </p:txBody>
+      </p:sp>
+    </p:spTree>
+  </p:cSld>
+  <p:timing>
+    <p:tnLst>
+      <p:par>
+        <p:cTn id="5" dur="indefinite" restart="never" nodeType="tmRoot">
+          <p:childTnLst>
+            <p:seq>
+              <p:cTn id="6" nodeType="mainSeq"/>
+              <p:prevCondLst>
+                <p:cond delay="0" evt="onPrev">
+                  <p:tgtEl>
+                    <p:sldTgt/>
+                  </p:tgtEl>
+                </p:cond>
+              </p:prevCondLst>
+              <p:nextCondLst>
+                <p:cond delay="0" evt="onNext">
+                  <p:tgtEl>
+                    <p:sldTgt/>
+                  </p:tgtEl>
+                </p:cond>
+              </p:nextCondLst>
+            </p:seq>
+          </p:childTnLst>
+        </p:cTn>
+      </p:par>
+    </p:tnLst>
+  </p:timing>
+</p:sld>
+</file>
+
+<file path=ppt/slides/slide4.xml><?xml version="1.0" encoding="utf-8"?>
+<p:sld xmlns:a="http://schemas.openxmlformats.org/drawingml/2006/main" xmlns:p="http://schemas.openxmlformats.org/presentationml/2006/main" xmlns:r="http://schemas.openxmlformats.org/officeDocument/2006/relationships" xmlns:p14="http://schemas.microsoft.com/office/powerpoint/2010/main" xmlns:p15="http://schemas.microsoft.com/office/powerpoint/2012/main" xmlns:mc="http://schemas.openxmlformats.org/markup-compatibility/2006">
+  <p:cSld>
+    <p:spTree>
+      <p:nvGrpSpPr>
+        <p:cNvPr id="1" name=""/>
+        <p:cNvGrpSpPr/>
+        <p:nvPr/>
+      </p:nvGrpSpPr>
+      <p:grpSpPr>
+        <a:xfrm>
+          <a:off x="0" y="0"/>
+          <a:ext cx="0" cy="0"/>
+          <a:chOff x="0" y="0"/>
+          <a:chExt cx="0" cy="0"/>
+        </a:xfrm>
+      </p:grpSpPr>
+      <p:sp>
+        <p:nvSpPr>
+          <p:cNvPr id="46" name="TextShape 1"/>
+          <p:cNvSpPr txBox="1"/>
+          <p:nvPr/>
+        </p:nvSpPr>
+        <p:spPr>
+          <a:xfrm>
+            <a:off x="504000" y="301320"/>
+            <a:ext cx="9070560" cy="1261080"/>
+          </a:xfrm>
+          <a:prstGeom prst="rect">
+            <a:avLst/>
+          </a:prstGeom>
+          <a:noFill/>
+          <a:ln>
+            <a:noFill/>
+          </a:ln>
+        </p:spPr>
+        <p:txBody>
+          <a:bodyPr lIns="0" rIns="0" tIns="0" bIns="0" anchor="ctr"/>
+          <a:p>
+            <a:pPr algn="ctr"/>
+            <a:r>
+              <a:rPr b="0" lang="en-US" sz="4400" spc="-1" strike="noStrike">
+                <a:solidFill>
+                  <a:srgbClr val="000000"/>
+                </a:solidFill>
+                <a:uFill>
+                  <a:solidFill>
+                    <a:srgbClr val="ffffff"/>
+                  </a:solidFill>
+                </a:uFill>
+                <a:latin typeface="Arial"/>
+              </a:rPr>
+              <a:t>System architecture</a:t>
+            </a:r>
+            <a:endParaRPr b="0" lang="en-US" sz="4400" spc="-1" strike="noStrike">
+              <a:solidFill>
+                <a:srgbClr val="000000"/>
+              </a:solidFill>
+              <a:uFill>
+                <a:solidFill>
+                  <a:srgbClr val="ffffff"/>
+                </a:solidFill>
+              </a:uFill>
+              <a:latin typeface="Arial"/>
+            </a:endParaRPr>
+          </a:p>
+        </p:txBody>
+      </p:sp>
+      <p:sp>
+        <p:nvSpPr>
+          <p:cNvPr id="47" name="TextShape 2"/>
+          <p:cNvSpPr txBox="1"/>
+          <p:nvPr/>
+        </p:nvSpPr>
+        <p:spPr>
+          <a:xfrm>
+            <a:off x="182880" y="2382840"/>
+            <a:ext cx="9071640" cy="4383720"/>
+          </a:xfrm>
+          <a:prstGeom prst="rect">
+            <a:avLst/>
+          </a:prstGeom>
+          <a:noFill/>
+          <a:ln>
+            <a:noFill/>
+          </a:ln>
+        </p:spPr>
+        <p:txBody>
+          <a:bodyPr lIns="0" rIns="0" tIns="0" bIns="0"/>
+          <a:p>
+            <a:pPr marL="432000" indent="-324000">
+              <a:buClr>
+                <a:srgbClr val="000000"/>
+              </a:buClr>
+              <a:buSzPct val="45000"/>
+              <a:buFont typeface="Wingdings" charset="2"/>
+              <a:buChar char=""/>
+            </a:pPr>
+            <a:r>
+              <a:rPr b="0" lang="en-US" sz="3200" spc="-1" strike="noStrike">
+                <a:solidFill>
+                  <a:srgbClr val="000000"/>
+                </a:solidFill>
+                <a:uFill>
+                  <a:solidFill>
+                    <a:srgbClr val="ffffff"/>
+                  </a:solidFill>
+                </a:uFill>
+                <a:latin typeface="Arial"/>
+              </a:rPr>
+              <a:t>Web-based 3-Tier architecture</a:t>
+            </a:r>
+            <a:endParaRPr b="0" lang="en-US" sz="3200" spc="-1" strike="noStrike">
+              <a:solidFill>
+                <a:srgbClr val="000000"/>
+              </a:solidFill>
+              <a:uFill>
+                <a:solidFill>
+                  <a:srgbClr val="ffffff"/>
+                </a:solidFill>
+              </a:uFill>
+              <a:latin typeface="Arial"/>
+            </a:endParaRPr>
+          </a:p>
+          <a:p>
+            <a:pPr lvl="1" marL="864000" indent="-324000">
+              <a:buClr>
+                <a:srgbClr val="000000"/>
+              </a:buClr>
+              <a:buSzPct val="75000"/>
+              <a:buFont typeface="Symbol" charset="2"/>
+              <a:buChar char=""/>
+            </a:pPr>
+            <a:r>
+              <a:rPr b="0" lang="en-US" sz="2800" spc="-1" strike="noStrike">
+                <a:solidFill>
+                  <a:srgbClr val="000000"/>
+                </a:solidFill>
+                <a:uFill>
+                  <a:solidFill>
+                    <a:srgbClr val="ffffff"/>
+                  </a:solidFill>
+                </a:uFill>
+                <a:latin typeface="Arial"/>
+              </a:rPr>
+              <a:t>User Interface Tier</a:t>
+            </a:r>
+            <a:endParaRPr b="0" lang="en-US" sz="2800" spc="-1" strike="noStrike">
+              <a:solidFill>
+                <a:srgbClr val="000000"/>
+              </a:solidFill>
+              <a:uFill>
+                <a:solidFill>
+                  <a:srgbClr val="ffffff"/>
+                </a:solidFill>
+              </a:uFill>
+              <a:latin typeface="Arial"/>
+            </a:endParaRPr>
+          </a:p>
+          <a:p>
+            <a:pPr lvl="1" marL="864000" indent="-324000">
+              <a:buClr>
+                <a:srgbClr val="000000"/>
+              </a:buClr>
+              <a:buSzPct val="75000"/>
+              <a:buFont typeface="Symbol" charset="2"/>
+              <a:buChar char=""/>
+            </a:pPr>
+            <a:r>
+              <a:rPr b="0" lang="en-US" sz="2800" spc="-1" strike="noStrike">
+                <a:solidFill>
+                  <a:srgbClr val="000000"/>
+                </a:solidFill>
+                <a:uFill>
+                  <a:solidFill>
+                    <a:srgbClr val="ffffff"/>
+                  </a:solidFill>
+                </a:uFill>
+                <a:latin typeface="Arial"/>
+              </a:rPr>
+              <a:t>Application Logic Tier</a:t>
+            </a:r>
+            <a:endParaRPr b="0" lang="en-US" sz="2800" spc="-1" strike="noStrike">
+              <a:solidFill>
+                <a:srgbClr val="000000"/>
+              </a:solidFill>
+              <a:uFill>
+                <a:solidFill>
+                  <a:srgbClr val="ffffff"/>
+                </a:solidFill>
+              </a:uFill>
+              <a:latin typeface="Arial"/>
+            </a:endParaRPr>
+          </a:p>
+          <a:p>
+            <a:pPr lvl="1" marL="864000" indent="-324000">
+              <a:buClr>
+                <a:srgbClr val="000000"/>
+              </a:buClr>
+              <a:buSzPct val="75000"/>
+              <a:buFont typeface="Symbol" charset="2"/>
+              <a:buChar char=""/>
+            </a:pPr>
+            <a:r>
+              <a:rPr b="0" lang="en-US" sz="2800" spc="-1" strike="noStrike">
+                <a:solidFill>
+                  <a:srgbClr val="000000"/>
+                </a:solidFill>
+                <a:uFill>
+                  <a:solidFill>
+                    <a:srgbClr val="ffffff"/>
+                  </a:solidFill>
+                </a:uFill>
+                <a:latin typeface="Arial"/>
+              </a:rPr>
+              <a:t>DataBase Tier</a:t>
+            </a:r>
+            <a:endParaRPr b="0" lang="en-US" sz="2800" spc="-1" strike="noStrike">
+              <a:solidFill>
+                <a:srgbClr val="000000"/>
+              </a:solidFill>
+              <a:uFill>
+                <a:solidFill>
+                  <a:srgbClr val="ffffff"/>
+                </a:solidFill>
+              </a:uFill>
+              <a:latin typeface="Arial"/>
+            </a:endParaRPr>
+          </a:p>
+        </p:txBody>
+      </p:sp>
+    </p:spTree>
+  </p:cSld>
+  <p:timing>
+    <p:tnLst>
+      <p:par>
+        <p:cTn id="7" dur="indefinite" restart="never" nodeType="tmRoot">
+          <p:childTnLst>
+            <p:seq>
+              <p:cTn id="8" nodeType="mainSeq"/>
+              <p:prevCondLst>
+                <p:cond delay="0" evt="onPrev">
+                  <p:tgtEl>
+                    <p:sldTgt/>
+                  </p:tgtEl>
+                </p:cond>
+              </p:prevCondLst>
+              <p:nextCondLst>
+                <p:cond delay="0" evt="onNext">
+                  <p:tgtEl>
+                    <p:sldTgt/>
+                  </p:tgtEl>
+                </p:cond>
+              </p:nextCondLst>
+            </p:seq>
+          </p:childTnLst>
+        </p:cTn>
+      </p:par>
+    </p:tnLst>
+  </p:timing>
+</p:sld>
+</file>
+
+<file path=ppt/slides/slide5.xml><?xml version="1.0" encoding="utf-8"?>
+<p:sld xmlns:a="http://schemas.openxmlformats.org/drawingml/2006/main" xmlns:p="http://schemas.openxmlformats.org/presentationml/2006/main" xmlns:r="http://schemas.openxmlformats.org/officeDocument/2006/relationships" xmlns:p14="http://schemas.microsoft.com/office/powerpoint/2010/main" xmlns:p15="http://schemas.microsoft.com/office/powerpoint/2012/main" xmlns:mc="http://schemas.openxmlformats.org/markup-compatibility/2006">
+  <p:cSld>
+    <p:spTree>
+      <p:nvGrpSpPr>
+        <p:cNvPr id="1" name=""/>
+        <p:cNvGrpSpPr/>
+        <p:nvPr/>
+      </p:nvGrpSpPr>
+      <p:grpSpPr>
+        <a:xfrm>
+          <a:off x="0" y="0"/>
+          <a:ext cx="0" cy="0"/>
+          <a:chOff x="0" y="0"/>
+          <a:chExt cx="0" cy="0"/>
+        </a:xfrm>
+      </p:grpSpPr>
+      <p:pic>
+        <p:nvPicPr>
+          <p:cNvPr id="48" name="" descr=""/>
+          <p:cNvPicPr/>
+          <p:nvPr/>
+        </p:nvPicPr>
+        <p:blipFill>
+          <a:blip r:embed="rId1"/>
+          <a:stretch/>
+        </p:blipFill>
+        <p:spPr>
+          <a:xfrm>
+            <a:off x="61200" y="91440"/>
+            <a:ext cx="3779280" cy="2834640"/>
+          </a:xfrm>
+          <a:prstGeom prst="rect">
+            <a:avLst/>
+          </a:prstGeom>
+          <a:ln>
+            <a:noFill/>
+          </a:ln>
+        </p:spPr>
+      </p:pic>
+      <p:pic>
+        <p:nvPicPr>
+          <p:cNvPr id="49" name="" descr=""/>
+          <p:cNvPicPr/>
+          <p:nvPr/>
+        </p:nvPicPr>
+        <p:blipFill>
+          <a:blip r:embed="rId2"/>
+          <a:stretch/>
+        </p:blipFill>
+        <p:spPr>
+          <a:xfrm>
+            <a:off x="3383280" y="3657600"/>
+            <a:ext cx="4267440" cy="3200400"/>
+          </a:xfrm>
+          <a:prstGeom prst="rect">
+            <a:avLst/>
+          </a:prstGeom>
+          <a:ln>
+            <a:noFill/>
+          </a:ln>
+        </p:spPr>
+      </p:pic>
+      <p:pic>
+        <p:nvPicPr>
+          <p:cNvPr id="50" name="" descr=""/>
+          <p:cNvPicPr/>
+          <p:nvPr/>
+        </p:nvPicPr>
+        <p:blipFill>
+          <a:blip r:embed="rId3"/>
+          <a:stretch/>
+        </p:blipFill>
+        <p:spPr>
+          <a:xfrm>
+            <a:off x="429120" y="3017520"/>
+            <a:ext cx="2314080" cy="1980720"/>
+          </a:xfrm>
+          <a:prstGeom prst="rect">
+            <a:avLst/>
+          </a:prstGeom>
+          <a:ln>
+            <a:noFill/>
+          </a:ln>
+        </p:spPr>
+      </p:pic>
+      <p:sp>
+        <p:nvSpPr>
+          <p:cNvPr id="51" name="Line 1"/>
+          <p:cNvSpPr/>
+          <p:nvPr/>
+        </p:nvSpPr>
+        <p:spPr>
+          <a:xfrm>
+            <a:off x="1371600" y="1920240"/>
+            <a:ext cx="0" cy="822960"/>
+          </a:xfrm>
+          <a:prstGeom prst="line">
+            <a:avLst/>
+          </a:prstGeom>
+          <a:ln>
+            <a:solidFill>
+              <a:srgbClr val="000000"/>
+            </a:solidFill>
+            <a:tailEnd len="med" type="triangle" w="med"/>
+          </a:ln>
+        </p:spPr>
+        <p:style>
+          <a:lnRef idx="0"/>
+          <a:fillRef idx="0"/>
+          <a:effectRef idx="0"/>
+          <a:fontRef idx="minor"/>
+        </p:style>
+      </p:sp>
+      <p:sp>
+        <p:nvSpPr>
+          <p:cNvPr id="52" name="Line 2"/>
+          <p:cNvSpPr/>
+          <p:nvPr/>
+        </p:nvSpPr>
+        <p:spPr>
+          <a:xfrm flipV="1">
+            <a:off x="1920240" y="2011680"/>
+            <a:ext cx="0" cy="731520"/>
+          </a:xfrm>
+          <a:prstGeom prst="line">
+            <a:avLst/>
+          </a:prstGeom>
+          <a:ln>
+            <a:solidFill>
+              <a:srgbClr val="000000"/>
+            </a:solidFill>
+            <a:tailEnd len="med" type="triangle" w="med"/>
+          </a:ln>
+        </p:spPr>
+        <p:style>
+          <a:lnRef idx="0"/>
+          <a:fillRef idx="0"/>
+          <a:effectRef idx="0"/>
+          <a:fontRef idx="minor"/>
+        </p:style>
+      </p:sp>
+      <p:sp>
+        <p:nvSpPr>
+          <p:cNvPr id="53" name="Line 3"/>
+          <p:cNvSpPr/>
+          <p:nvPr/>
+        </p:nvSpPr>
+        <p:spPr>
+          <a:xfrm>
+            <a:off x="2560320" y="4846320"/>
+            <a:ext cx="731520" cy="914400"/>
+          </a:xfrm>
+          <a:prstGeom prst="line">
+            <a:avLst/>
+          </a:prstGeom>
+          <a:ln>
+            <a:solidFill>
+              <a:srgbClr val="1c1c1c"/>
+            </a:solidFill>
+            <a:headEnd len="med" type="triangle" w="med"/>
+            <a:tailEnd len="med" type="triangle" w="med"/>
+          </a:ln>
+        </p:spPr>
+        <p:style>
+          <a:lnRef idx="0"/>
+          <a:fillRef idx="0"/>
+          <a:effectRef idx="0"/>
+          <a:fontRef idx="minor"/>
+        </p:style>
+      </p:sp>
+      <p:pic>
+        <p:nvPicPr>
+          <p:cNvPr id="54" name="" descr=""/>
+          <p:cNvPicPr/>
+          <p:nvPr/>
+        </p:nvPicPr>
+        <p:blipFill>
+          <a:blip r:embed="rId4"/>
+          <a:stretch/>
+        </p:blipFill>
+        <p:spPr>
+          <a:xfrm>
+            <a:off x="8046720" y="1371600"/>
+            <a:ext cx="1737360" cy="1737360"/>
+          </a:xfrm>
+          <a:prstGeom prst="rect">
+            <a:avLst/>
+          </a:prstGeom>
+          <a:ln>
+            <a:noFill/>
+          </a:ln>
+        </p:spPr>
+      </p:pic>
+      <p:sp>
+        <p:nvSpPr>
+          <p:cNvPr id="55" name="Line 4"/>
+          <p:cNvSpPr/>
+          <p:nvPr/>
+        </p:nvSpPr>
+        <p:spPr>
+          <a:xfrm flipV="1">
+            <a:off x="7406640" y="3200400"/>
+            <a:ext cx="914400" cy="822960"/>
+          </a:xfrm>
+          <a:prstGeom prst="line">
+            <a:avLst/>
+          </a:prstGeom>
+          <a:ln>
+            <a:solidFill>
+              <a:srgbClr val="3465a4"/>
+            </a:solidFill>
+            <a:headEnd len="med" type="triangle" w="med"/>
+            <a:tailEnd len="med" type="triangle" w="med"/>
+          </a:ln>
+        </p:spPr>
+        <p:style>
+          <a:lnRef idx="0"/>
+          <a:fillRef idx="0"/>
+          <a:effectRef idx="0"/>
+          <a:fontRef idx="minor"/>
+        </p:style>
+      </p:sp>
+    </p:spTree>
+  </p:cSld>
+  <p:timing>
+    <p:tnLst>
+      <p:par>
+        <p:cTn id="9" dur="indefinite" restart="never" nodeType="tmRoot">
+          <p:childTnLst>
+            <p:seq>
+              <p:cTn id="10" nodeType="mainSeq"/>
               <p:prevCondLst>
                 <p:cond delay="0" evt="onPrev">
                   <p:tgtEl>

--- a/MidYearPresentation/FCI-CU-GP-Midyear-PresentationV0.0.1.pptx
+++ b/MidYearPresentation/FCI-CU-GP-Midyear-PresentationV0.0.1.pptx
@@ -1,23 +1,118 @@
 
 <file path=ppt/presentation.xml><?xml version="1.0" encoding="utf-8"?>
-<p:presentation xmlns:a="http://schemas.openxmlformats.org/drawingml/2006/main" xmlns:p="http://schemas.openxmlformats.org/presentationml/2006/main" xmlns:r="http://schemas.openxmlformats.org/officeDocument/2006/relationships" xmlns:p14="http://schemas.microsoft.com/office/powerpoint/2010/main" xmlns:p15="http://schemas.microsoft.com/office/powerpoint/2012/main" xmlns:mc="http://schemas.openxmlformats.org/markup-compatibility/2006">
+<p:presentation xmlns:a="http://schemas.openxmlformats.org/drawingml/2006/main" xmlns:r="http://schemas.openxmlformats.org/officeDocument/2006/relationships" xmlns:p="http://schemas.openxmlformats.org/presentationml/2006/main">
   <p:sldMasterIdLst>
-    <p:sldMasterId id="2147483648" r:id="rId2"/>
+    <p:sldMasterId id="2147483648" r:id="rId1"/>
   </p:sldMasterIdLst>
   <p:sldIdLst>
-    <p:sldId id="256" r:id="rId3"/>
-    <p:sldId id="257" r:id="rId4"/>
-    <p:sldId id="258" r:id="rId5"/>
-    <p:sldId id="259" r:id="rId6"/>
-    <p:sldId id="260" r:id="rId7"/>
+    <p:sldId id="256" r:id="rId2"/>
+    <p:sldId id="257" r:id="rId3"/>
+    <p:sldId id="258" r:id="rId4"/>
+    <p:sldId id="259" r:id="rId5"/>
+    <p:sldId id="260" r:id="rId6"/>
   </p:sldIdLst>
   <p:sldSz cx="10080625" cy="7559675"/>
   <p:notesSz cx="7772400" cy="10058400"/>
+  <p:defaultTextStyle>
+    <a:defPPr>
+      <a:defRPr lang="en-US"/>
+    </a:defPPr>
+    <a:lvl1pPr marL="0" algn="l" defTabSz="914400" rtl="0" eaLnBrk="1" latinLnBrk="0" hangingPunct="1">
+      <a:defRPr sz="1800" kern="1200">
+        <a:solidFill>
+          <a:schemeClr val="tx1"/>
+        </a:solidFill>
+        <a:latin typeface="+mn-lt"/>
+        <a:ea typeface="+mn-ea"/>
+        <a:cs typeface="+mn-cs"/>
+      </a:defRPr>
+    </a:lvl1pPr>
+    <a:lvl2pPr marL="457200" algn="l" defTabSz="914400" rtl="0" eaLnBrk="1" latinLnBrk="0" hangingPunct="1">
+      <a:defRPr sz="1800" kern="1200">
+        <a:solidFill>
+          <a:schemeClr val="tx1"/>
+        </a:solidFill>
+        <a:latin typeface="+mn-lt"/>
+        <a:ea typeface="+mn-ea"/>
+        <a:cs typeface="+mn-cs"/>
+      </a:defRPr>
+    </a:lvl2pPr>
+    <a:lvl3pPr marL="914400" algn="l" defTabSz="914400" rtl="0" eaLnBrk="1" latinLnBrk="0" hangingPunct="1">
+      <a:defRPr sz="1800" kern="1200">
+        <a:solidFill>
+          <a:schemeClr val="tx1"/>
+        </a:solidFill>
+        <a:latin typeface="+mn-lt"/>
+        <a:ea typeface="+mn-ea"/>
+        <a:cs typeface="+mn-cs"/>
+      </a:defRPr>
+    </a:lvl3pPr>
+    <a:lvl4pPr marL="1371600" algn="l" defTabSz="914400" rtl="0" eaLnBrk="1" latinLnBrk="0" hangingPunct="1">
+      <a:defRPr sz="1800" kern="1200">
+        <a:solidFill>
+          <a:schemeClr val="tx1"/>
+        </a:solidFill>
+        <a:latin typeface="+mn-lt"/>
+        <a:ea typeface="+mn-ea"/>
+        <a:cs typeface="+mn-cs"/>
+      </a:defRPr>
+    </a:lvl4pPr>
+    <a:lvl5pPr marL="1828800" algn="l" defTabSz="914400" rtl="0" eaLnBrk="1" latinLnBrk="0" hangingPunct="1">
+      <a:defRPr sz="1800" kern="1200">
+        <a:solidFill>
+          <a:schemeClr val="tx1"/>
+        </a:solidFill>
+        <a:latin typeface="+mn-lt"/>
+        <a:ea typeface="+mn-ea"/>
+        <a:cs typeface="+mn-cs"/>
+      </a:defRPr>
+    </a:lvl5pPr>
+    <a:lvl6pPr marL="2286000" algn="l" defTabSz="914400" rtl="0" eaLnBrk="1" latinLnBrk="0" hangingPunct="1">
+      <a:defRPr sz="1800" kern="1200">
+        <a:solidFill>
+          <a:schemeClr val="tx1"/>
+        </a:solidFill>
+        <a:latin typeface="+mn-lt"/>
+        <a:ea typeface="+mn-ea"/>
+        <a:cs typeface="+mn-cs"/>
+      </a:defRPr>
+    </a:lvl6pPr>
+    <a:lvl7pPr marL="2743200" algn="l" defTabSz="914400" rtl="0" eaLnBrk="1" latinLnBrk="0" hangingPunct="1">
+      <a:defRPr sz="1800" kern="1200">
+        <a:solidFill>
+          <a:schemeClr val="tx1"/>
+        </a:solidFill>
+        <a:latin typeface="+mn-lt"/>
+        <a:ea typeface="+mn-ea"/>
+        <a:cs typeface="+mn-cs"/>
+      </a:defRPr>
+    </a:lvl7pPr>
+    <a:lvl8pPr marL="3200400" algn="l" defTabSz="914400" rtl="0" eaLnBrk="1" latinLnBrk="0" hangingPunct="1">
+      <a:defRPr sz="1800" kern="1200">
+        <a:solidFill>
+          <a:schemeClr val="tx1"/>
+        </a:solidFill>
+        <a:latin typeface="+mn-lt"/>
+        <a:ea typeface="+mn-ea"/>
+        <a:cs typeface="+mn-cs"/>
+      </a:defRPr>
+    </a:lvl8pPr>
+    <a:lvl9pPr marL="3657600" algn="l" defTabSz="914400" rtl="0" eaLnBrk="1" latinLnBrk="0" hangingPunct="1">
+      <a:defRPr sz="1800" kern="1200">
+        <a:solidFill>
+          <a:schemeClr val="tx1"/>
+        </a:solidFill>
+        <a:latin typeface="+mn-lt"/>
+        <a:ea typeface="+mn-ea"/>
+        <a:cs typeface="+mn-cs"/>
+      </a:defRPr>
+    </a:lvl9pPr>
+  </p:defaultTextStyle>
 </p:presentation>
 </file>
 
 <file path=ppt/slideLayouts/slideLayout1.xml><?xml version="1.0" encoding="utf-8"?>
-<p:sldLayout xmlns:a="http://schemas.openxmlformats.org/drawingml/2006/main" xmlns:p="http://schemas.openxmlformats.org/presentationml/2006/main" xmlns:r="http://schemas.openxmlformats.org/officeDocument/2006/relationships" xmlns:p14="http://schemas.microsoft.com/office/powerpoint/2010/main" xmlns:p15="http://schemas.microsoft.com/office/powerpoint/2012/main" xmlns:mc="http://schemas.openxmlformats.org/markup-compatibility/2006" type="blank" preserve="1">
+<p:sldLayout xmlns:a="http://schemas.openxmlformats.org/drawingml/2006/main" xmlns:r="http://schemas.openxmlformats.org/officeDocument/2006/relationships" xmlns:p="http://schemas.openxmlformats.org/presentationml/2006/main" type="blank" preserve="1">
   <p:cSld name="Blank Slide">
     <p:spTree>
       <p:nvGrpSpPr>
@@ -35,11 +130,14 @@
       </p:grpSpPr>
     </p:spTree>
   </p:cSld>
+  <p:clrMapOvr>
+    <a:masterClrMapping/>
+  </p:clrMapOvr>
 </p:sldLayout>
 </file>
 
 <file path=ppt/slideLayouts/slideLayout10.xml><?xml version="1.0" encoding="utf-8"?>
-<p:sldLayout xmlns:a="http://schemas.openxmlformats.org/drawingml/2006/main" xmlns:p="http://schemas.openxmlformats.org/presentationml/2006/main" xmlns:r="http://schemas.openxmlformats.org/officeDocument/2006/relationships" xmlns:p14="http://schemas.microsoft.com/office/powerpoint/2010/main" xmlns:p15="http://schemas.microsoft.com/office/powerpoint/2012/main" xmlns:mc="http://schemas.openxmlformats.org/markup-compatibility/2006" type="objOverTx" preserve="1">
+<p:sldLayout xmlns:a="http://schemas.openxmlformats.org/drawingml/2006/main" xmlns:r="http://schemas.openxmlformats.org/officeDocument/2006/relationships" xmlns:p="http://schemas.openxmlformats.org/presentationml/2006/main" type="objOverTx" preserve="1">
   <p:cSld name="Title, Content over Content">
     <p:spTree>
       <p:nvGrpSpPr>
@@ -75,16 +173,17 @@
           </a:prstGeom>
         </p:spPr>
         <p:txBody>
-          <a:bodyPr lIns="0" rIns="0" tIns="0" bIns="0" anchor="ctr"/>
+          <a:bodyPr lIns="0" tIns="0" rIns="0" bIns="0" anchor="ctr"/>
+          <a:lstStyle/>
           <a:p>
             <a:pPr algn="ctr"/>
-            <a:endParaRPr b="0" lang="en-US" sz="4400" spc="-1" strike="noStrike">
+            <a:endParaRPr lang="en-US" sz="4400" b="0" strike="noStrike" spc="-1">
               <a:solidFill>
                 <a:srgbClr val="000000"/>
               </a:solidFill>
               <a:uFill>
                 <a:solidFill>
-                  <a:srgbClr val="ffffff"/>
+                  <a:srgbClr val="FFFFFF"/>
                 </a:solidFill>
               </a:uFill>
               <a:latin typeface="Arial"/>
@@ -112,15 +211,16 @@
           </a:prstGeom>
         </p:spPr>
         <p:txBody>
-          <a:bodyPr lIns="0" rIns="0" tIns="0" bIns="0"/>
-          <a:p>
-            <a:endParaRPr b="0" lang="en-US" sz="3200" spc="-1" strike="noStrike">
+          <a:bodyPr lIns="0" tIns="0" rIns="0" bIns="0"/>
+          <a:lstStyle/>
+          <a:p>
+            <a:endParaRPr lang="en-US" sz="3200" b="0" strike="noStrike" spc="-1">
               <a:solidFill>
                 <a:srgbClr val="000000"/>
               </a:solidFill>
               <a:uFill>
                 <a:solidFill>
-                  <a:srgbClr val="ffffff"/>
+                  <a:srgbClr val="FFFFFF"/>
                 </a:solidFill>
               </a:uFill>
               <a:latin typeface="Arial"/>
@@ -148,15 +248,16 @@
           </a:prstGeom>
         </p:spPr>
         <p:txBody>
-          <a:bodyPr lIns="0" rIns="0" tIns="0" bIns="0"/>
-          <a:p>
-            <a:endParaRPr b="0" lang="en-US" sz="3200" spc="-1" strike="noStrike">
+          <a:bodyPr lIns="0" tIns="0" rIns="0" bIns="0"/>
+          <a:lstStyle/>
+          <a:p>
+            <a:endParaRPr lang="en-US" sz="3200" b="0" strike="noStrike" spc="-1">
               <a:solidFill>
                 <a:srgbClr val="000000"/>
               </a:solidFill>
               <a:uFill>
                 <a:solidFill>
-                  <a:srgbClr val="ffffff"/>
+                  <a:srgbClr val="FFFFFF"/>
                 </a:solidFill>
               </a:uFill>
               <a:latin typeface="Arial"/>
@@ -166,11 +267,14 @@
       </p:sp>
     </p:spTree>
   </p:cSld>
+  <p:clrMapOvr>
+    <a:masterClrMapping/>
+  </p:clrMapOvr>
 </p:sldLayout>
 </file>
 
 <file path=ppt/slideLayouts/slideLayout11.xml><?xml version="1.0" encoding="utf-8"?>
-<p:sldLayout xmlns:a="http://schemas.openxmlformats.org/drawingml/2006/main" xmlns:p="http://schemas.openxmlformats.org/presentationml/2006/main" xmlns:r="http://schemas.openxmlformats.org/officeDocument/2006/relationships" xmlns:p14="http://schemas.microsoft.com/office/powerpoint/2010/main" xmlns:p15="http://schemas.microsoft.com/office/powerpoint/2012/main" xmlns:mc="http://schemas.openxmlformats.org/markup-compatibility/2006" type="fourObj" preserve="1">
+<p:sldLayout xmlns:a="http://schemas.openxmlformats.org/drawingml/2006/main" xmlns:r="http://schemas.openxmlformats.org/officeDocument/2006/relationships" xmlns:p="http://schemas.openxmlformats.org/presentationml/2006/main" type="fourObj" preserve="1">
   <p:cSld name="Title, 4 Content">
     <p:spTree>
       <p:nvGrpSpPr>
@@ -206,16 +310,17 @@
           </a:prstGeom>
         </p:spPr>
         <p:txBody>
-          <a:bodyPr lIns="0" rIns="0" tIns="0" bIns="0" anchor="ctr"/>
+          <a:bodyPr lIns="0" tIns="0" rIns="0" bIns="0" anchor="ctr"/>
+          <a:lstStyle/>
           <a:p>
             <a:pPr algn="ctr"/>
-            <a:endParaRPr b="0" lang="en-US" sz="4400" spc="-1" strike="noStrike">
+            <a:endParaRPr lang="en-US" sz="4400" b="0" strike="noStrike" spc="-1">
               <a:solidFill>
                 <a:srgbClr val="000000"/>
               </a:solidFill>
               <a:uFill>
                 <a:solidFill>
-                  <a:srgbClr val="ffffff"/>
+                  <a:srgbClr val="FFFFFF"/>
                 </a:solidFill>
               </a:uFill>
               <a:latin typeface="Arial"/>
@@ -243,15 +348,16 @@
           </a:prstGeom>
         </p:spPr>
         <p:txBody>
-          <a:bodyPr lIns="0" rIns="0" tIns="0" bIns="0"/>
-          <a:p>
-            <a:endParaRPr b="0" lang="en-US" sz="3200" spc="-1" strike="noStrike">
+          <a:bodyPr lIns="0" tIns="0" rIns="0" bIns="0"/>
+          <a:lstStyle/>
+          <a:p>
+            <a:endParaRPr lang="en-US" sz="3200" b="0" strike="noStrike" spc="-1">
               <a:solidFill>
                 <a:srgbClr val="000000"/>
               </a:solidFill>
               <a:uFill>
                 <a:solidFill>
-                  <a:srgbClr val="ffffff"/>
+                  <a:srgbClr val="FFFFFF"/>
                 </a:solidFill>
               </a:uFill>
               <a:latin typeface="Arial"/>
@@ -279,15 +385,16 @@
           </a:prstGeom>
         </p:spPr>
         <p:txBody>
-          <a:bodyPr lIns="0" rIns="0" tIns="0" bIns="0"/>
-          <a:p>
-            <a:endParaRPr b="0" lang="en-US" sz="3200" spc="-1" strike="noStrike">
+          <a:bodyPr lIns="0" tIns="0" rIns="0" bIns="0"/>
+          <a:lstStyle/>
+          <a:p>
+            <a:endParaRPr lang="en-US" sz="3200" b="0" strike="noStrike" spc="-1">
               <a:solidFill>
                 <a:srgbClr val="000000"/>
               </a:solidFill>
               <a:uFill>
                 <a:solidFill>
-                  <a:srgbClr val="ffffff"/>
+                  <a:srgbClr val="FFFFFF"/>
                 </a:solidFill>
               </a:uFill>
               <a:latin typeface="Arial"/>
@@ -315,15 +422,16 @@
           </a:prstGeom>
         </p:spPr>
         <p:txBody>
-          <a:bodyPr lIns="0" rIns="0" tIns="0" bIns="0"/>
-          <a:p>
-            <a:endParaRPr b="0" lang="en-US" sz="3200" spc="-1" strike="noStrike">
+          <a:bodyPr lIns="0" tIns="0" rIns="0" bIns="0"/>
+          <a:lstStyle/>
+          <a:p>
+            <a:endParaRPr lang="en-US" sz="3200" b="0" strike="noStrike" spc="-1">
               <a:solidFill>
                 <a:srgbClr val="000000"/>
               </a:solidFill>
               <a:uFill>
                 <a:solidFill>
-                  <a:srgbClr val="ffffff"/>
+                  <a:srgbClr val="FFFFFF"/>
                 </a:solidFill>
               </a:uFill>
               <a:latin typeface="Arial"/>
@@ -351,15 +459,16 @@
           </a:prstGeom>
         </p:spPr>
         <p:txBody>
-          <a:bodyPr lIns="0" rIns="0" tIns="0" bIns="0"/>
-          <a:p>
-            <a:endParaRPr b="0" lang="en-US" sz="3200" spc="-1" strike="noStrike">
+          <a:bodyPr lIns="0" tIns="0" rIns="0" bIns="0"/>
+          <a:lstStyle/>
+          <a:p>
+            <a:endParaRPr lang="en-US" sz="3200" b="0" strike="noStrike" spc="-1">
               <a:solidFill>
                 <a:srgbClr val="000000"/>
               </a:solidFill>
               <a:uFill>
                 <a:solidFill>
-                  <a:srgbClr val="ffffff"/>
+                  <a:srgbClr val="FFFFFF"/>
                 </a:solidFill>
               </a:uFill>
               <a:latin typeface="Arial"/>
@@ -369,11 +478,14 @@
       </p:sp>
     </p:spTree>
   </p:cSld>
+  <p:clrMapOvr>
+    <a:masterClrMapping/>
+  </p:clrMapOvr>
 </p:sldLayout>
 </file>
 
 <file path=ppt/slideLayouts/slideLayout12.xml><?xml version="1.0" encoding="utf-8"?>
-<p:sldLayout xmlns:a="http://schemas.openxmlformats.org/drawingml/2006/main" xmlns:p="http://schemas.openxmlformats.org/presentationml/2006/main" xmlns:r="http://schemas.openxmlformats.org/officeDocument/2006/relationships" xmlns:p14="http://schemas.microsoft.com/office/powerpoint/2010/main" xmlns:p15="http://schemas.microsoft.com/office/powerpoint/2012/main" xmlns:mc="http://schemas.openxmlformats.org/markup-compatibility/2006" type="blank" preserve="1">
+<p:sldLayout xmlns:a="http://schemas.openxmlformats.org/drawingml/2006/main" xmlns:r="http://schemas.openxmlformats.org/officeDocument/2006/relationships" xmlns:p="http://schemas.openxmlformats.org/presentationml/2006/main" type="blank" preserve="1">
   <p:cSld name="Title, 6 Content">
     <p:spTree>
       <p:nvGrpSpPr>
@@ -409,16 +521,17 @@
           </a:prstGeom>
         </p:spPr>
         <p:txBody>
-          <a:bodyPr lIns="0" rIns="0" tIns="0" bIns="0" anchor="ctr"/>
+          <a:bodyPr lIns="0" tIns="0" rIns="0" bIns="0" anchor="ctr"/>
+          <a:lstStyle/>
           <a:p>
             <a:pPr algn="ctr"/>
-            <a:endParaRPr b="0" lang="en-US" sz="4400" spc="-1" strike="noStrike">
+            <a:endParaRPr lang="en-US" sz="4400" b="0" strike="noStrike" spc="-1">
               <a:solidFill>
                 <a:srgbClr val="000000"/>
               </a:solidFill>
               <a:uFill>
                 <a:solidFill>
-                  <a:srgbClr val="ffffff"/>
+                  <a:srgbClr val="FFFFFF"/>
                 </a:solidFill>
               </a:uFill>
               <a:latin typeface="Arial"/>
@@ -446,15 +559,16 @@
           </a:prstGeom>
         </p:spPr>
         <p:txBody>
-          <a:bodyPr lIns="0" rIns="0" tIns="0" bIns="0"/>
-          <a:p>
-            <a:endParaRPr b="0" lang="en-US" sz="3200" spc="-1" strike="noStrike">
+          <a:bodyPr lIns="0" tIns="0" rIns="0" bIns="0"/>
+          <a:lstStyle/>
+          <a:p>
+            <a:endParaRPr lang="en-US" sz="3200" b="0" strike="noStrike" spc="-1">
               <a:solidFill>
                 <a:srgbClr val="000000"/>
               </a:solidFill>
               <a:uFill>
                 <a:solidFill>
-                  <a:srgbClr val="ffffff"/>
+                  <a:srgbClr val="FFFFFF"/>
                 </a:solidFill>
               </a:uFill>
               <a:latin typeface="Arial"/>
@@ -482,15 +596,16 @@
           </a:prstGeom>
         </p:spPr>
         <p:txBody>
-          <a:bodyPr lIns="0" rIns="0" tIns="0" bIns="0"/>
-          <a:p>
-            <a:endParaRPr b="0" lang="en-US" sz="3200" spc="-1" strike="noStrike">
+          <a:bodyPr lIns="0" tIns="0" rIns="0" bIns="0"/>
+          <a:lstStyle/>
+          <a:p>
+            <a:endParaRPr lang="en-US" sz="3200" b="0" strike="noStrike" spc="-1">
               <a:solidFill>
                 <a:srgbClr val="000000"/>
               </a:solidFill>
               <a:uFill>
                 <a:solidFill>
-                  <a:srgbClr val="ffffff"/>
+                  <a:srgbClr val="FFFFFF"/>
                 </a:solidFill>
               </a:uFill>
               <a:latin typeface="Arial"/>
@@ -500,7 +615,7 @@
       </p:sp>
       <p:pic>
         <p:nvPicPr>
-          <p:cNvPr id="34" name="" descr=""/>
+          <p:cNvPr id="34" name="Picture 33"/>
           <p:cNvPicPr/>
           <p:nvPr/>
         </p:nvPicPr>
@@ -523,12 +638,12 @@
       </p:pic>
       <p:pic>
         <p:nvPicPr>
-          <p:cNvPr id="35" name="" descr=""/>
+          <p:cNvPr id="35" name="Picture 34"/>
           <p:cNvPicPr/>
           <p:nvPr/>
         </p:nvPicPr>
         <p:blipFill>
-          <a:blip r:embed="rId3"/>
+          <a:blip r:embed="rId2"/>
           <a:stretch/>
         </p:blipFill>
         <p:spPr>
@@ -546,11 +661,14 @@
       </p:pic>
     </p:spTree>
   </p:cSld>
+  <p:clrMapOvr>
+    <a:masterClrMapping/>
+  </p:clrMapOvr>
 </p:sldLayout>
 </file>
 
 <file path=ppt/slideLayouts/slideLayout2.xml><?xml version="1.0" encoding="utf-8"?>
-<p:sldLayout xmlns:a="http://schemas.openxmlformats.org/drawingml/2006/main" xmlns:p="http://schemas.openxmlformats.org/presentationml/2006/main" xmlns:r="http://schemas.openxmlformats.org/officeDocument/2006/relationships" xmlns:p14="http://schemas.microsoft.com/office/powerpoint/2010/main" xmlns:p15="http://schemas.microsoft.com/office/powerpoint/2012/main" xmlns:mc="http://schemas.openxmlformats.org/markup-compatibility/2006" type="tx" preserve="1">
+<p:sldLayout xmlns:a="http://schemas.openxmlformats.org/drawingml/2006/main" xmlns:r="http://schemas.openxmlformats.org/officeDocument/2006/relationships" xmlns:p="http://schemas.openxmlformats.org/presentationml/2006/main" type="tx" preserve="1">
   <p:cSld name="Title Slide">
     <p:spTree>
       <p:nvGrpSpPr>
@@ -586,16 +704,17 @@
           </a:prstGeom>
         </p:spPr>
         <p:txBody>
-          <a:bodyPr lIns="0" rIns="0" tIns="0" bIns="0" anchor="ctr"/>
+          <a:bodyPr lIns="0" tIns="0" rIns="0" bIns="0" anchor="ctr"/>
+          <a:lstStyle/>
           <a:p>
             <a:pPr algn="ctr"/>
-            <a:endParaRPr b="0" lang="en-US" sz="4400" spc="-1" strike="noStrike">
+            <a:endParaRPr lang="en-US" sz="4400" b="0" strike="noStrike" spc="-1">
               <a:solidFill>
                 <a:srgbClr val="000000"/>
               </a:solidFill>
               <a:uFill>
                 <a:solidFill>
-                  <a:srgbClr val="ffffff"/>
+                  <a:srgbClr val="FFFFFF"/>
                 </a:solidFill>
               </a:uFill>
               <a:latin typeface="Arial"/>
@@ -623,16 +742,17 @@
           </a:prstGeom>
         </p:spPr>
         <p:txBody>
-          <a:bodyPr lIns="0" rIns="0" tIns="0" bIns="0" anchor="ctr"/>
+          <a:bodyPr lIns="0" tIns="0" rIns="0" bIns="0" anchor="ctr"/>
+          <a:lstStyle/>
           <a:p>
             <a:pPr algn="ctr"/>
-            <a:endParaRPr b="0" lang="en-US" sz="3200" spc="-1" strike="noStrike">
+            <a:endParaRPr lang="en-US" sz="3200" b="0" strike="noStrike" spc="-1">
               <a:solidFill>
                 <a:srgbClr val="000000"/>
               </a:solidFill>
               <a:uFill>
                 <a:solidFill>
-                  <a:srgbClr val="ffffff"/>
+                  <a:srgbClr val="FFFFFF"/>
                 </a:solidFill>
               </a:uFill>
               <a:latin typeface="Arial"/>
@@ -642,11 +762,14 @@
       </p:sp>
     </p:spTree>
   </p:cSld>
+  <p:clrMapOvr>
+    <a:masterClrMapping/>
+  </p:clrMapOvr>
 </p:sldLayout>
 </file>
 
 <file path=ppt/slideLayouts/slideLayout3.xml><?xml version="1.0" encoding="utf-8"?>
-<p:sldLayout xmlns:a="http://schemas.openxmlformats.org/drawingml/2006/main" xmlns:p="http://schemas.openxmlformats.org/presentationml/2006/main" xmlns:r="http://schemas.openxmlformats.org/officeDocument/2006/relationships" xmlns:p14="http://schemas.microsoft.com/office/powerpoint/2010/main" xmlns:p15="http://schemas.microsoft.com/office/powerpoint/2012/main" xmlns:mc="http://schemas.openxmlformats.org/markup-compatibility/2006" type="obj" preserve="1">
+<p:sldLayout xmlns:a="http://schemas.openxmlformats.org/drawingml/2006/main" xmlns:r="http://schemas.openxmlformats.org/officeDocument/2006/relationships" xmlns:p="http://schemas.openxmlformats.org/presentationml/2006/main" type="obj" preserve="1">
   <p:cSld name="Title, Content">
     <p:spTree>
       <p:nvGrpSpPr>
@@ -682,16 +805,17 @@
           </a:prstGeom>
         </p:spPr>
         <p:txBody>
-          <a:bodyPr lIns="0" rIns="0" tIns="0" bIns="0" anchor="ctr"/>
+          <a:bodyPr lIns="0" tIns="0" rIns="0" bIns="0" anchor="ctr"/>
+          <a:lstStyle/>
           <a:p>
             <a:pPr algn="ctr"/>
-            <a:endParaRPr b="0" lang="en-US" sz="4400" spc="-1" strike="noStrike">
+            <a:endParaRPr lang="en-US" sz="4400" b="0" strike="noStrike" spc="-1">
               <a:solidFill>
                 <a:srgbClr val="000000"/>
               </a:solidFill>
               <a:uFill>
                 <a:solidFill>
-                  <a:srgbClr val="ffffff"/>
+                  <a:srgbClr val="FFFFFF"/>
                 </a:solidFill>
               </a:uFill>
               <a:latin typeface="Arial"/>
@@ -719,15 +843,16 @@
           </a:prstGeom>
         </p:spPr>
         <p:txBody>
-          <a:bodyPr lIns="0" rIns="0" tIns="0" bIns="0"/>
-          <a:p>
-            <a:endParaRPr b="0" lang="en-US" sz="3200" spc="-1" strike="noStrike">
+          <a:bodyPr lIns="0" tIns="0" rIns="0" bIns="0"/>
+          <a:lstStyle/>
+          <a:p>
+            <a:endParaRPr lang="en-US" sz="3200" b="0" strike="noStrike" spc="-1">
               <a:solidFill>
                 <a:srgbClr val="000000"/>
               </a:solidFill>
               <a:uFill>
                 <a:solidFill>
-                  <a:srgbClr val="ffffff"/>
+                  <a:srgbClr val="FFFFFF"/>
                 </a:solidFill>
               </a:uFill>
               <a:latin typeface="Arial"/>
@@ -737,11 +862,14 @@
       </p:sp>
     </p:spTree>
   </p:cSld>
+  <p:clrMapOvr>
+    <a:masterClrMapping/>
+  </p:clrMapOvr>
 </p:sldLayout>
 </file>
 
 <file path=ppt/slideLayouts/slideLayout4.xml><?xml version="1.0" encoding="utf-8"?>
-<p:sldLayout xmlns:a="http://schemas.openxmlformats.org/drawingml/2006/main" xmlns:p="http://schemas.openxmlformats.org/presentationml/2006/main" xmlns:r="http://schemas.openxmlformats.org/officeDocument/2006/relationships" xmlns:p14="http://schemas.microsoft.com/office/powerpoint/2010/main" xmlns:p15="http://schemas.microsoft.com/office/powerpoint/2012/main" xmlns:mc="http://schemas.openxmlformats.org/markup-compatibility/2006" type="twoObj" preserve="1">
+<p:sldLayout xmlns:a="http://schemas.openxmlformats.org/drawingml/2006/main" xmlns:r="http://schemas.openxmlformats.org/officeDocument/2006/relationships" xmlns:p="http://schemas.openxmlformats.org/presentationml/2006/main" type="twoObj" preserve="1">
   <p:cSld name="Title, 2 Content">
     <p:spTree>
       <p:nvGrpSpPr>
@@ -777,16 +905,17 @@
           </a:prstGeom>
         </p:spPr>
         <p:txBody>
-          <a:bodyPr lIns="0" rIns="0" tIns="0" bIns="0" anchor="ctr"/>
+          <a:bodyPr lIns="0" tIns="0" rIns="0" bIns="0" anchor="ctr"/>
+          <a:lstStyle/>
           <a:p>
             <a:pPr algn="ctr"/>
-            <a:endParaRPr b="0" lang="en-US" sz="4400" spc="-1" strike="noStrike">
+            <a:endParaRPr lang="en-US" sz="4400" b="0" strike="noStrike" spc="-1">
               <a:solidFill>
                 <a:srgbClr val="000000"/>
               </a:solidFill>
               <a:uFill>
                 <a:solidFill>
-                  <a:srgbClr val="ffffff"/>
+                  <a:srgbClr val="FFFFFF"/>
                 </a:solidFill>
               </a:uFill>
               <a:latin typeface="Arial"/>
@@ -814,15 +943,16 @@
           </a:prstGeom>
         </p:spPr>
         <p:txBody>
-          <a:bodyPr lIns="0" rIns="0" tIns="0" bIns="0"/>
-          <a:p>
-            <a:endParaRPr b="0" lang="en-US" sz="3200" spc="-1" strike="noStrike">
+          <a:bodyPr lIns="0" tIns="0" rIns="0" bIns="0"/>
+          <a:lstStyle/>
+          <a:p>
+            <a:endParaRPr lang="en-US" sz="3200" b="0" strike="noStrike" spc="-1">
               <a:solidFill>
                 <a:srgbClr val="000000"/>
               </a:solidFill>
               <a:uFill>
                 <a:solidFill>
-                  <a:srgbClr val="ffffff"/>
+                  <a:srgbClr val="FFFFFF"/>
                 </a:solidFill>
               </a:uFill>
               <a:latin typeface="Arial"/>
@@ -850,15 +980,16 @@
           </a:prstGeom>
         </p:spPr>
         <p:txBody>
-          <a:bodyPr lIns="0" rIns="0" tIns="0" bIns="0"/>
-          <a:p>
-            <a:endParaRPr b="0" lang="en-US" sz="3200" spc="-1" strike="noStrike">
+          <a:bodyPr lIns="0" tIns="0" rIns="0" bIns="0"/>
+          <a:lstStyle/>
+          <a:p>
+            <a:endParaRPr lang="en-US" sz="3200" b="0" strike="noStrike" spc="-1">
               <a:solidFill>
                 <a:srgbClr val="000000"/>
               </a:solidFill>
               <a:uFill>
                 <a:solidFill>
-                  <a:srgbClr val="ffffff"/>
+                  <a:srgbClr val="FFFFFF"/>
                 </a:solidFill>
               </a:uFill>
               <a:latin typeface="Arial"/>
@@ -868,11 +999,14 @@
       </p:sp>
     </p:spTree>
   </p:cSld>
+  <p:clrMapOvr>
+    <a:masterClrMapping/>
+  </p:clrMapOvr>
 </p:sldLayout>
 </file>
 
 <file path=ppt/slideLayouts/slideLayout5.xml><?xml version="1.0" encoding="utf-8"?>
-<p:sldLayout xmlns:a="http://schemas.openxmlformats.org/drawingml/2006/main" xmlns:p="http://schemas.openxmlformats.org/presentationml/2006/main" xmlns:r="http://schemas.openxmlformats.org/officeDocument/2006/relationships" xmlns:p14="http://schemas.microsoft.com/office/powerpoint/2010/main" xmlns:p15="http://schemas.microsoft.com/office/powerpoint/2012/main" xmlns:mc="http://schemas.openxmlformats.org/markup-compatibility/2006" type="titleOnly" preserve="1">
+<p:sldLayout xmlns:a="http://schemas.openxmlformats.org/drawingml/2006/main" xmlns:r="http://schemas.openxmlformats.org/officeDocument/2006/relationships" xmlns:p="http://schemas.openxmlformats.org/presentationml/2006/main" type="titleOnly" preserve="1">
   <p:cSld name="Title Only">
     <p:spTree>
       <p:nvGrpSpPr>
@@ -908,16 +1042,17 @@
           </a:prstGeom>
         </p:spPr>
         <p:txBody>
-          <a:bodyPr lIns="0" rIns="0" tIns="0" bIns="0" anchor="ctr"/>
+          <a:bodyPr lIns="0" tIns="0" rIns="0" bIns="0" anchor="ctr"/>
+          <a:lstStyle/>
           <a:p>
             <a:pPr algn="ctr"/>
-            <a:endParaRPr b="0" lang="en-US" sz="4400" spc="-1" strike="noStrike">
+            <a:endParaRPr lang="en-US" sz="4400" b="0" strike="noStrike" spc="-1">
               <a:solidFill>
                 <a:srgbClr val="000000"/>
               </a:solidFill>
               <a:uFill>
                 <a:solidFill>
-                  <a:srgbClr val="ffffff"/>
+                  <a:srgbClr val="FFFFFF"/>
                 </a:solidFill>
               </a:uFill>
               <a:latin typeface="Arial"/>
@@ -927,11 +1062,14 @@
       </p:sp>
     </p:spTree>
   </p:cSld>
+  <p:clrMapOvr>
+    <a:masterClrMapping/>
+  </p:clrMapOvr>
 </p:sldLayout>
 </file>
 
 <file path=ppt/slideLayouts/slideLayout6.xml><?xml version="1.0" encoding="utf-8"?>
-<p:sldLayout xmlns:a="http://schemas.openxmlformats.org/drawingml/2006/main" xmlns:p="http://schemas.openxmlformats.org/presentationml/2006/main" xmlns:r="http://schemas.openxmlformats.org/officeDocument/2006/relationships" xmlns:p14="http://schemas.microsoft.com/office/powerpoint/2010/main" xmlns:p15="http://schemas.microsoft.com/office/powerpoint/2012/main" xmlns:mc="http://schemas.openxmlformats.org/markup-compatibility/2006" type="objOnly" preserve="1">
+<p:sldLayout xmlns:a="http://schemas.openxmlformats.org/drawingml/2006/main" xmlns:r="http://schemas.openxmlformats.org/officeDocument/2006/relationships" xmlns:p="http://schemas.openxmlformats.org/presentationml/2006/main" type="objOnly" preserve="1">
   <p:cSld name="Centered Text">
     <p:spTree>
       <p:nvGrpSpPr>
@@ -967,16 +1105,17 @@
           </a:prstGeom>
         </p:spPr>
         <p:txBody>
-          <a:bodyPr lIns="0" rIns="0" tIns="0" bIns="0" anchor="ctr"/>
+          <a:bodyPr lIns="0" tIns="0" rIns="0" bIns="0" anchor="ctr"/>
+          <a:lstStyle/>
           <a:p>
             <a:pPr algn="ctr"/>
-            <a:endParaRPr b="0" lang="en-US" sz="3200" spc="-1" strike="noStrike">
+            <a:endParaRPr lang="en-US" sz="3200" b="0" strike="noStrike" spc="-1">
               <a:solidFill>
                 <a:srgbClr val="000000"/>
               </a:solidFill>
               <a:uFill>
                 <a:solidFill>
-                  <a:srgbClr val="ffffff"/>
+                  <a:srgbClr val="FFFFFF"/>
                 </a:solidFill>
               </a:uFill>
               <a:latin typeface="Arial"/>
@@ -986,11 +1125,14 @@
       </p:sp>
     </p:spTree>
   </p:cSld>
+  <p:clrMapOvr>
+    <a:masterClrMapping/>
+  </p:clrMapOvr>
 </p:sldLayout>
 </file>
 
 <file path=ppt/slideLayouts/slideLayout7.xml><?xml version="1.0" encoding="utf-8"?>
-<p:sldLayout xmlns:a="http://schemas.openxmlformats.org/drawingml/2006/main" xmlns:p="http://schemas.openxmlformats.org/presentationml/2006/main" xmlns:r="http://schemas.openxmlformats.org/officeDocument/2006/relationships" xmlns:p14="http://schemas.microsoft.com/office/powerpoint/2010/main" xmlns:p15="http://schemas.microsoft.com/office/powerpoint/2012/main" xmlns:mc="http://schemas.openxmlformats.org/markup-compatibility/2006" type="twoObjAndObj" preserve="1">
+<p:sldLayout xmlns:a="http://schemas.openxmlformats.org/drawingml/2006/main" xmlns:r="http://schemas.openxmlformats.org/officeDocument/2006/relationships" xmlns:p="http://schemas.openxmlformats.org/presentationml/2006/main" type="twoObjAndObj" preserve="1">
   <p:cSld name="Title, 2 Content and Content">
     <p:spTree>
       <p:nvGrpSpPr>
@@ -1026,16 +1168,17 @@
           </a:prstGeom>
         </p:spPr>
         <p:txBody>
-          <a:bodyPr lIns="0" rIns="0" tIns="0" bIns="0" anchor="ctr"/>
+          <a:bodyPr lIns="0" tIns="0" rIns="0" bIns="0" anchor="ctr"/>
+          <a:lstStyle/>
           <a:p>
             <a:pPr algn="ctr"/>
-            <a:endParaRPr b="0" lang="en-US" sz="4400" spc="-1" strike="noStrike">
+            <a:endParaRPr lang="en-US" sz="4400" b="0" strike="noStrike" spc="-1">
               <a:solidFill>
                 <a:srgbClr val="000000"/>
               </a:solidFill>
               <a:uFill>
                 <a:solidFill>
-                  <a:srgbClr val="ffffff"/>
+                  <a:srgbClr val="FFFFFF"/>
                 </a:solidFill>
               </a:uFill>
               <a:latin typeface="Arial"/>
@@ -1063,15 +1206,16 @@
           </a:prstGeom>
         </p:spPr>
         <p:txBody>
-          <a:bodyPr lIns="0" rIns="0" tIns="0" bIns="0"/>
-          <a:p>
-            <a:endParaRPr b="0" lang="en-US" sz="3200" spc="-1" strike="noStrike">
+          <a:bodyPr lIns="0" tIns="0" rIns="0" bIns="0"/>
+          <a:lstStyle/>
+          <a:p>
+            <a:endParaRPr lang="en-US" sz="3200" b="0" strike="noStrike" spc="-1">
               <a:solidFill>
                 <a:srgbClr val="000000"/>
               </a:solidFill>
               <a:uFill>
                 <a:solidFill>
-                  <a:srgbClr val="ffffff"/>
+                  <a:srgbClr val="FFFFFF"/>
                 </a:solidFill>
               </a:uFill>
               <a:latin typeface="Arial"/>
@@ -1099,15 +1243,16 @@
           </a:prstGeom>
         </p:spPr>
         <p:txBody>
-          <a:bodyPr lIns="0" rIns="0" tIns="0" bIns="0"/>
-          <a:p>
-            <a:endParaRPr b="0" lang="en-US" sz="3200" spc="-1" strike="noStrike">
+          <a:bodyPr lIns="0" tIns="0" rIns="0" bIns="0"/>
+          <a:lstStyle/>
+          <a:p>
+            <a:endParaRPr lang="en-US" sz="3200" b="0" strike="noStrike" spc="-1">
               <a:solidFill>
                 <a:srgbClr val="000000"/>
               </a:solidFill>
               <a:uFill>
                 <a:solidFill>
-                  <a:srgbClr val="ffffff"/>
+                  <a:srgbClr val="FFFFFF"/>
                 </a:solidFill>
               </a:uFill>
               <a:latin typeface="Arial"/>
@@ -1135,15 +1280,16 @@
           </a:prstGeom>
         </p:spPr>
         <p:txBody>
-          <a:bodyPr lIns="0" rIns="0" tIns="0" bIns="0"/>
-          <a:p>
-            <a:endParaRPr b="0" lang="en-US" sz="3200" spc="-1" strike="noStrike">
+          <a:bodyPr lIns="0" tIns="0" rIns="0" bIns="0"/>
+          <a:lstStyle/>
+          <a:p>
+            <a:endParaRPr lang="en-US" sz="3200" b="0" strike="noStrike" spc="-1">
               <a:solidFill>
                 <a:srgbClr val="000000"/>
               </a:solidFill>
               <a:uFill>
                 <a:solidFill>
-                  <a:srgbClr val="ffffff"/>
+                  <a:srgbClr val="FFFFFF"/>
                 </a:solidFill>
               </a:uFill>
               <a:latin typeface="Arial"/>
@@ -1153,11 +1299,14 @@
       </p:sp>
     </p:spTree>
   </p:cSld>
+  <p:clrMapOvr>
+    <a:masterClrMapping/>
+  </p:clrMapOvr>
 </p:sldLayout>
 </file>
 
 <file path=ppt/slideLayouts/slideLayout8.xml><?xml version="1.0" encoding="utf-8"?>
-<p:sldLayout xmlns:a="http://schemas.openxmlformats.org/drawingml/2006/main" xmlns:p="http://schemas.openxmlformats.org/presentationml/2006/main" xmlns:r="http://schemas.openxmlformats.org/officeDocument/2006/relationships" xmlns:p14="http://schemas.microsoft.com/office/powerpoint/2010/main" xmlns:p15="http://schemas.microsoft.com/office/powerpoint/2012/main" xmlns:mc="http://schemas.openxmlformats.org/markup-compatibility/2006" type="objAndTwoObj" preserve="1">
+<p:sldLayout xmlns:a="http://schemas.openxmlformats.org/drawingml/2006/main" xmlns:r="http://schemas.openxmlformats.org/officeDocument/2006/relationships" xmlns:p="http://schemas.openxmlformats.org/presentationml/2006/main" type="objAndTwoObj" preserve="1">
   <p:cSld name="Title Content and 2 Content">
     <p:spTree>
       <p:nvGrpSpPr>
@@ -1193,16 +1342,17 @@
           </a:prstGeom>
         </p:spPr>
         <p:txBody>
-          <a:bodyPr lIns="0" rIns="0" tIns="0" bIns="0" anchor="ctr"/>
+          <a:bodyPr lIns="0" tIns="0" rIns="0" bIns="0" anchor="ctr"/>
+          <a:lstStyle/>
           <a:p>
             <a:pPr algn="ctr"/>
-            <a:endParaRPr b="0" lang="en-US" sz="4400" spc="-1" strike="noStrike">
+            <a:endParaRPr lang="en-US" sz="4400" b="0" strike="noStrike" spc="-1">
               <a:solidFill>
                 <a:srgbClr val="000000"/>
               </a:solidFill>
               <a:uFill>
                 <a:solidFill>
-                  <a:srgbClr val="ffffff"/>
+                  <a:srgbClr val="FFFFFF"/>
                 </a:solidFill>
               </a:uFill>
               <a:latin typeface="Arial"/>
@@ -1230,15 +1380,16 @@
           </a:prstGeom>
         </p:spPr>
         <p:txBody>
-          <a:bodyPr lIns="0" rIns="0" tIns="0" bIns="0"/>
-          <a:p>
-            <a:endParaRPr b="0" lang="en-US" sz="3200" spc="-1" strike="noStrike">
+          <a:bodyPr lIns="0" tIns="0" rIns="0" bIns="0"/>
+          <a:lstStyle/>
+          <a:p>
+            <a:endParaRPr lang="en-US" sz="3200" b="0" strike="noStrike" spc="-1">
               <a:solidFill>
                 <a:srgbClr val="000000"/>
               </a:solidFill>
               <a:uFill>
                 <a:solidFill>
-                  <a:srgbClr val="ffffff"/>
+                  <a:srgbClr val="FFFFFF"/>
                 </a:solidFill>
               </a:uFill>
               <a:latin typeface="Arial"/>
@@ -1266,15 +1417,16 @@
           </a:prstGeom>
         </p:spPr>
         <p:txBody>
-          <a:bodyPr lIns="0" rIns="0" tIns="0" bIns="0"/>
-          <a:p>
-            <a:endParaRPr b="0" lang="en-US" sz="3200" spc="-1" strike="noStrike">
+          <a:bodyPr lIns="0" tIns="0" rIns="0" bIns="0"/>
+          <a:lstStyle/>
+          <a:p>
+            <a:endParaRPr lang="en-US" sz="3200" b="0" strike="noStrike" spc="-1">
               <a:solidFill>
                 <a:srgbClr val="000000"/>
               </a:solidFill>
               <a:uFill>
                 <a:solidFill>
-                  <a:srgbClr val="ffffff"/>
+                  <a:srgbClr val="FFFFFF"/>
                 </a:solidFill>
               </a:uFill>
               <a:latin typeface="Arial"/>
@@ -1302,15 +1454,16 @@
           </a:prstGeom>
         </p:spPr>
         <p:txBody>
-          <a:bodyPr lIns="0" rIns="0" tIns="0" bIns="0"/>
-          <a:p>
-            <a:endParaRPr b="0" lang="en-US" sz="3200" spc="-1" strike="noStrike">
+          <a:bodyPr lIns="0" tIns="0" rIns="0" bIns="0"/>
+          <a:lstStyle/>
+          <a:p>
+            <a:endParaRPr lang="en-US" sz="3200" b="0" strike="noStrike" spc="-1">
               <a:solidFill>
                 <a:srgbClr val="000000"/>
               </a:solidFill>
               <a:uFill>
                 <a:solidFill>
-                  <a:srgbClr val="ffffff"/>
+                  <a:srgbClr val="FFFFFF"/>
                 </a:solidFill>
               </a:uFill>
               <a:latin typeface="Arial"/>
@@ -1320,11 +1473,14 @@
       </p:sp>
     </p:spTree>
   </p:cSld>
+  <p:clrMapOvr>
+    <a:masterClrMapping/>
+  </p:clrMapOvr>
 </p:sldLayout>
 </file>
 
 <file path=ppt/slideLayouts/slideLayout9.xml><?xml version="1.0" encoding="utf-8"?>
-<p:sldLayout xmlns:a="http://schemas.openxmlformats.org/drawingml/2006/main" xmlns:p="http://schemas.openxmlformats.org/presentationml/2006/main" xmlns:r="http://schemas.openxmlformats.org/officeDocument/2006/relationships" xmlns:p14="http://schemas.microsoft.com/office/powerpoint/2010/main" xmlns:p15="http://schemas.microsoft.com/office/powerpoint/2012/main" xmlns:mc="http://schemas.openxmlformats.org/markup-compatibility/2006" type="twoObjOverTx" preserve="1">
+<p:sldLayout xmlns:a="http://schemas.openxmlformats.org/drawingml/2006/main" xmlns:r="http://schemas.openxmlformats.org/officeDocument/2006/relationships" xmlns:p="http://schemas.openxmlformats.org/presentationml/2006/main" type="twoObjOverTx" preserve="1">
   <p:cSld name="Title, 2 Content over Content">
     <p:spTree>
       <p:nvGrpSpPr>
@@ -1360,16 +1516,17 @@
           </a:prstGeom>
         </p:spPr>
         <p:txBody>
-          <a:bodyPr lIns="0" rIns="0" tIns="0" bIns="0" anchor="ctr"/>
+          <a:bodyPr lIns="0" tIns="0" rIns="0" bIns="0" anchor="ctr"/>
+          <a:lstStyle/>
           <a:p>
             <a:pPr algn="ctr"/>
-            <a:endParaRPr b="0" lang="en-US" sz="4400" spc="-1" strike="noStrike">
+            <a:endParaRPr lang="en-US" sz="4400" b="0" strike="noStrike" spc="-1">
               <a:solidFill>
                 <a:srgbClr val="000000"/>
               </a:solidFill>
               <a:uFill>
                 <a:solidFill>
-                  <a:srgbClr val="ffffff"/>
+                  <a:srgbClr val="FFFFFF"/>
                 </a:solidFill>
               </a:uFill>
               <a:latin typeface="Arial"/>
@@ -1397,15 +1554,16 @@
           </a:prstGeom>
         </p:spPr>
         <p:txBody>
-          <a:bodyPr lIns="0" rIns="0" tIns="0" bIns="0"/>
-          <a:p>
-            <a:endParaRPr b="0" lang="en-US" sz="3200" spc="-1" strike="noStrike">
+          <a:bodyPr lIns="0" tIns="0" rIns="0" bIns="0"/>
+          <a:lstStyle/>
+          <a:p>
+            <a:endParaRPr lang="en-US" sz="3200" b="0" strike="noStrike" spc="-1">
               <a:solidFill>
                 <a:srgbClr val="000000"/>
               </a:solidFill>
               <a:uFill>
                 <a:solidFill>
-                  <a:srgbClr val="ffffff"/>
+                  <a:srgbClr val="FFFFFF"/>
                 </a:solidFill>
               </a:uFill>
               <a:latin typeface="Arial"/>
@@ -1433,15 +1591,16 @@
           </a:prstGeom>
         </p:spPr>
         <p:txBody>
-          <a:bodyPr lIns="0" rIns="0" tIns="0" bIns="0"/>
-          <a:p>
-            <a:endParaRPr b="0" lang="en-US" sz="3200" spc="-1" strike="noStrike">
+          <a:bodyPr lIns="0" tIns="0" rIns="0" bIns="0"/>
+          <a:lstStyle/>
+          <a:p>
+            <a:endParaRPr lang="en-US" sz="3200" b="0" strike="noStrike" spc="-1">
               <a:solidFill>
                 <a:srgbClr val="000000"/>
               </a:solidFill>
               <a:uFill>
                 <a:solidFill>
-                  <a:srgbClr val="ffffff"/>
+                  <a:srgbClr val="FFFFFF"/>
                 </a:solidFill>
               </a:uFill>
               <a:latin typeface="Arial"/>
@@ -1469,15 +1628,16 @@
           </a:prstGeom>
         </p:spPr>
         <p:txBody>
-          <a:bodyPr lIns="0" rIns="0" tIns="0" bIns="0"/>
-          <a:p>
-            <a:endParaRPr b="0" lang="en-US" sz="3200" spc="-1" strike="noStrike">
+          <a:bodyPr lIns="0" tIns="0" rIns="0" bIns="0"/>
+          <a:lstStyle/>
+          <a:p>
+            <a:endParaRPr lang="en-US" sz="3200" b="0" strike="noStrike" spc="-1">
               <a:solidFill>
                 <a:srgbClr val="000000"/>
               </a:solidFill>
               <a:uFill>
                 <a:solidFill>
-                  <a:srgbClr val="ffffff"/>
+                  <a:srgbClr val="FFFFFF"/>
                 </a:solidFill>
               </a:uFill>
               <a:latin typeface="Arial"/>
@@ -1487,11 +1647,566 @@
       </p:sp>
     </p:spTree>
   </p:cSld>
+  <p:clrMapOvr>
+    <a:masterClrMapping/>
+  </p:clrMapOvr>
 </p:sldLayout>
 </file>
 
 <file path=ppt/slideMasters/slideMaster1.xml><?xml version="1.0" encoding="utf-8"?>
-<p:sldMaster xmlns:a="http://schemas.openxmlformats.org/drawingml/2006/main" xmlns:p="http://schemas.openxmlformats.org/presentationml/2006/main" xmlns:r="http://schemas.openxmlformats.org/officeDocument/2006/relationships" xmlns:p14="http://schemas.microsoft.com/office/powerpoint/2010/main" xmlns:p15="http://schemas.microsoft.com/office/powerpoint/2012/main" xmlns:mc="http://schemas.openxmlformats.org/markup-compatibility/2006">
+<p:sldMaster xmlns:a="http://schemas.openxmlformats.org/drawingml/2006/main" xmlns:r="http://schemas.openxmlformats.org/officeDocument/2006/relationships" xmlns:p="http://schemas.openxmlformats.org/presentationml/2006/main">
+  <p:cSld>
+    <p:bg>
+      <p:bgRef idx="1001">
+        <a:schemeClr val="bg1"/>
+      </p:bgRef>
+    </p:bg>
+    <p:spTree>
+      <p:nvGrpSpPr>
+        <p:cNvPr id="1" name=""/>
+        <p:cNvGrpSpPr/>
+        <p:nvPr/>
+      </p:nvGrpSpPr>
+      <p:grpSpPr>
+        <a:xfrm>
+          <a:off x="0" y="0"/>
+          <a:ext cx="0" cy="0"/>
+          <a:chOff x="0" y="0"/>
+          <a:chExt cx="0" cy="0"/>
+        </a:xfrm>
+      </p:grpSpPr>
+      <p:sp>
+        <p:nvSpPr>
+          <p:cNvPr id="2" name="PlaceHolder 1"/>
+          <p:cNvSpPr>
+            <a:spLocks noGrp="1"/>
+          </p:cNvSpPr>
+          <p:nvPr>
+            <p:ph type="title"/>
+          </p:nvPr>
+        </p:nvSpPr>
+        <p:spPr>
+          <a:xfrm>
+            <a:off x="504000" y="301320"/>
+            <a:ext cx="9070560" cy="1261080"/>
+          </a:xfrm>
+          <a:prstGeom prst="rect">
+            <a:avLst/>
+          </a:prstGeom>
+        </p:spPr>
+        <p:txBody>
+          <a:bodyPr lIns="0" tIns="0" rIns="0" bIns="0" anchor="ctr"/>
+          <a:lstStyle/>
+          <a:p>
+            <a:pPr algn="ctr"/>
+            <a:endParaRPr lang="en-US" sz="4400" b="0" strike="noStrike" spc="-1">
+              <a:solidFill>
+                <a:srgbClr val="000000"/>
+              </a:solidFill>
+              <a:uFill>
+                <a:solidFill>
+                  <a:srgbClr val="FFFFFF"/>
+                </a:solidFill>
+              </a:uFill>
+              <a:latin typeface="Arial"/>
+            </a:endParaRPr>
+          </a:p>
+        </p:txBody>
+      </p:sp>
+      <p:sp>
+        <p:nvSpPr>
+          <p:cNvPr id="3" name="PlaceHolder 2"/>
+          <p:cNvSpPr>
+            <a:spLocks noGrp="1"/>
+          </p:cNvSpPr>
+          <p:nvPr>
+            <p:ph type="body"/>
+          </p:nvPr>
+        </p:nvSpPr>
+        <p:spPr>
+          <a:xfrm>
+            <a:off x="504000" y="1768680"/>
+            <a:ext cx="9071640" cy="4383720"/>
+          </a:xfrm>
+          <a:prstGeom prst="rect">
+            <a:avLst/>
+          </a:prstGeom>
+        </p:spPr>
+        <p:txBody>
+          <a:bodyPr lIns="0" tIns="0" rIns="0" bIns="0"/>
+          <a:lstStyle/>
+          <a:p>
+            <a:pPr marL="432000" indent="-324000">
+              <a:buClr>
+                <a:srgbClr val="000000"/>
+              </a:buClr>
+              <a:buSzPct val="45000"/>
+              <a:buFont typeface="Wingdings" charset="2"/>
+              <a:buChar char=""/>
+            </a:pPr>
+            <a:r>
+              <a:rPr lang="en-US" sz="1800" b="0" strike="noStrike" spc="-1">
+                <a:solidFill>
+                  <a:srgbClr val="000000"/>
+                </a:solidFill>
+                <a:uFill>
+                  <a:solidFill>
+                    <a:srgbClr val="FFFFFF"/>
+                  </a:solidFill>
+                </a:uFill>
+                <a:latin typeface="Arial"/>
+              </a:rPr>
+              <a:t>Click to edit the outline text format</a:t>
+            </a:r>
+          </a:p>
+          <a:p>
+            <a:pPr marL="864000" lvl="1" indent="-324000">
+              <a:buClr>
+                <a:srgbClr val="000000"/>
+              </a:buClr>
+              <a:buSzPct val="75000"/>
+              <a:buFont typeface="Symbol" charset="2"/>
+              <a:buChar char=""/>
+            </a:pPr>
+            <a:r>
+              <a:rPr lang="en-US" sz="1800" b="0" strike="noStrike" spc="-1">
+                <a:solidFill>
+                  <a:srgbClr val="000000"/>
+                </a:solidFill>
+                <a:uFill>
+                  <a:solidFill>
+                    <a:srgbClr val="FFFFFF"/>
+                  </a:solidFill>
+                </a:uFill>
+                <a:latin typeface="Arial"/>
+              </a:rPr>
+              <a:t>Second Outline Level</a:t>
+            </a:r>
+          </a:p>
+          <a:p>
+            <a:pPr marL="1296000" lvl="2" indent="-288000">
+              <a:buClr>
+                <a:srgbClr val="000000"/>
+              </a:buClr>
+              <a:buSzPct val="45000"/>
+              <a:buFont typeface="Wingdings" charset="2"/>
+              <a:buChar char=""/>
+            </a:pPr>
+            <a:r>
+              <a:rPr lang="en-US" sz="1800" b="0" strike="noStrike" spc="-1">
+                <a:solidFill>
+                  <a:srgbClr val="000000"/>
+                </a:solidFill>
+                <a:uFill>
+                  <a:solidFill>
+                    <a:srgbClr val="FFFFFF"/>
+                  </a:solidFill>
+                </a:uFill>
+                <a:latin typeface="Arial"/>
+              </a:rPr>
+              <a:t>Third Outline Level</a:t>
+            </a:r>
+          </a:p>
+          <a:p>
+            <a:pPr marL="1728000" lvl="3" indent="-216000">
+              <a:buClr>
+                <a:srgbClr val="000000"/>
+              </a:buClr>
+              <a:buSzPct val="75000"/>
+              <a:buFont typeface="Symbol" charset="2"/>
+              <a:buChar char=""/>
+            </a:pPr>
+            <a:r>
+              <a:rPr lang="en-US" sz="1800" b="0" strike="noStrike" spc="-1">
+                <a:solidFill>
+                  <a:srgbClr val="000000"/>
+                </a:solidFill>
+                <a:uFill>
+                  <a:solidFill>
+                    <a:srgbClr val="FFFFFF"/>
+                  </a:solidFill>
+                </a:uFill>
+                <a:latin typeface="Arial"/>
+              </a:rPr>
+              <a:t>Fourth Outline Level</a:t>
+            </a:r>
+          </a:p>
+          <a:p>
+            <a:pPr marL="2160000" lvl="4" indent="-216000">
+              <a:buClr>
+                <a:srgbClr val="000000"/>
+              </a:buClr>
+              <a:buSzPct val="45000"/>
+              <a:buFont typeface="Wingdings" charset="2"/>
+              <a:buChar char=""/>
+            </a:pPr>
+            <a:r>
+              <a:rPr lang="en-US" sz="1800" b="0" strike="noStrike" spc="-1">
+                <a:solidFill>
+                  <a:srgbClr val="000000"/>
+                </a:solidFill>
+                <a:uFill>
+                  <a:solidFill>
+                    <a:srgbClr val="FFFFFF"/>
+                  </a:solidFill>
+                </a:uFill>
+                <a:latin typeface="Arial"/>
+              </a:rPr>
+              <a:t>Fifth Outline Level</a:t>
+            </a:r>
+          </a:p>
+          <a:p>
+            <a:pPr marL="2592000" lvl="5" indent="-216000">
+              <a:buClr>
+                <a:srgbClr val="000000"/>
+              </a:buClr>
+              <a:buSzPct val="45000"/>
+              <a:buFont typeface="Wingdings" charset="2"/>
+              <a:buChar char=""/>
+            </a:pPr>
+            <a:r>
+              <a:rPr lang="en-US" sz="1800" b="0" strike="noStrike" spc="-1">
+                <a:solidFill>
+                  <a:srgbClr val="000000"/>
+                </a:solidFill>
+                <a:uFill>
+                  <a:solidFill>
+                    <a:srgbClr val="FFFFFF"/>
+                  </a:solidFill>
+                </a:uFill>
+                <a:latin typeface="Arial"/>
+              </a:rPr>
+              <a:t>Sixth Outline Level</a:t>
+            </a:r>
+          </a:p>
+          <a:p>
+            <a:pPr marL="3024000" lvl="6" indent="-216000">
+              <a:buClr>
+                <a:srgbClr val="000000"/>
+              </a:buClr>
+              <a:buSzPct val="45000"/>
+              <a:buFont typeface="Wingdings" charset="2"/>
+              <a:buChar char=""/>
+            </a:pPr>
+            <a:r>
+              <a:rPr lang="en-US" sz="1800" b="0" strike="noStrike" spc="-1">
+                <a:solidFill>
+                  <a:srgbClr val="000000"/>
+                </a:solidFill>
+                <a:uFill>
+                  <a:solidFill>
+                    <a:srgbClr val="FFFFFF"/>
+                  </a:solidFill>
+                </a:uFill>
+                <a:latin typeface="Arial"/>
+              </a:rPr>
+              <a:t>Seventh Outline Level</a:t>
+            </a:r>
+          </a:p>
+        </p:txBody>
+      </p:sp>
+    </p:spTree>
+  </p:cSld>
+  <p:clrMap bg1="lt1" tx1="dk1" bg2="lt2" tx2="dk2" accent1="accent1" accent2="accent2" accent3="accent3" accent4="accent4" accent5="accent5" accent6="accent6" hlink="hlink" folHlink="folHlink"/>
+  <p:sldLayoutIdLst>
+    <p:sldLayoutId id="2147483649" r:id="rId1"/>
+    <p:sldLayoutId id="2147483650" r:id="rId2"/>
+    <p:sldLayoutId id="2147483651" r:id="rId3"/>
+    <p:sldLayoutId id="2147483652" r:id="rId4"/>
+    <p:sldLayoutId id="2147483653" r:id="rId5"/>
+    <p:sldLayoutId id="2147483654" r:id="rId6"/>
+    <p:sldLayoutId id="2147483655" r:id="rId7"/>
+    <p:sldLayoutId id="2147483656" r:id="rId8"/>
+    <p:sldLayoutId id="2147483657" r:id="rId9"/>
+    <p:sldLayoutId id="2147483658" r:id="rId10"/>
+    <p:sldLayoutId id="2147483659" r:id="rId11"/>
+    <p:sldLayoutId id="2147483660" r:id="rId12"/>
+  </p:sldLayoutIdLst>
+  <p:txStyles>
+    <p:titleStyle>
+      <a:lvl1pPr algn="l" defTabSz="914400" rtl="0" eaLnBrk="1" latinLnBrk="0" hangingPunct="1">
+        <a:lnSpc>
+          <a:spcPct val="90000"/>
+        </a:lnSpc>
+        <a:spcBef>
+          <a:spcPct val="0"/>
+        </a:spcBef>
+        <a:buNone/>
+        <a:defRPr sz="4400" kern="1200">
+          <a:solidFill>
+            <a:schemeClr val="tx1"/>
+          </a:solidFill>
+          <a:latin typeface="+mj-lt"/>
+          <a:ea typeface="+mj-ea"/>
+          <a:cs typeface="+mj-cs"/>
+        </a:defRPr>
+      </a:lvl1pPr>
+    </p:titleStyle>
+    <p:bodyStyle>
+      <a:lvl1pPr marL="228600" indent="-228600" algn="l" defTabSz="914400" rtl="0" eaLnBrk="1" latinLnBrk="0" hangingPunct="1">
+        <a:lnSpc>
+          <a:spcPct val="90000"/>
+        </a:lnSpc>
+        <a:spcBef>
+          <a:spcPts val="1000"/>
+        </a:spcBef>
+        <a:buFont typeface="Arial" panose="020B0604020202020204" pitchFamily="34" charset="0"/>
+        <a:buChar char="•"/>
+        <a:defRPr sz="2800" kern="1200">
+          <a:solidFill>
+            <a:schemeClr val="tx1"/>
+          </a:solidFill>
+          <a:latin typeface="+mn-lt"/>
+          <a:ea typeface="+mn-ea"/>
+          <a:cs typeface="+mn-cs"/>
+        </a:defRPr>
+      </a:lvl1pPr>
+      <a:lvl2pPr marL="685800" indent="-228600" algn="l" defTabSz="914400" rtl="0" eaLnBrk="1" latinLnBrk="0" hangingPunct="1">
+        <a:lnSpc>
+          <a:spcPct val="90000"/>
+        </a:lnSpc>
+        <a:spcBef>
+          <a:spcPts val="500"/>
+        </a:spcBef>
+        <a:buFont typeface="Arial" panose="020B0604020202020204" pitchFamily="34" charset="0"/>
+        <a:buChar char="•"/>
+        <a:defRPr sz="2400" kern="1200">
+          <a:solidFill>
+            <a:schemeClr val="tx1"/>
+          </a:solidFill>
+          <a:latin typeface="+mn-lt"/>
+          <a:ea typeface="+mn-ea"/>
+          <a:cs typeface="+mn-cs"/>
+        </a:defRPr>
+      </a:lvl2pPr>
+      <a:lvl3pPr marL="1143000" indent="-228600" algn="l" defTabSz="914400" rtl="0" eaLnBrk="1" latinLnBrk="0" hangingPunct="1">
+        <a:lnSpc>
+          <a:spcPct val="90000"/>
+        </a:lnSpc>
+        <a:spcBef>
+          <a:spcPts val="500"/>
+        </a:spcBef>
+        <a:buFont typeface="Arial" panose="020B0604020202020204" pitchFamily="34" charset="0"/>
+        <a:buChar char="•"/>
+        <a:defRPr sz="2000" kern="1200">
+          <a:solidFill>
+            <a:schemeClr val="tx1"/>
+          </a:solidFill>
+          <a:latin typeface="+mn-lt"/>
+          <a:ea typeface="+mn-ea"/>
+          <a:cs typeface="+mn-cs"/>
+        </a:defRPr>
+      </a:lvl3pPr>
+      <a:lvl4pPr marL="1600200" indent="-228600" algn="l" defTabSz="914400" rtl="0" eaLnBrk="1" latinLnBrk="0" hangingPunct="1">
+        <a:lnSpc>
+          <a:spcPct val="90000"/>
+        </a:lnSpc>
+        <a:spcBef>
+          <a:spcPts val="500"/>
+        </a:spcBef>
+        <a:buFont typeface="Arial" panose="020B0604020202020204" pitchFamily="34" charset="0"/>
+        <a:buChar char="•"/>
+        <a:defRPr sz="1800" kern="1200">
+          <a:solidFill>
+            <a:schemeClr val="tx1"/>
+          </a:solidFill>
+          <a:latin typeface="+mn-lt"/>
+          <a:ea typeface="+mn-ea"/>
+          <a:cs typeface="+mn-cs"/>
+        </a:defRPr>
+      </a:lvl4pPr>
+      <a:lvl5pPr marL="2057400" indent="-228600" algn="l" defTabSz="914400" rtl="0" eaLnBrk="1" latinLnBrk="0" hangingPunct="1">
+        <a:lnSpc>
+          <a:spcPct val="90000"/>
+        </a:lnSpc>
+        <a:spcBef>
+          <a:spcPts val="500"/>
+        </a:spcBef>
+        <a:buFont typeface="Arial" panose="020B0604020202020204" pitchFamily="34" charset="0"/>
+        <a:buChar char="•"/>
+        <a:defRPr sz="1800" kern="1200">
+          <a:solidFill>
+            <a:schemeClr val="tx1"/>
+          </a:solidFill>
+          <a:latin typeface="+mn-lt"/>
+          <a:ea typeface="+mn-ea"/>
+          <a:cs typeface="+mn-cs"/>
+        </a:defRPr>
+      </a:lvl5pPr>
+      <a:lvl6pPr marL="2514600" indent="-228600" algn="l" defTabSz="914400" rtl="0" eaLnBrk="1" latinLnBrk="0" hangingPunct="1">
+        <a:lnSpc>
+          <a:spcPct val="90000"/>
+        </a:lnSpc>
+        <a:spcBef>
+          <a:spcPts val="500"/>
+        </a:spcBef>
+        <a:buFont typeface="Arial" panose="020B0604020202020204" pitchFamily="34" charset="0"/>
+        <a:buChar char="•"/>
+        <a:defRPr sz="1800" kern="1200">
+          <a:solidFill>
+            <a:schemeClr val="tx1"/>
+          </a:solidFill>
+          <a:latin typeface="+mn-lt"/>
+          <a:ea typeface="+mn-ea"/>
+          <a:cs typeface="+mn-cs"/>
+        </a:defRPr>
+      </a:lvl6pPr>
+      <a:lvl7pPr marL="2971800" indent="-228600" algn="l" defTabSz="914400" rtl="0" eaLnBrk="1" latinLnBrk="0" hangingPunct="1">
+        <a:lnSpc>
+          <a:spcPct val="90000"/>
+        </a:lnSpc>
+        <a:spcBef>
+          <a:spcPts val="500"/>
+        </a:spcBef>
+        <a:buFont typeface="Arial" panose="020B0604020202020204" pitchFamily="34" charset="0"/>
+        <a:buChar char="•"/>
+        <a:defRPr sz="1800" kern="1200">
+          <a:solidFill>
+            <a:schemeClr val="tx1"/>
+          </a:solidFill>
+          <a:latin typeface="+mn-lt"/>
+          <a:ea typeface="+mn-ea"/>
+          <a:cs typeface="+mn-cs"/>
+        </a:defRPr>
+      </a:lvl7pPr>
+      <a:lvl8pPr marL="3429000" indent="-228600" algn="l" defTabSz="914400" rtl="0" eaLnBrk="1" latinLnBrk="0" hangingPunct="1">
+        <a:lnSpc>
+          <a:spcPct val="90000"/>
+        </a:lnSpc>
+        <a:spcBef>
+          <a:spcPts val="500"/>
+        </a:spcBef>
+        <a:buFont typeface="Arial" panose="020B0604020202020204" pitchFamily="34" charset="0"/>
+        <a:buChar char="•"/>
+        <a:defRPr sz="1800" kern="1200">
+          <a:solidFill>
+            <a:schemeClr val="tx1"/>
+          </a:solidFill>
+          <a:latin typeface="+mn-lt"/>
+          <a:ea typeface="+mn-ea"/>
+          <a:cs typeface="+mn-cs"/>
+        </a:defRPr>
+      </a:lvl8pPr>
+      <a:lvl9pPr marL="3886200" indent="-228600" algn="l" defTabSz="914400" rtl="0" eaLnBrk="1" latinLnBrk="0" hangingPunct="1">
+        <a:lnSpc>
+          <a:spcPct val="90000"/>
+        </a:lnSpc>
+        <a:spcBef>
+          <a:spcPts val="500"/>
+        </a:spcBef>
+        <a:buFont typeface="Arial" panose="020B0604020202020204" pitchFamily="34" charset="0"/>
+        <a:buChar char="•"/>
+        <a:defRPr sz="1800" kern="1200">
+          <a:solidFill>
+            <a:schemeClr val="tx1"/>
+          </a:solidFill>
+          <a:latin typeface="+mn-lt"/>
+          <a:ea typeface="+mn-ea"/>
+          <a:cs typeface="+mn-cs"/>
+        </a:defRPr>
+      </a:lvl9pPr>
+    </p:bodyStyle>
+    <p:otherStyle>
+      <a:defPPr>
+        <a:defRPr lang="en-US"/>
+      </a:defPPr>
+      <a:lvl1pPr marL="0" algn="l" defTabSz="914400" rtl="0" eaLnBrk="1" latinLnBrk="0" hangingPunct="1">
+        <a:defRPr sz="1800" kern="1200">
+          <a:solidFill>
+            <a:schemeClr val="tx1"/>
+          </a:solidFill>
+          <a:latin typeface="+mn-lt"/>
+          <a:ea typeface="+mn-ea"/>
+          <a:cs typeface="+mn-cs"/>
+        </a:defRPr>
+      </a:lvl1pPr>
+      <a:lvl2pPr marL="457200" algn="l" defTabSz="914400" rtl="0" eaLnBrk="1" latinLnBrk="0" hangingPunct="1">
+        <a:defRPr sz="1800" kern="1200">
+          <a:solidFill>
+            <a:schemeClr val="tx1"/>
+          </a:solidFill>
+          <a:latin typeface="+mn-lt"/>
+          <a:ea typeface="+mn-ea"/>
+          <a:cs typeface="+mn-cs"/>
+        </a:defRPr>
+      </a:lvl2pPr>
+      <a:lvl3pPr marL="914400" algn="l" defTabSz="914400" rtl="0" eaLnBrk="1" latinLnBrk="0" hangingPunct="1">
+        <a:defRPr sz="1800" kern="1200">
+          <a:solidFill>
+            <a:schemeClr val="tx1"/>
+          </a:solidFill>
+          <a:latin typeface="+mn-lt"/>
+          <a:ea typeface="+mn-ea"/>
+          <a:cs typeface="+mn-cs"/>
+        </a:defRPr>
+      </a:lvl3pPr>
+      <a:lvl4pPr marL="1371600" algn="l" defTabSz="914400" rtl="0" eaLnBrk="1" latinLnBrk="0" hangingPunct="1">
+        <a:defRPr sz="1800" kern="1200">
+          <a:solidFill>
+            <a:schemeClr val="tx1"/>
+          </a:solidFill>
+          <a:latin typeface="+mn-lt"/>
+          <a:ea typeface="+mn-ea"/>
+          <a:cs typeface="+mn-cs"/>
+        </a:defRPr>
+      </a:lvl4pPr>
+      <a:lvl5pPr marL="1828800" algn="l" defTabSz="914400" rtl="0" eaLnBrk="1" latinLnBrk="0" hangingPunct="1">
+        <a:defRPr sz="1800" kern="1200">
+          <a:solidFill>
+            <a:schemeClr val="tx1"/>
+          </a:solidFill>
+          <a:latin typeface="+mn-lt"/>
+          <a:ea typeface="+mn-ea"/>
+          <a:cs typeface="+mn-cs"/>
+        </a:defRPr>
+      </a:lvl5pPr>
+      <a:lvl6pPr marL="2286000" algn="l" defTabSz="914400" rtl="0" eaLnBrk="1" latinLnBrk="0" hangingPunct="1">
+        <a:defRPr sz="1800" kern="1200">
+          <a:solidFill>
+            <a:schemeClr val="tx1"/>
+          </a:solidFill>
+          <a:latin typeface="+mn-lt"/>
+          <a:ea typeface="+mn-ea"/>
+          <a:cs typeface="+mn-cs"/>
+        </a:defRPr>
+      </a:lvl6pPr>
+      <a:lvl7pPr marL="2743200" algn="l" defTabSz="914400" rtl="0" eaLnBrk="1" latinLnBrk="0" hangingPunct="1">
+        <a:defRPr sz="1800" kern="1200">
+          <a:solidFill>
+            <a:schemeClr val="tx1"/>
+          </a:solidFill>
+          <a:latin typeface="+mn-lt"/>
+          <a:ea typeface="+mn-ea"/>
+          <a:cs typeface="+mn-cs"/>
+        </a:defRPr>
+      </a:lvl7pPr>
+      <a:lvl8pPr marL="3200400" algn="l" defTabSz="914400" rtl="0" eaLnBrk="1" latinLnBrk="0" hangingPunct="1">
+        <a:defRPr sz="1800" kern="1200">
+          <a:solidFill>
+            <a:schemeClr val="tx1"/>
+          </a:solidFill>
+          <a:latin typeface="+mn-lt"/>
+          <a:ea typeface="+mn-ea"/>
+          <a:cs typeface="+mn-cs"/>
+        </a:defRPr>
+      </a:lvl8pPr>
+      <a:lvl9pPr marL="3657600" algn="l" defTabSz="914400" rtl="0" eaLnBrk="1" latinLnBrk="0" hangingPunct="1">
+        <a:defRPr sz="1800" kern="1200">
+          <a:solidFill>
+            <a:schemeClr val="tx1"/>
+          </a:solidFill>
+          <a:latin typeface="+mn-lt"/>
+          <a:ea typeface="+mn-ea"/>
+          <a:cs typeface="+mn-cs"/>
+        </a:defRPr>
+      </a:lvl9pPr>
+    </p:otherStyle>
+  </p:txStyles>
+</p:sldMaster>
+</file>
+
+<file path=ppt/slides/slide1.xml><?xml version="1.0" encoding="utf-8"?>
+<p:sld xmlns:a="http://schemas.openxmlformats.org/drawingml/2006/main" xmlns:r="http://schemas.openxmlformats.org/officeDocument/2006/relationships" xmlns:p="http://schemas.openxmlformats.org/presentationml/2006/main">
   <p:cSld>
     <p:spTree>
       <p:nvGrpSpPr>
@@ -1509,13 +2224,9 @@
       </p:grpSpPr>
       <p:sp>
         <p:nvSpPr>
-          <p:cNvPr id="0" name="PlaceHolder 1"/>
-          <p:cNvSpPr>
-            <a:spLocks noGrp="1"/>
-          </p:cNvSpPr>
-          <p:nvPr>
-            <p:ph type="title"/>
-          </p:nvPr>
+          <p:cNvPr id="36" name="CustomShape 1"/>
+          <p:cNvSpPr/>
+          <p:nvPr/>
         </p:nvSpPr>
         <p:spPr>
           <a:xfrm>
@@ -1525,18 +2236,118 @@
           <a:prstGeom prst="rect">
             <a:avLst/>
           </a:prstGeom>
-        </p:spPr>
+          <a:noFill/>
+          <a:ln>
+            <a:noFill/>
+          </a:ln>
+        </p:spPr>
+        <p:style>
+          <a:lnRef idx="0">
+            <a:scrgbClr r="0" g="0" b="0"/>
+          </a:lnRef>
+          <a:fillRef idx="0">
+            <a:scrgbClr r="0" g="0" b="0"/>
+          </a:fillRef>
+          <a:effectRef idx="0">
+            <a:scrgbClr r="0" g="0" b="0"/>
+          </a:effectRef>
+          <a:fontRef idx="minor"/>
+        </p:style>
+      </p:sp>
+      <p:sp>
+        <p:nvSpPr>
+          <p:cNvPr id="37" name="CustomShape 2"/>
+          <p:cNvSpPr/>
+          <p:nvPr/>
+        </p:nvSpPr>
+        <p:spPr>
+          <a:xfrm>
+            <a:off x="504000" y="1769040"/>
+            <a:ext cx="9070560" cy="4383360"/>
+          </a:xfrm>
+          <a:prstGeom prst="rect">
+            <a:avLst/>
+          </a:prstGeom>
+          <a:noFill/>
+          <a:ln>
+            <a:noFill/>
+          </a:ln>
+        </p:spPr>
+        <p:style>
+          <a:lnRef idx="0">
+            <a:scrgbClr r="0" g="0" b="0"/>
+          </a:lnRef>
+          <a:fillRef idx="0">
+            <a:scrgbClr r="0" g="0" b="0"/>
+          </a:fillRef>
+          <a:effectRef idx="0">
+            <a:scrgbClr r="0" g="0" b="0"/>
+          </a:effectRef>
+          <a:fontRef idx="minor"/>
+        </p:style>
+      </p:sp>
+      <p:sp>
+        <p:nvSpPr>
+          <p:cNvPr id="38" name="CustomShape 3"/>
+          <p:cNvSpPr/>
+          <p:nvPr/>
+        </p:nvSpPr>
+        <p:spPr>
+          <a:xfrm>
+            <a:off x="457920" y="1024200"/>
+            <a:ext cx="9070560" cy="1809720"/>
+          </a:xfrm>
+          <a:prstGeom prst="rect">
+            <a:avLst/>
+          </a:prstGeom>
+          <a:noFill/>
+          <a:ln>
+            <a:noFill/>
+          </a:ln>
+        </p:spPr>
+        <p:style>
+          <a:lnRef idx="0">
+            <a:scrgbClr r="0" g="0" b="0"/>
+          </a:lnRef>
+          <a:fillRef idx="0">
+            <a:scrgbClr r="0" g="0" b="0"/>
+          </a:fillRef>
+          <a:effectRef idx="0">
+            <a:scrgbClr r="0" g="0" b="0"/>
+          </a:effectRef>
+          <a:fontRef idx="minor"/>
+        </p:style>
         <p:txBody>
-          <a:bodyPr lIns="0" rIns="0" tIns="0" bIns="0" anchor="ctr"/>
-          <a:p>
-            <a:pPr algn="ctr"/>
-            <a:endParaRPr b="0" lang="en-US" sz="4400" spc="-1" strike="noStrike">
+          <a:bodyPr lIns="0" tIns="0" rIns="0" bIns="0" anchor="ctr"/>
+          <a:lstStyle/>
+          <a:p>
+            <a:pPr algn="ctr">
+              <a:lnSpc>
+                <a:spcPct val="100000"/>
+              </a:lnSpc>
+            </a:pPr>
+            <a:r>
+              <a:rPr lang="en-US" sz="9600" b="0" strike="noStrike" spc="-1">
+                <a:solidFill>
+                  <a:srgbClr val="000000"/>
+                </a:solidFill>
+                <a:uFill>
+                  <a:solidFill>
+                    <a:srgbClr val="FFFFFF"/>
+                  </a:solidFill>
+                </a:uFill>
+                <a:latin typeface="Arial"/>
+                <a:ea typeface="DejaVu Sans"/>
+              </a:rPr>
+              <a:t>Fs7ny	</a:t>
+            </a:r>
+            <a:endParaRPr lang="en-US" sz="1800" b="0" strike="noStrike" spc="-1">
               <a:solidFill>
                 <a:srgbClr val="000000"/>
               </a:solidFill>
               <a:uFill>
                 <a:solidFill>
-                  <a:srgbClr val="ffffff"/>
+                  <a:srgbClr val="FFFFFF"/>
                 </a:solidFill>
               </a:uFill>
               <a:latin typeface="Arial"/>
@@ -1546,294 +2357,736 @@
       </p:sp>
       <p:sp>
         <p:nvSpPr>
-          <p:cNvPr id="1" name="PlaceHolder 2"/>
-          <p:cNvSpPr>
-            <a:spLocks noGrp="1"/>
-          </p:cNvSpPr>
-          <p:nvPr>
-            <p:ph type="body"/>
-          </p:nvPr>
-        </p:nvSpPr>
-        <p:spPr>
-          <a:xfrm>
-            <a:off x="504000" y="1768680"/>
-            <a:ext cx="9071640" cy="4383720"/>
-          </a:xfrm>
-          <a:prstGeom prst="rect">
-            <a:avLst/>
-          </a:prstGeom>
-        </p:spPr>
+          <p:cNvPr id="39" name="CustomShape 4"/>
+          <p:cNvSpPr/>
+          <p:nvPr/>
+        </p:nvSpPr>
+        <p:spPr>
+          <a:xfrm>
+            <a:off x="457200" y="2743200"/>
+            <a:ext cx="9071280" cy="1919520"/>
+          </a:xfrm>
+          <a:prstGeom prst="rect">
+            <a:avLst/>
+          </a:prstGeom>
+          <a:noFill/>
+          <a:ln>
+            <a:noFill/>
+          </a:ln>
+        </p:spPr>
+        <p:style>
+          <a:lnRef idx="0">
+            <a:scrgbClr r="0" g="0" b="0"/>
+          </a:lnRef>
+          <a:fillRef idx="0">
+            <a:scrgbClr r="0" g="0" b="0"/>
+          </a:fillRef>
+          <a:effectRef idx="0">
+            <a:scrgbClr r="0" g="0" b="0"/>
+          </a:effectRef>
+          <a:fontRef idx="minor"/>
+        </p:style>
         <p:txBody>
-          <a:bodyPr lIns="0" rIns="0" tIns="0" bIns="0"/>
-          <a:p>
-            <a:pPr marL="432000" indent="-324000">
-              <a:buClr>
-                <a:srgbClr val="000000"/>
-              </a:buClr>
-              <a:buSzPct val="45000"/>
-              <a:buFont typeface="Wingdings" charset="2"/>
-              <a:buChar char=""/>
+          <a:bodyPr lIns="0" tIns="0" rIns="0" bIns="0" anchor="ctr"/>
+          <a:lstStyle/>
+          <a:p>
+            <a:pPr algn="ctr">
+              <a:lnSpc>
+                <a:spcPct val="100000"/>
+              </a:lnSpc>
             </a:pPr>
             <a:r>
-              <a:rPr b="0" lang="en-US" sz="1800" spc="-1" strike="noStrike">
+              <a:rPr lang="en-US" sz="3200" b="0" strike="noStrike" spc="-1" dirty="0">
                 <a:solidFill>
                   <a:srgbClr val="000000"/>
                 </a:solidFill>
                 <a:uFill>
                   <a:solidFill>
-                    <a:srgbClr val="ffffff"/>
+                    <a:srgbClr val="FFFFFF"/>
                   </a:solidFill>
                 </a:uFill>
-                <a:latin typeface="Arial"/>
+                <a:latin typeface="Times New Roman"/>
+                <a:ea typeface="DejaVu Sans"/>
               </a:rPr>
-              <a:t>Click to edit the outline text format</a:t>
+              <a:t>Supervised by</a:t>
             </a:r>
-            <a:endParaRPr b="0" lang="en-US" sz="1800" spc="-1" strike="noStrike">
+            <a:endParaRPr lang="en-US" sz="1800" b="0" strike="noStrike" spc="-1" dirty="0">
               <a:solidFill>
                 <a:srgbClr val="000000"/>
               </a:solidFill>
               <a:uFill>
                 <a:solidFill>
-                  <a:srgbClr val="ffffff"/>
+                  <a:srgbClr val="FFFFFF"/>
                 </a:solidFill>
               </a:uFill>
               <a:latin typeface="Arial"/>
             </a:endParaRPr>
           </a:p>
           <a:p>
-            <a:pPr lvl="1" marL="864000" indent="-324000">
-              <a:buClr>
-                <a:srgbClr val="000000"/>
-              </a:buClr>
-              <a:buSzPct val="75000"/>
-              <a:buFont typeface="Symbol" charset="2"/>
-              <a:buChar char=""/>
+            <a:pPr algn="ctr">
+              <a:lnSpc>
+                <a:spcPct val="100000"/>
+              </a:lnSpc>
             </a:pPr>
             <a:r>
-              <a:rPr b="0" lang="en-US" sz="1800" spc="-1" strike="noStrike">
+              <a:rPr lang="en-US" sz="3200" b="0" strike="noStrike" spc="-1" dirty="0">
                 <a:solidFill>
                   <a:srgbClr val="000000"/>
                 </a:solidFill>
                 <a:uFill>
                   <a:solidFill>
-                    <a:srgbClr val="ffffff"/>
+                    <a:srgbClr val="FFFFFF"/>
                   </a:solidFill>
                 </a:uFill>
-                <a:latin typeface="Arial"/>
+                <a:latin typeface="Times New Roman"/>
+                <a:ea typeface="DejaVu Sans"/>
               </a:rPr>
-              <a:t>Second Outline Level</a:t>
+              <a:t>Dr. Cherry Ahmed</a:t>
             </a:r>
-            <a:endParaRPr b="0" lang="en-US" sz="1800" spc="-1" strike="noStrike">
+            <a:endParaRPr lang="en-US" sz="1800" b="0" strike="noStrike" spc="-1" dirty="0">
               <a:solidFill>
                 <a:srgbClr val="000000"/>
               </a:solidFill>
               <a:uFill>
                 <a:solidFill>
-                  <a:srgbClr val="ffffff"/>
+                  <a:srgbClr val="FFFFFF"/>
                 </a:solidFill>
               </a:uFill>
               <a:latin typeface="Arial"/>
             </a:endParaRPr>
           </a:p>
           <a:p>
-            <a:pPr lvl="2" marL="1296000" indent="-288000">
-              <a:buClr>
-                <a:srgbClr val="000000"/>
-              </a:buClr>
-              <a:buSzPct val="45000"/>
-              <a:buFont typeface="Wingdings" charset="2"/>
-              <a:buChar char=""/>
+            <a:pPr algn="ctr">
+              <a:lnSpc>
+                <a:spcPct val="100000"/>
+              </a:lnSpc>
             </a:pPr>
             <a:r>
-              <a:rPr b="0" lang="en-US" sz="1800" spc="-1" strike="noStrike">
+              <a:rPr lang="en-US" sz="3200" b="0" strike="noStrike" spc="-1" dirty="0">
                 <a:solidFill>
                   <a:srgbClr val="000000"/>
                 </a:solidFill>
                 <a:uFill>
                   <a:solidFill>
-                    <a:srgbClr val="ffffff"/>
+                    <a:srgbClr val="FFFFFF"/>
                   </a:solidFill>
                 </a:uFill>
-                <a:latin typeface="Arial"/>
+                <a:latin typeface="Times New Roman"/>
+                <a:ea typeface="DejaVu Sans"/>
               </a:rPr>
-              <a:t>Third Outline Level</a:t>
+              <a:t>TA. Ashraf </a:t>
             </a:r>
-            <a:endParaRPr b="0" lang="en-US" sz="1800" spc="-1" strike="noStrike">
+            <a:r>
+              <a:rPr lang="en-US" sz="3200" spc="-1" dirty="0" err="1">
+                <a:solidFill>
+                  <a:srgbClr val="000000"/>
+                </a:solidFill>
+                <a:uFill>
+                  <a:solidFill>
+                    <a:srgbClr val="FFFFFF"/>
+                  </a:solidFill>
+                </a:uFill>
+                <a:latin typeface="Times New Roman"/>
+                <a:ea typeface="DejaVu Sans"/>
+              </a:rPr>
+              <a:t>Mohey</a:t>
+            </a:r>
+            <a:endParaRPr lang="en-US" sz="1800" b="0" strike="noStrike" spc="-1" dirty="0">
               <a:solidFill>
                 <a:srgbClr val="000000"/>
               </a:solidFill>
               <a:uFill>
                 <a:solidFill>
-                  <a:srgbClr val="ffffff"/>
+                  <a:srgbClr val="FFFFFF"/>
                 </a:solidFill>
               </a:uFill>
               <a:latin typeface="Arial"/>
             </a:endParaRPr>
           </a:p>
-          <a:p>
-            <a:pPr lvl="3" marL="1728000" indent="-216000">
-              <a:buClr>
-                <a:srgbClr val="000000"/>
-              </a:buClr>
-              <a:buSzPct val="75000"/>
-              <a:buFont typeface="Symbol" charset="2"/>
-              <a:buChar char=""/>
-            </a:pPr>
+        </p:txBody>
+      </p:sp>
+      <p:sp>
+        <p:nvSpPr>
+          <p:cNvPr id="40" name="CustomShape 5"/>
+          <p:cNvSpPr/>
+          <p:nvPr/>
+        </p:nvSpPr>
+        <p:spPr>
+          <a:xfrm>
+            <a:off x="504000" y="4572000"/>
+            <a:ext cx="2173320" cy="426600"/>
+          </a:xfrm>
+          <a:prstGeom prst="rect">
+            <a:avLst/>
+          </a:prstGeom>
+          <a:noFill/>
+          <a:ln>
+            <a:noFill/>
+          </a:ln>
+        </p:spPr>
+        <p:style>
+          <a:lnRef idx="0">
+            <a:scrgbClr r="0" g="0" b="0"/>
+          </a:lnRef>
+          <a:fillRef idx="0">
+            <a:scrgbClr r="0" g="0" b="0"/>
+          </a:fillRef>
+          <a:effectRef idx="0">
+            <a:scrgbClr r="0" g="0" b="0"/>
+          </a:effectRef>
+          <a:fontRef idx="minor"/>
+        </p:style>
+        <p:txBody>
+          <a:bodyPr lIns="90000" tIns="45000" rIns="90000" bIns="45000"/>
+          <a:lstStyle/>
+          <a:p>
             <a:r>
-              <a:rPr b="0" lang="en-US" sz="1800" spc="-1" strike="noStrike">
+              <a:rPr lang="en-US" sz="2400" b="0" strike="noStrike" spc="-1">
                 <a:solidFill>
                   <a:srgbClr val="000000"/>
                 </a:solidFill>
                 <a:uFill>
                   <a:solidFill>
-                    <a:srgbClr val="ffffff"/>
+                    <a:srgbClr val="FFFFFF"/>
                   </a:solidFill>
                 </a:uFill>
-                <a:latin typeface="Arial"/>
+                <a:latin typeface="Times New Roman"/>
+                <a:ea typeface="DejaVu Sans"/>
               </a:rPr>
-              <a:t>Fourth Outline Level</a:t>
+              <a:t>Implemented by</a:t>
             </a:r>
-            <a:endParaRPr b="0" lang="en-US" sz="1800" spc="-1" strike="noStrike">
+            <a:endParaRPr lang="en-US" sz="1800" b="0" strike="noStrike" spc="-1">
               <a:solidFill>
                 <a:srgbClr val="000000"/>
               </a:solidFill>
               <a:uFill>
                 <a:solidFill>
-                  <a:srgbClr val="ffffff"/>
+                  <a:srgbClr val="FFFFFF"/>
                 </a:solidFill>
               </a:uFill>
               <a:latin typeface="Arial"/>
             </a:endParaRPr>
           </a:p>
-          <a:p>
-            <a:pPr lvl="4" marL="2160000" indent="-216000">
-              <a:buClr>
-                <a:srgbClr val="000000"/>
-              </a:buClr>
-              <a:buSzPct val="45000"/>
-              <a:buFont typeface="Wingdings" charset="2"/>
-              <a:buChar char=""/>
-            </a:pPr>
-            <a:r>
-              <a:rPr b="0" lang="en-US" sz="1800" spc="-1" strike="noStrike">
-                <a:solidFill>
-                  <a:srgbClr val="000000"/>
-                </a:solidFill>
-                <a:uFill>
-                  <a:solidFill>
-                    <a:srgbClr val="ffffff"/>
-                  </a:solidFill>
-                </a:uFill>
-                <a:latin typeface="Arial"/>
-              </a:rPr>
-              <a:t>Fifth Outline Level</a:t>
-            </a:r>
-            <a:endParaRPr b="0" lang="en-US" sz="1800" spc="-1" strike="noStrike">
-              <a:solidFill>
-                <a:srgbClr val="000000"/>
-              </a:solidFill>
-              <a:uFill>
-                <a:solidFill>
-                  <a:srgbClr val="ffffff"/>
-                </a:solidFill>
-              </a:uFill>
-              <a:latin typeface="Arial"/>
-            </a:endParaRPr>
-          </a:p>
-          <a:p>
-            <a:pPr lvl="5" marL="2592000" indent="-216000">
-              <a:buClr>
-                <a:srgbClr val="000000"/>
-              </a:buClr>
-              <a:buSzPct val="45000"/>
-              <a:buFont typeface="Wingdings" charset="2"/>
-              <a:buChar char=""/>
-            </a:pPr>
-            <a:r>
-              <a:rPr b="0" lang="en-US" sz="1800" spc="-1" strike="noStrike">
-                <a:solidFill>
-                  <a:srgbClr val="000000"/>
-                </a:solidFill>
-                <a:uFill>
-                  <a:solidFill>
-                    <a:srgbClr val="ffffff"/>
-                  </a:solidFill>
-                </a:uFill>
-                <a:latin typeface="Arial"/>
-              </a:rPr>
-              <a:t>Sixth Outline Level</a:t>
-            </a:r>
-            <a:endParaRPr b="0" lang="en-US" sz="1800" spc="-1" strike="noStrike">
-              <a:solidFill>
-                <a:srgbClr val="000000"/>
-              </a:solidFill>
-              <a:uFill>
-                <a:solidFill>
-                  <a:srgbClr val="ffffff"/>
-                </a:solidFill>
-              </a:uFill>
-              <a:latin typeface="Arial"/>
-            </a:endParaRPr>
-          </a:p>
-          <a:p>
-            <a:pPr lvl="6" marL="3024000" indent="-216000">
-              <a:buClr>
-                <a:srgbClr val="000000"/>
-              </a:buClr>
-              <a:buSzPct val="45000"/>
-              <a:buFont typeface="Wingdings" charset="2"/>
-              <a:buChar char=""/>
-            </a:pPr>
-            <a:r>
-              <a:rPr b="0" lang="en-US" sz="1800" spc="-1" strike="noStrike">
-                <a:solidFill>
-                  <a:srgbClr val="000000"/>
-                </a:solidFill>
-                <a:uFill>
-                  <a:solidFill>
-                    <a:srgbClr val="ffffff"/>
-                  </a:solidFill>
-                </a:uFill>
-                <a:latin typeface="Arial"/>
-              </a:rPr>
-              <a:t>Seventh Outline Level</a:t>
-            </a:r>
-            <a:endParaRPr b="0" lang="en-US" sz="1800" spc="-1" strike="noStrike">
-              <a:solidFill>
-                <a:srgbClr val="000000"/>
-              </a:solidFill>
-              <a:uFill>
-                <a:solidFill>
-                  <a:srgbClr val="ffffff"/>
-                </a:solidFill>
-              </a:uFill>
-              <a:latin typeface="Arial"/>
-            </a:endParaRPr>
-          </a:p>
         </p:txBody>
       </p:sp>
+      <p:graphicFrame>
+        <p:nvGraphicFramePr>
+          <p:cNvPr id="41" name="Table 6"/>
+          <p:cNvGraphicFramePr/>
+          <p:nvPr>
+            <p:extLst>
+              <p:ext uri="{D42A27DB-BD31-4B8C-83A1-F6EECF244321}">
+                <p14:modId xmlns:p14="http://schemas.microsoft.com/office/powerpoint/2010/main" val="3544426717"/>
+              </p:ext>
+            </p:extLst>
+          </p:nvPr>
+        </p:nvGraphicFramePr>
+        <p:xfrm>
+          <a:off x="504000" y="5066640"/>
+          <a:ext cx="9071280" cy="2159640"/>
+        </p:xfrm>
+        <a:graphic>
+          <a:graphicData uri="http://schemas.openxmlformats.org/drawingml/2006/table">
+            <a:tbl>
+              <a:tblPr/>
+              <a:tblGrid>
+                <a:gridCol w="2531160">
+                  <a:extLst>
+                    <a:ext uri="{9D8B030D-6E8A-4147-A177-3AD203B41FA5}">
+                      <a16:colId xmlns:a16="http://schemas.microsoft.com/office/drawing/2014/main" val="20000"/>
+                    </a:ext>
+                  </a:extLst>
+                </a:gridCol>
+                <a:gridCol w="6540120">
+                  <a:extLst>
+                    <a:ext uri="{9D8B030D-6E8A-4147-A177-3AD203B41FA5}">
+                      <a16:colId xmlns:a16="http://schemas.microsoft.com/office/drawing/2014/main" val="20001"/>
+                    </a:ext>
+                  </a:extLst>
+                </a:gridCol>
+              </a:tblGrid>
+              <a:tr h="719640">
+                <a:tc>
+                  <a:txBody>
+                    <a:bodyPr/>
+                    <a:lstStyle/>
+                    <a:p>
+                      <a:pPr algn="ctr">
+                        <a:lnSpc>
+                          <a:spcPct val="100000"/>
+                        </a:lnSpc>
+                      </a:pPr>
+                      <a:r>
+                        <a:rPr lang="en-US" sz="1800" b="0" strike="noStrike" spc="-1">
+                          <a:solidFill>
+                            <a:srgbClr val="000000"/>
+                          </a:solidFill>
+                          <a:uFill>
+                            <a:solidFill>
+                              <a:srgbClr val="FFFFFF"/>
+                            </a:solidFill>
+                          </a:uFill>
+                          <a:latin typeface="Times New Roman"/>
+                        </a:rPr>
+                        <a:t>20140168</a:t>
+                      </a:r>
+                      <a:endParaRPr lang="en-US" sz="1800" b="0" strike="noStrike" spc="-1">
+                        <a:solidFill>
+                          <a:srgbClr val="000000"/>
+                        </a:solidFill>
+                        <a:uFill>
+                          <a:solidFill>
+                            <a:srgbClr val="FFFFFF"/>
+                          </a:solidFill>
+                        </a:uFill>
+                        <a:latin typeface="Arial"/>
+                      </a:endParaRPr>
+                    </a:p>
+                  </a:txBody>
+                  <a:tcPr marL="90000" marR="90000">
+                    <a:lnL w="720">
+                      <a:solidFill>
+                        <a:srgbClr val="FFFFFF"/>
+                      </a:solidFill>
+                    </a:lnL>
+                    <a:lnR w="720">
+                      <a:solidFill>
+                        <a:srgbClr val="FFFFFF"/>
+                      </a:solidFill>
+                    </a:lnR>
+                    <a:lnT w="720">
+                      <a:solidFill>
+                        <a:srgbClr val="FFFFFF"/>
+                      </a:solidFill>
+                    </a:lnT>
+                    <a:lnB w="720">
+                      <a:solidFill>
+                        <a:srgbClr val="FFFFFF"/>
+                      </a:solidFill>
+                    </a:lnB>
+                    <a:solidFill>
+                      <a:srgbClr val="E6E6E6"/>
+                    </a:solidFill>
+                  </a:tcPr>
+                </a:tc>
+                <a:tc>
+                  <a:txBody>
+                    <a:bodyPr/>
+                    <a:lstStyle/>
+                    <a:p>
+                      <a:pPr algn="ctr">
+                        <a:lnSpc>
+                          <a:spcPct val="100000"/>
+                        </a:lnSpc>
+                      </a:pPr>
+                      <a:r>
+                        <a:rPr lang="en-US" sz="1800" b="0" strike="noStrike" spc="-1">
+                          <a:solidFill>
+                            <a:srgbClr val="000000"/>
+                          </a:solidFill>
+                          <a:uFill>
+                            <a:solidFill>
+                              <a:srgbClr val="FFFFFF"/>
+                            </a:solidFill>
+                          </a:uFill>
+                          <a:latin typeface="Times New Roman"/>
+                        </a:rPr>
+                        <a:t>Abdel-aziz Abdel-naser Abdel-aziz</a:t>
+                      </a:r>
+                      <a:endParaRPr lang="en-US" sz="1800" b="0" strike="noStrike" spc="-1">
+                        <a:solidFill>
+                          <a:srgbClr val="000000"/>
+                        </a:solidFill>
+                        <a:uFill>
+                          <a:solidFill>
+                            <a:srgbClr val="FFFFFF"/>
+                          </a:solidFill>
+                        </a:uFill>
+                        <a:latin typeface="Arial"/>
+                      </a:endParaRPr>
+                    </a:p>
+                  </a:txBody>
+                  <a:tcPr marL="90000" marR="90000">
+                    <a:lnL w="720">
+                      <a:solidFill>
+                        <a:srgbClr val="FFFFFF"/>
+                      </a:solidFill>
+                    </a:lnL>
+                    <a:lnR w="720">
+                      <a:solidFill>
+                        <a:srgbClr val="FFFFFF"/>
+                      </a:solidFill>
+                    </a:lnR>
+                    <a:lnT w="720">
+                      <a:solidFill>
+                        <a:srgbClr val="FFFFFF"/>
+                      </a:solidFill>
+                    </a:lnT>
+                    <a:lnB w="720">
+                      <a:solidFill>
+                        <a:srgbClr val="FFFFFF"/>
+                      </a:solidFill>
+                    </a:lnB>
+                    <a:solidFill>
+                      <a:srgbClr val="E6E6E6"/>
+                    </a:solidFill>
+                  </a:tcPr>
+                </a:tc>
+                <a:extLst>
+                  <a:ext uri="{0D108BD9-81ED-4DB2-BD59-A6C34878D82A}">
+                    <a16:rowId xmlns:a16="http://schemas.microsoft.com/office/drawing/2014/main" val="10000"/>
+                  </a:ext>
+                </a:extLst>
+              </a:tr>
+              <a:tr h="719640">
+                <a:tc>
+                  <a:txBody>
+                    <a:bodyPr/>
+                    <a:lstStyle/>
+                    <a:p>
+                      <a:pPr algn="ctr">
+                        <a:lnSpc>
+                          <a:spcPct val="100000"/>
+                        </a:lnSpc>
+                      </a:pPr>
+                      <a:r>
+                        <a:rPr lang="en-US" sz="1800" b="0" strike="noStrike" spc="-1">
+                          <a:solidFill>
+                            <a:srgbClr val="000000"/>
+                          </a:solidFill>
+                          <a:uFill>
+                            <a:solidFill>
+                              <a:srgbClr val="FFFFFF"/>
+                            </a:solidFill>
+                          </a:uFill>
+                          <a:latin typeface="Times New Roman"/>
+                        </a:rPr>
+                        <a:t>20140234</a:t>
+                      </a:r>
+                      <a:endParaRPr lang="en-US" sz="1800" b="0" strike="noStrike" spc="-1">
+                        <a:solidFill>
+                          <a:srgbClr val="000000"/>
+                        </a:solidFill>
+                        <a:uFill>
+                          <a:solidFill>
+                            <a:srgbClr val="FFFFFF"/>
+                          </a:solidFill>
+                        </a:uFill>
+                        <a:latin typeface="Arial"/>
+                      </a:endParaRPr>
+                    </a:p>
+                  </a:txBody>
+                  <a:tcPr marL="90000" marR="90000">
+                    <a:lnL w="720">
+                      <a:solidFill>
+                        <a:srgbClr val="FFFFFF"/>
+                      </a:solidFill>
+                    </a:lnL>
+                    <a:lnR w="720">
+                      <a:solidFill>
+                        <a:srgbClr val="FFFFFF"/>
+                      </a:solidFill>
+                    </a:lnR>
+                    <a:lnT w="720">
+                      <a:solidFill>
+                        <a:srgbClr val="FFFFFF"/>
+                      </a:solidFill>
+                    </a:lnT>
+                    <a:lnB w="720">
+                      <a:solidFill>
+                        <a:srgbClr val="FFFFFF"/>
+                      </a:solidFill>
+                    </a:lnB>
+                    <a:solidFill>
+                      <a:srgbClr val="E6E6E6"/>
+                    </a:solidFill>
+                  </a:tcPr>
+                </a:tc>
+                <a:tc>
+                  <a:txBody>
+                    <a:bodyPr/>
+                    <a:lstStyle/>
+                    <a:p>
+                      <a:pPr algn="ctr">
+                        <a:lnSpc>
+                          <a:spcPct val="100000"/>
+                        </a:lnSpc>
+                      </a:pPr>
+                      <a:r>
+                        <a:rPr lang="en-US" sz="1800" b="0" strike="noStrike" spc="-1">
+                          <a:solidFill>
+                            <a:srgbClr val="000000"/>
+                          </a:solidFill>
+                          <a:uFill>
+                            <a:solidFill>
+                              <a:srgbClr val="FFFFFF"/>
+                            </a:solidFill>
+                          </a:uFill>
+                          <a:latin typeface="Times New Roman"/>
+                        </a:rPr>
+                        <a:t>Mohamed Fawzy Abdel-salam</a:t>
+                      </a:r>
+                      <a:endParaRPr lang="en-US" sz="1800" b="0" strike="noStrike" spc="-1">
+                        <a:solidFill>
+                          <a:srgbClr val="000000"/>
+                        </a:solidFill>
+                        <a:uFill>
+                          <a:solidFill>
+                            <a:srgbClr val="FFFFFF"/>
+                          </a:solidFill>
+                        </a:uFill>
+                        <a:latin typeface="Arial"/>
+                      </a:endParaRPr>
+                    </a:p>
+                  </a:txBody>
+                  <a:tcPr marL="90000" marR="90000">
+                    <a:lnL w="720">
+                      <a:solidFill>
+                        <a:srgbClr val="FFFFFF"/>
+                      </a:solidFill>
+                    </a:lnL>
+                    <a:lnR w="720">
+                      <a:solidFill>
+                        <a:srgbClr val="FFFFFF"/>
+                      </a:solidFill>
+                    </a:lnR>
+                    <a:lnT w="720">
+                      <a:solidFill>
+                        <a:srgbClr val="FFFFFF"/>
+                      </a:solidFill>
+                    </a:lnT>
+                    <a:lnB w="720">
+                      <a:solidFill>
+                        <a:srgbClr val="FFFFFF"/>
+                      </a:solidFill>
+                    </a:lnB>
+                    <a:solidFill>
+                      <a:srgbClr val="E6E6E6"/>
+                    </a:solidFill>
+                  </a:tcPr>
+                </a:tc>
+                <a:extLst>
+                  <a:ext uri="{0D108BD9-81ED-4DB2-BD59-A6C34878D82A}">
+                    <a16:rowId xmlns:a16="http://schemas.microsoft.com/office/drawing/2014/main" val="10001"/>
+                  </a:ext>
+                </a:extLst>
+              </a:tr>
+              <a:tr h="720360">
+                <a:tc>
+                  <a:txBody>
+                    <a:bodyPr/>
+                    <a:lstStyle/>
+                    <a:p>
+                      <a:pPr algn="ctr">
+                        <a:lnSpc>
+                          <a:spcPct val="100000"/>
+                        </a:lnSpc>
+                      </a:pPr>
+                      <a:r>
+                        <a:rPr lang="en-US" sz="1800" b="0" strike="noStrike" spc="-1">
+                          <a:solidFill>
+                            <a:srgbClr val="000000"/>
+                          </a:solidFill>
+                          <a:uFill>
+                            <a:solidFill>
+                              <a:srgbClr val="FFFFFF"/>
+                            </a:solidFill>
+                          </a:uFill>
+                          <a:latin typeface="Times New Roman"/>
+                        </a:rPr>
+                        <a:t>20140055</a:t>
+                      </a:r>
+                      <a:endParaRPr lang="en-US" sz="1800" b="0" strike="noStrike" spc="-1">
+                        <a:solidFill>
+                          <a:srgbClr val="000000"/>
+                        </a:solidFill>
+                        <a:uFill>
+                          <a:solidFill>
+                            <a:srgbClr val="FFFFFF"/>
+                          </a:solidFill>
+                        </a:uFill>
+                        <a:latin typeface="Arial"/>
+                      </a:endParaRPr>
+                    </a:p>
+                  </a:txBody>
+                  <a:tcPr marL="90000" marR="90000">
+                    <a:lnL w="720">
+                      <a:solidFill>
+                        <a:srgbClr val="FFFFFF"/>
+                      </a:solidFill>
+                    </a:lnL>
+                    <a:lnR w="720">
+                      <a:solidFill>
+                        <a:srgbClr val="FFFFFF"/>
+                      </a:solidFill>
+                    </a:lnR>
+                    <a:lnT w="720">
+                      <a:solidFill>
+                        <a:srgbClr val="FFFFFF"/>
+                      </a:solidFill>
+                    </a:lnT>
+                    <a:lnB w="720">
+                      <a:solidFill>
+                        <a:srgbClr val="FFFFFF"/>
+                      </a:solidFill>
+                    </a:lnB>
+                    <a:solidFill>
+                      <a:srgbClr val="E6E6E6"/>
+                    </a:solidFill>
+                  </a:tcPr>
+                </a:tc>
+                <a:tc>
+                  <a:txBody>
+                    <a:bodyPr/>
+                    <a:lstStyle/>
+                    <a:p>
+                      <a:pPr algn="ctr">
+                        <a:lnSpc>
+                          <a:spcPct val="100000"/>
+                        </a:lnSpc>
+                      </a:pPr>
+                      <a:r>
+                        <a:rPr lang="en-US" sz="1800" b="0" strike="noStrike" spc="-1" dirty="0" err="1">
+                          <a:solidFill>
+                            <a:srgbClr val="000000"/>
+                          </a:solidFill>
+                          <a:uFill>
+                            <a:solidFill>
+                              <a:srgbClr val="FFFFFF"/>
+                            </a:solidFill>
+                          </a:uFill>
+                          <a:latin typeface="Times New Roman"/>
+                        </a:rPr>
+                        <a:t>Israa</a:t>
+                      </a:r>
+                      <a:r>
+                        <a:rPr lang="en-US" sz="1800" b="0" strike="noStrike" spc="-1" dirty="0">
+                          <a:solidFill>
+                            <a:srgbClr val="000000"/>
+                          </a:solidFill>
+                          <a:uFill>
+                            <a:solidFill>
+                              <a:srgbClr val="FFFFFF"/>
+                            </a:solidFill>
+                          </a:uFill>
+                          <a:latin typeface="Times New Roman"/>
+                        </a:rPr>
+                        <a:t> Abdel-</a:t>
+                      </a:r>
+                      <a:r>
+                        <a:rPr lang="en-US" sz="1800" b="0" strike="noStrike" spc="-1" dirty="0" err="1">
+                          <a:solidFill>
+                            <a:srgbClr val="000000"/>
+                          </a:solidFill>
+                          <a:uFill>
+                            <a:solidFill>
+                              <a:srgbClr val="FFFFFF"/>
+                            </a:solidFill>
+                          </a:uFill>
+                          <a:latin typeface="Times New Roman"/>
+                        </a:rPr>
+                        <a:t>naby</a:t>
+                      </a:r>
+                      <a:r>
+                        <a:rPr lang="en-US" sz="1800" b="0" strike="noStrike" spc="-1" dirty="0">
+                          <a:solidFill>
+                            <a:srgbClr val="000000"/>
+                          </a:solidFill>
+                          <a:uFill>
+                            <a:solidFill>
+                              <a:srgbClr val="FFFFFF"/>
+                            </a:solidFill>
+                          </a:uFill>
+                          <a:latin typeface="Times New Roman"/>
+                        </a:rPr>
+                        <a:t> </a:t>
+                      </a:r>
+                      <a:endParaRPr lang="en-US" sz="1800" b="0" strike="noStrike" spc="-1" dirty="0">
+                        <a:solidFill>
+                          <a:srgbClr val="000000"/>
+                        </a:solidFill>
+                        <a:uFill>
+                          <a:solidFill>
+                            <a:srgbClr val="FFFFFF"/>
+                          </a:solidFill>
+                        </a:uFill>
+                        <a:latin typeface="Arial"/>
+                      </a:endParaRPr>
+                    </a:p>
+                  </a:txBody>
+                  <a:tcPr marL="90000" marR="90000">
+                    <a:lnL w="720">
+                      <a:solidFill>
+                        <a:srgbClr val="FFFFFF"/>
+                      </a:solidFill>
+                    </a:lnL>
+                    <a:lnR w="720">
+                      <a:solidFill>
+                        <a:srgbClr val="FFFFFF"/>
+                      </a:solidFill>
+                    </a:lnR>
+                    <a:lnT w="720">
+                      <a:solidFill>
+                        <a:srgbClr val="FFFFFF"/>
+                      </a:solidFill>
+                    </a:lnT>
+                    <a:lnB w="720">
+                      <a:solidFill>
+                        <a:srgbClr val="FFFFFF"/>
+                      </a:solidFill>
+                    </a:lnB>
+                    <a:solidFill>
+                      <a:srgbClr val="E6E6E6"/>
+                    </a:solidFill>
+                  </a:tcPr>
+                </a:tc>
+                <a:extLst>
+                  <a:ext uri="{0D108BD9-81ED-4DB2-BD59-A6C34878D82A}">
+                    <a16:rowId xmlns:a16="http://schemas.microsoft.com/office/drawing/2014/main" val="10002"/>
+                  </a:ext>
+                </a:extLst>
+              </a:tr>
+            </a:tbl>
+          </a:graphicData>
+        </a:graphic>
+      </p:graphicFrame>
     </p:spTree>
   </p:cSld>
-  <p:clrMap bg1="lt1" bg2="lt2" tx1="dk1" tx2="dk2" accent1="accent1" accent2="accent2" accent3="accent3" accent4="accent4" accent5="accent5" accent6="accent6" hlink="hlink" folHlink="folHlink"/>
-  <p:sldLayoutIdLst>
-    <p:sldLayoutId id="2147483649" r:id="rId2"/>
-    <p:sldLayoutId id="2147483650" r:id="rId3"/>
-    <p:sldLayoutId id="2147483651" r:id="rId4"/>
-    <p:sldLayoutId id="2147483652" r:id="rId5"/>
-    <p:sldLayoutId id="2147483653" r:id="rId6"/>
-    <p:sldLayoutId id="2147483654" r:id="rId7"/>
-    <p:sldLayoutId id="2147483655" r:id="rId8"/>
-    <p:sldLayoutId id="2147483656" r:id="rId9"/>
-    <p:sldLayoutId id="2147483657" r:id="rId10"/>
-    <p:sldLayoutId id="2147483658" r:id="rId11"/>
-    <p:sldLayoutId id="2147483659" r:id="rId12"/>
-    <p:sldLayoutId id="2147483660" r:id="rId13"/>
-  </p:sldLayoutIdLst>
-</p:sldMaster>
+  <p:clrMapOvr>
+    <a:masterClrMapping/>
+  </p:clrMapOvr>
+  <p:timing>
+    <p:tnLst>
+      <p:par>
+        <p:cTn id="1" dur="indefinite" restart="never" nodeType="tmRoot">
+          <p:childTnLst>
+            <p:seq>
+              <p:cTn id="2" nodeType="mainSeq"/>
+              <p:prevCondLst>
+                <p:cond evt="onPrev" delay="0">
+                  <p:tgtEl>
+                    <p:sldTgt/>
+                  </p:tgtEl>
+                </p:cond>
+              </p:prevCondLst>
+              <p:nextCondLst>
+                <p:cond evt="onNext" delay="0">
+                  <p:tgtEl>
+                    <p:sldTgt/>
+                  </p:tgtEl>
+                </p:cond>
+              </p:nextCondLst>
+            </p:seq>
+          </p:childTnLst>
+        </p:cTn>
+      </p:par>
+    </p:tnLst>
+  </p:timing>
+</p:sld>
 </file>
 
-<file path=ppt/slides/slide1.xml><?xml version="1.0" encoding="utf-8"?>
-<p:sld xmlns:a="http://schemas.openxmlformats.org/drawingml/2006/main" xmlns:p="http://schemas.openxmlformats.org/presentationml/2006/main" xmlns:r="http://schemas.openxmlformats.org/officeDocument/2006/relationships" xmlns:p14="http://schemas.microsoft.com/office/powerpoint/2010/main" xmlns:p15="http://schemas.microsoft.com/office/powerpoint/2012/main" xmlns:mc="http://schemas.openxmlformats.org/markup-compatibility/2006">
+<file path=ppt/slides/slide2.xml><?xml version="1.0" encoding="utf-8"?>
+<p:sld xmlns:a="http://schemas.openxmlformats.org/drawingml/2006/main" xmlns:r="http://schemas.openxmlformats.org/officeDocument/2006/relationships" xmlns:p="http://schemas.openxmlformats.org/presentationml/2006/main">
   <p:cSld>
     <p:spTree>
       <p:nvGrpSpPr>
@@ -1851,13 +3104,13 @@
       </p:grpSpPr>
       <p:sp>
         <p:nvSpPr>
-          <p:cNvPr id="36" name="CustomShape 1"/>
+          <p:cNvPr id="42" name="CustomShape 1"/>
           <p:cNvSpPr/>
           <p:nvPr/>
         </p:nvSpPr>
         <p:spPr>
           <a:xfrm>
-            <a:off x="504000" y="301320"/>
+            <a:off x="548640" y="182880"/>
             <a:ext cx="9070560" cy="1261080"/>
           </a:xfrm>
           <a:prstGeom prst="rect">
@@ -1869,65 +3122,20 @@
           </a:ln>
         </p:spPr>
         <p:style>
-          <a:lnRef idx="0"/>
-          <a:fillRef idx="0"/>
-          <a:effectRef idx="0"/>
-          <a:fontRef idx="minor"/>
-        </p:style>
-      </p:sp>
-      <p:sp>
-        <p:nvSpPr>
-          <p:cNvPr id="37" name="CustomShape 2"/>
-          <p:cNvSpPr/>
-          <p:nvPr/>
-        </p:nvSpPr>
-        <p:spPr>
-          <a:xfrm>
-            <a:off x="504000" y="1769040"/>
-            <a:ext cx="9070560" cy="4383360"/>
-          </a:xfrm>
-          <a:prstGeom prst="rect">
-            <a:avLst/>
-          </a:prstGeom>
-          <a:noFill/>
-          <a:ln>
-            <a:noFill/>
-          </a:ln>
-        </p:spPr>
-        <p:style>
-          <a:lnRef idx="0"/>
-          <a:fillRef idx="0"/>
-          <a:effectRef idx="0"/>
-          <a:fontRef idx="minor"/>
-        </p:style>
-      </p:sp>
-      <p:sp>
-        <p:nvSpPr>
-          <p:cNvPr id="38" name="CustomShape 3"/>
-          <p:cNvSpPr/>
-          <p:nvPr/>
-        </p:nvSpPr>
-        <p:spPr>
-          <a:xfrm>
-            <a:off x="457920" y="1024200"/>
-            <a:ext cx="9070560" cy="1809720"/>
-          </a:xfrm>
-          <a:prstGeom prst="rect">
-            <a:avLst/>
-          </a:prstGeom>
-          <a:noFill/>
-          <a:ln>
-            <a:noFill/>
-          </a:ln>
-        </p:spPr>
-        <p:style>
-          <a:lnRef idx="0"/>
-          <a:fillRef idx="0"/>
-          <a:effectRef idx="0"/>
+          <a:lnRef idx="0">
+            <a:scrgbClr r="0" g="0" b="0"/>
+          </a:lnRef>
+          <a:fillRef idx="0">
+            <a:scrgbClr r="0" g="0" b="0"/>
+          </a:fillRef>
+          <a:effectRef idx="0">
+            <a:scrgbClr r="0" g="0" b="0"/>
+          </a:effectRef>
           <a:fontRef idx="minor"/>
         </p:style>
         <p:txBody>
-          <a:bodyPr lIns="0" rIns="0" tIns="0" bIns="0" anchor="ctr"/>
+          <a:bodyPr lIns="0" tIns="0" rIns="0" bIns="0" anchor="ctr"/>
+          <a:lstStyle/>
           <a:p>
             <a:pPr algn="ctr">
               <a:lnSpc>
@@ -1935,42 +3143,26 @@
               </a:lnSpc>
             </a:pPr>
             <a:r>
-              <a:rPr b="0" lang="en-US" sz="9600" spc="-1" strike="noStrike">
+              <a:rPr lang="en-US" sz="4400" b="0" strike="noStrike" spc="-1">
                 <a:solidFill>
                   <a:srgbClr val="000000"/>
                 </a:solidFill>
                 <a:uFill>
                   <a:solidFill>
-                    <a:srgbClr val="ffffff"/>
+                    <a:srgbClr val="FFFFFF"/>
                   </a:solidFill>
                 </a:uFill>
                 <a:latin typeface="Arial"/>
-                <a:ea typeface="DejaVu Sans"/>
               </a:rPr>
-              <a:t>Fs7ny</a:t>
+              <a:t>Project Idea</a:t>
             </a:r>
-            <a:r>
-              <a:rPr b="0" lang="en-US" sz="9600" spc="-1" strike="noStrike">
-                <a:solidFill>
-                  <a:srgbClr val="000000"/>
-                </a:solidFill>
-                <a:uFill>
-                  <a:solidFill>
-                    <a:srgbClr val="ffffff"/>
-                  </a:solidFill>
-                </a:uFill>
-                <a:latin typeface="Arial"/>
-                <a:ea typeface="DejaVu Sans"/>
-              </a:rPr>
-              <a:t>	</a:t>
-            </a:r>
-            <a:endParaRPr b="0" lang="en-US" sz="1800" spc="-1" strike="noStrike">
+            <a:endParaRPr lang="en-US" sz="1800" b="0" strike="noStrike" spc="-1">
               <a:solidFill>
                 <a:srgbClr val="000000"/>
               </a:solidFill>
               <a:uFill>
                 <a:solidFill>
-                  <a:srgbClr val="ffffff"/>
+                  <a:srgbClr val="FFFFFF"/>
                 </a:solidFill>
               </a:uFill>
               <a:latin typeface="Arial"/>
@@ -1980,14 +3172,14 @@
       </p:sp>
       <p:sp>
         <p:nvSpPr>
-          <p:cNvPr id="39" name="CustomShape 4"/>
+          <p:cNvPr id="43" name="CustomShape 2"/>
           <p:cNvSpPr/>
           <p:nvPr/>
         </p:nvSpPr>
         <p:spPr>
           <a:xfrm>
-            <a:off x="457200" y="2743200"/>
-            <a:ext cx="9071280" cy="1919520"/>
+            <a:off x="437760" y="1742400"/>
+            <a:ext cx="9071640" cy="4383720"/>
           </a:xfrm>
           <a:prstGeom prst="rect">
             <a:avLst/>
@@ -1998,573 +3190,300 @@
           </a:ln>
         </p:spPr>
         <p:style>
-          <a:lnRef idx="0"/>
-          <a:fillRef idx="0"/>
-          <a:effectRef idx="0"/>
+          <a:lnRef idx="0">
+            <a:scrgbClr r="0" g="0" b="0"/>
+          </a:lnRef>
+          <a:fillRef idx="0">
+            <a:scrgbClr r="0" g="0" b="0"/>
+          </a:fillRef>
+          <a:effectRef idx="0">
+            <a:scrgbClr r="0" g="0" b="0"/>
+          </a:effectRef>
           <a:fontRef idx="minor"/>
         </p:style>
         <p:txBody>
-          <a:bodyPr lIns="0" rIns="0" tIns="0" bIns="0" anchor="ctr"/>
-          <a:p>
-            <a:pPr algn="ctr">
+          <a:bodyPr lIns="0" tIns="0" rIns="0" bIns="0"/>
+          <a:lstStyle/>
+          <a:p>
+            <a:pPr marL="432000" indent="-323640">
               <a:lnSpc>
                 <a:spcPct val="100000"/>
               </a:lnSpc>
+              <a:buClr>
+                <a:srgbClr val="000000"/>
+              </a:buClr>
+              <a:buSzPct val="45000"/>
+              <a:buFont typeface="Wingdings" charset="2"/>
+              <a:buChar char=""/>
             </a:pPr>
             <a:r>
-              <a:rPr b="0" lang="en-US" sz="3200" spc="-1" strike="noStrike">
+              <a:rPr lang="en-US" sz="3200" b="0" strike="noStrike" spc="-1" dirty="0">
                 <a:solidFill>
                   <a:srgbClr val="000000"/>
                 </a:solidFill>
                 <a:uFill>
                   <a:solidFill>
-                    <a:srgbClr val="ffffff"/>
+                    <a:srgbClr val="FFFFFF"/>
                   </a:solidFill>
                 </a:uFill>
                 <a:latin typeface="Times New Roman"/>
-                <a:ea typeface="DejaVu Sans"/>
+                <a:ea typeface="Noto Sans CJK SC Regular"/>
               </a:rPr>
-              <a:t>Supervised by</a:t>
+              <a:t>When people decide to take a vacation.</a:t>
             </a:r>
-            <a:endParaRPr b="0" lang="en-US" sz="1800" spc="-1" strike="noStrike">
+            <a:endParaRPr lang="en-US" sz="1800" b="0" strike="noStrike" spc="-1" dirty="0">
               <a:solidFill>
                 <a:srgbClr val="000000"/>
               </a:solidFill>
               <a:uFill>
                 <a:solidFill>
-                  <a:srgbClr val="ffffff"/>
+                  <a:srgbClr val="FFFFFF"/>
                 </a:solidFill>
               </a:uFill>
               <a:latin typeface="Arial"/>
             </a:endParaRPr>
           </a:p>
           <a:p>
-            <a:pPr algn="ctr">
+            <a:pPr marL="432000" indent="-323640">
               <a:lnSpc>
                 <a:spcPct val="100000"/>
               </a:lnSpc>
+              <a:buClr>
+                <a:srgbClr val="000000"/>
+              </a:buClr>
+              <a:buSzPct val="45000"/>
+              <a:buFont typeface="Wingdings" charset="2"/>
+              <a:buChar char=""/>
             </a:pPr>
             <a:r>
-              <a:rPr b="0" lang="en-US" sz="3200" spc="-1" strike="noStrike">
+              <a:rPr lang="en-US" sz="3200" b="0" strike="noStrike" spc="-1" dirty="0">
                 <a:solidFill>
                   <a:srgbClr val="000000"/>
                 </a:solidFill>
                 <a:uFill>
                   <a:solidFill>
-                    <a:srgbClr val="ffffff"/>
+                    <a:srgbClr val="FFFFFF"/>
                   </a:solidFill>
                 </a:uFill>
                 <a:latin typeface="Times New Roman"/>
-                <a:ea typeface="DejaVu Sans"/>
+                <a:ea typeface="Noto Sans CJK SC Regular"/>
               </a:rPr>
-              <a:t>Dr. Cherry Ahmed</a:t>
+              <a:t>Preparing for such trips is managed by many companies.</a:t>
             </a:r>
-            <a:endParaRPr b="0" lang="en-US" sz="1800" spc="-1" strike="noStrike">
+            <a:endParaRPr lang="en-US" sz="1800" b="0" strike="noStrike" spc="-1" dirty="0">
               <a:solidFill>
                 <a:srgbClr val="000000"/>
               </a:solidFill>
               <a:uFill>
                 <a:solidFill>
-                  <a:srgbClr val="ffffff"/>
+                  <a:srgbClr val="FFFFFF"/>
                 </a:solidFill>
               </a:uFill>
               <a:latin typeface="Arial"/>
             </a:endParaRPr>
           </a:p>
           <a:p>
-            <a:pPr algn="ctr">
+            <a:pPr marL="432000" indent="-323640">
               <a:lnSpc>
                 <a:spcPct val="100000"/>
               </a:lnSpc>
+              <a:buClr>
+                <a:srgbClr val="000000"/>
+              </a:buClr>
+              <a:buSzPct val="45000"/>
+              <a:buFont typeface="Wingdings" charset="2"/>
+              <a:buChar char=""/>
             </a:pPr>
             <a:r>
-              <a:rPr b="0" lang="en-US" sz="3200" spc="-1" strike="noStrike">
+              <a:rPr lang="en-US" sz="3200" b="0" strike="noStrike" spc="-1" dirty="0">
                 <a:solidFill>
                   <a:srgbClr val="000000"/>
                 </a:solidFill>
                 <a:uFill>
                   <a:solidFill>
-                    <a:srgbClr val="ffffff"/>
+                    <a:srgbClr val="FFFFFF"/>
                   </a:solidFill>
                 </a:uFill>
                 <a:latin typeface="Times New Roman"/>
-                <a:ea typeface="DejaVu Sans"/>
+                <a:ea typeface="Noto Sans CJK SC Regular"/>
               </a:rPr>
-              <a:t>TA. Ashraf Yahia</a:t>
+              <a:t>they don’t have a platform to advertise their offers.</a:t>
             </a:r>
-            <a:endParaRPr b="0" lang="en-US" sz="1800" spc="-1" strike="noStrike">
+            <a:endParaRPr lang="en-US" sz="1800" b="0" strike="noStrike" spc="-1" dirty="0">
               <a:solidFill>
                 <a:srgbClr val="000000"/>
               </a:solidFill>
               <a:uFill>
                 <a:solidFill>
-                  <a:srgbClr val="ffffff"/>
+                  <a:srgbClr val="FFFFFF"/>
                 </a:solidFill>
               </a:uFill>
               <a:latin typeface="Arial"/>
             </a:endParaRPr>
           </a:p>
-        </p:txBody>
-      </p:sp>
-      <p:sp>
-        <p:nvSpPr>
-          <p:cNvPr id="40" name="CustomShape 5"/>
-          <p:cNvSpPr/>
-          <p:nvPr/>
-        </p:nvSpPr>
-        <p:spPr>
-          <a:xfrm>
-            <a:off x="504000" y="4572000"/>
-            <a:ext cx="2173320" cy="426600"/>
-          </a:xfrm>
-          <a:prstGeom prst="rect">
-            <a:avLst/>
-          </a:prstGeom>
-          <a:noFill/>
-          <a:ln>
-            <a:noFill/>
-          </a:ln>
-        </p:spPr>
-        <p:style>
-          <a:lnRef idx="0"/>
-          <a:fillRef idx="0"/>
-          <a:effectRef idx="0"/>
-          <a:fontRef idx="minor"/>
-        </p:style>
-        <p:txBody>
-          <a:bodyPr lIns="90000" rIns="90000" tIns="45000" bIns="45000"/>
-          <a:p>
+          <a:p>
+            <a:pPr marL="432000" indent="-323640">
+              <a:lnSpc>
+                <a:spcPct val="100000"/>
+              </a:lnSpc>
+              <a:buClr>
+                <a:srgbClr val="000000"/>
+              </a:buClr>
+              <a:buSzPct val="45000"/>
+              <a:buFont typeface="Wingdings" charset="2"/>
+              <a:buChar char=""/>
+            </a:pPr>
             <a:r>
-              <a:rPr b="0" lang="en-US" sz="2400" spc="-1" strike="noStrike">
+              <a:rPr lang="en-US" sz="3200" b="0" strike="noStrike" spc="-1" dirty="0">
                 <a:solidFill>
                   <a:srgbClr val="000000"/>
                 </a:solidFill>
                 <a:uFill>
                   <a:solidFill>
-                    <a:srgbClr val="ffffff"/>
+                    <a:srgbClr val="FFFFFF"/>
                   </a:solidFill>
                 </a:uFill>
                 <a:latin typeface="Times New Roman"/>
-                <a:ea typeface="DejaVu Sans"/>
+                <a:ea typeface="Noto Sans CJK SC Regular"/>
               </a:rPr>
-              <a:t>Implemented by</a:t>
+              <a:t>So a system is required to be the platform where the customer can:</a:t>
             </a:r>
-            <a:endParaRPr b="0" lang="en-US" sz="1800" spc="-1" strike="noStrike">
+            <a:endParaRPr lang="en-US" sz="1800" b="0" strike="noStrike" spc="-1" dirty="0">
               <a:solidFill>
                 <a:srgbClr val="000000"/>
               </a:solidFill>
               <a:uFill>
                 <a:solidFill>
-                  <a:srgbClr val="ffffff"/>
+                  <a:srgbClr val="FFFFFF"/>
                 </a:solidFill>
               </a:uFill>
               <a:latin typeface="Arial"/>
             </a:endParaRPr>
           </a:p>
+          <a:p>
+            <a:pPr marL="864000" lvl="1" indent="-323640">
+              <a:lnSpc>
+                <a:spcPct val="100000"/>
+              </a:lnSpc>
+              <a:buClr>
+                <a:srgbClr val="000000"/>
+              </a:buClr>
+              <a:buSzPct val="75000"/>
+              <a:buFont typeface="Symbol"/>
+              <a:buChar char=""/>
+            </a:pPr>
+            <a:r>
+              <a:rPr lang="en-US" sz="3200" b="0" strike="noStrike" spc="-1" dirty="0">
+                <a:solidFill>
+                  <a:srgbClr val="000000"/>
+                </a:solidFill>
+                <a:uFill>
+                  <a:solidFill>
+                    <a:srgbClr val="FFFFFF"/>
+                  </a:solidFill>
+                </a:uFill>
+                <a:latin typeface="Times New Roman"/>
+                <a:ea typeface="Noto Sans CJK SC Regular"/>
+              </a:rPr>
+              <a:t> view and surf offers made by different companies.</a:t>
+            </a:r>
+            <a:endParaRPr lang="en-US" sz="1800" b="0" strike="noStrike" spc="-1" dirty="0">
+              <a:solidFill>
+                <a:srgbClr val="000000"/>
+              </a:solidFill>
+              <a:uFill>
+                <a:solidFill>
+                  <a:srgbClr val="FFFFFF"/>
+                </a:solidFill>
+              </a:uFill>
+              <a:latin typeface="Arial"/>
+            </a:endParaRPr>
+          </a:p>
+          <a:p>
+            <a:pPr marL="864000" lvl="1" indent="-323640">
+              <a:lnSpc>
+                <a:spcPct val="100000"/>
+              </a:lnSpc>
+              <a:buClr>
+                <a:srgbClr val="000000"/>
+              </a:buClr>
+              <a:buSzPct val="75000"/>
+              <a:buFont typeface="Symbol"/>
+              <a:buChar char=""/>
+            </a:pPr>
+            <a:r>
+              <a:rPr lang="en-US" sz="3200" b="0" strike="noStrike" spc="-1" dirty="0">
+                <a:solidFill>
+                  <a:srgbClr val="000000"/>
+                </a:solidFill>
+                <a:uFill>
+                  <a:solidFill>
+                    <a:srgbClr val="FFFFFF"/>
+                  </a:solidFill>
+                </a:uFill>
+                <a:latin typeface="Times New Roman"/>
+                <a:ea typeface="Noto Sans CJK SC Regular"/>
+              </a:rPr>
+              <a:t>select an offer that suits him/her.</a:t>
+            </a:r>
+            <a:endParaRPr lang="en-US" sz="1800" b="0" strike="noStrike" spc="-1" dirty="0">
+              <a:solidFill>
+                <a:srgbClr val="000000"/>
+              </a:solidFill>
+              <a:uFill>
+                <a:solidFill>
+                  <a:srgbClr val="FFFFFF"/>
+                </a:solidFill>
+              </a:uFill>
+              <a:latin typeface="Arial"/>
+            </a:endParaRPr>
+          </a:p>
+          <a:p>
+            <a:pPr marL="864000" lvl="1" indent="-323640">
+              <a:lnSpc>
+                <a:spcPct val="100000"/>
+              </a:lnSpc>
+              <a:buClr>
+                <a:srgbClr val="000000"/>
+              </a:buClr>
+              <a:buSzPct val="75000"/>
+              <a:buFont typeface="Symbol"/>
+              <a:buChar char=""/>
+            </a:pPr>
+            <a:r>
+              <a:rPr lang="en-US" sz="3200" b="0" strike="noStrike" spc="-1" dirty="0">
+                <a:solidFill>
+                  <a:srgbClr val="000000"/>
+                </a:solidFill>
+                <a:uFill>
+                  <a:solidFill>
+                    <a:srgbClr val="FFFFFF"/>
+                  </a:solidFill>
+                </a:uFill>
+                <a:latin typeface="Times New Roman"/>
+                <a:ea typeface="Noto Sans CJK SC Regular"/>
+              </a:rPr>
+              <a:t>book tickets and pay for them on the platform.</a:t>
+            </a:r>
+            <a:endParaRPr lang="en-US" sz="1800" b="0" strike="noStrike" spc="-1" dirty="0">
+              <a:solidFill>
+                <a:srgbClr val="000000"/>
+              </a:solidFill>
+              <a:uFill>
+                <a:solidFill>
+                  <a:srgbClr val="FFFFFF"/>
+                </a:solidFill>
+              </a:uFill>
+              <a:latin typeface="Arial"/>
+            </a:endParaRPr>
+          </a:p>
         </p:txBody>
       </p:sp>
-      <p:graphicFrame>
-        <p:nvGraphicFramePr>
-          <p:cNvPr id="41" name="Table 6"/>
-          <p:cNvGraphicFramePr/>
-          <p:nvPr/>
-        </p:nvGraphicFramePr>
-        <p:xfrm>
-          <a:off x="504000" y="5066640"/>
-          <a:ext cx="9070920" cy="2159280"/>
-        </p:xfrm>
-        <a:graphic>
-          <a:graphicData uri="http://schemas.openxmlformats.org/drawingml/2006/table">
-            <a:tbl>
-              <a:tblPr/>
-              <a:tblGrid>
-                <a:gridCol w="2531160"/>
-                <a:gridCol w="6540120"/>
-              </a:tblGrid>
-              <a:tr h="719640">
-                <a:tc>
-                  <a:txBody>
-                    <a:bodyPr lIns="90000" rIns="90000"/>
-                    <a:p>
-                      <a:pPr algn="ctr">
-                        <a:lnSpc>
-                          <a:spcPct val="100000"/>
-                        </a:lnSpc>
-                      </a:pPr>
-                      <a:r>
-                        <a:rPr b="0" lang="en-US" sz="1800" spc="-1" strike="noStrike">
-                          <a:solidFill>
-                            <a:srgbClr val="000000"/>
-                          </a:solidFill>
-                          <a:uFill>
-                            <a:solidFill>
-                              <a:srgbClr val="ffffff"/>
-                            </a:solidFill>
-                          </a:uFill>
-                          <a:latin typeface="Times New Roman"/>
-                        </a:rPr>
-                        <a:t>20140168</a:t>
-                      </a:r>
-                      <a:endParaRPr b="0" lang="en-US" sz="1800" spc="-1" strike="noStrike">
-                        <a:solidFill>
-                          <a:srgbClr val="000000"/>
-                        </a:solidFill>
-                        <a:uFill>
-                          <a:solidFill>
-                            <a:srgbClr val="ffffff"/>
-                          </a:solidFill>
-                        </a:uFill>
-                        <a:latin typeface="Arial"/>
-                      </a:endParaRPr>
-                    </a:p>
-                  </a:txBody>
-                  <a:tcPr marL="90000" marR="90000">
-                    <a:lnL w="720">
-                      <a:solidFill>
-                        <a:srgbClr val="ffffff"/>
-                      </a:solidFill>
-                    </a:lnL>
-                    <a:lnR w="720">
-                      <a:solidFill>
-                        <a:srgbClr val="ffffff"/>
-                      </a:solidFill>
-                    </a:lnR>
-                    <a:lnT w="720">
-                      <a:solidFill>
-                        <a:srgbClr val="ffffff"/>
-                      </a:solidFill>
-                    </a:lnT>
-                    <a:lnB w="720">
-                      <a:solidFill>
-                        <a:srgbClr val="ffffff"/>
-                      </a:solidFill>
-                    </a:lnB>
-                    <a:solidFill>
-                      <a:srgbClr val="e6e6e6"/>
-                    </a:solidFill>
-                  </a:tcPr>
-                </a:tc>
-                <a:tc>
-                  <a:txBody>
-                    <a:bodyPr lIns="90000" rIns="90000"/>
-                    <a:p>
-                      <a:pPr algn="ctr">
-                        <a:lnSpc>
-                          <a:spcPct val="100000"/>
-                        </a:lnSpc>
-                      </a:pPr>
-                      <a:r>
-                        <a:rPr b="0" lang="en-US" sz="1800" spc="-1" strike="noStrike">
-                          <a:solidFill>
-                            <a:srgbClr val="000000"/>
-                          </a:solidFill>
-                          <a:uFill>
-                            <a:solidFill>
-                              <a:srgbClr val="ffffff"/>
-                            </a:solidFill>
-                          </a:uFill>
-                          <a:latin typeface="Times New Roman"/>
-                        </a:rPr>
-                        <a:t>Abdel-aziz Abdel-naser Abdel-aziz</a:t>
-                      </a:r>
-                      <a:endParaRPr b="0" lang="en-US" sz="1800" spc="-1" strike="noStrike">
-                        <a:solidFill>
-                          <a:srgbClr val="000000"/>
-                        </a:solidFill>
-                        <a:uFill>
-                          <a:solidFill>
-                            <a:srgbClr val="ffffff"/>
-                          </a:solidFill>
-                        </a:uFill>
-                        <a:latin typeface="Arial"/>
-                      </a:endParaRPr>
-                    </a:p>
-                  </a:txBody>
-                  <a:tcPr marL="90000" marR="90000">
-                    <a:lnL w="720">
-                      <a:solidFill>
-                        <a:srgbClr val="ffffff"/>
-                      </a:solidFill>
-                    </a:lnL>
-                    <a:lnR w="720">
-                      <a:solidFill>
-                        <a:srgbClr val="ffffff"/>
-                      </a:solidFill>
-                    </a:lnR>
-                    <a:lnT w="720">
-                      <a:solidFill>
-                        <a:srgbClr val="ffffff"/>
-                      </a:solidFill>
-                    </a:lnT>
-                    <a:lnB w="720">
-                      <a:solidFill>
-                        <a:srgbClr val="ffffff"/>
-                      </a:solidFill>
-                    </a:lnB>
-                    <a:solidFill>
-                      <a:srgbClr val="e6e6e6"/>
-                    </a:solidFill>
-                  </a:tcPr>
-                </a:tc>
-              </a:tr>
-              <a:tr h="719640">
-                <a:tc>
-                  <a:txBody>
-                    <a:bodyPr lIns="90000" rIns="90000"/>
-                    <a:p>
-                      <a:pPr algn="ctr">
-                        <a:lnSpc>
-                          <a:spcPct val="100000"/>
-                        </a:lnSpc>
-                      </a:pPr>
-                      <a:r>
-                        <a:rPr b="0" lang="en-US" sz="1800" spc="-1" strike="noStrike">
-                          <a:solidFill>
-                            <a:srgbClr val="000000"/>
-                          </a:solidFill>
-                          <a:uFill>
-                            <a:solidFill>
-                              <a:srgbClr val="ffffff"/>
-                            </a:solidFill>
-                          </a:uFill>
-                          <a:latin typeface="Times New Roman"/>
-                        </a:rPr>
-                        <a:t>20140234</a:t>
-                      </a:r>
-                      <a:endParaRPr b="0" lang="en-US" sz="1800" spc="-1" strike="noStrike">
-                        <a:solidFill>
-                          <a:srgbClr val="000000"/>
-                        </a:solidFill>
-                        <a:uFill>
-                          <a:solidFill>
-                            <a:srgbClr val="ffffff"/>
-                          </a:solidFill>
-                        </a:uFill>
-                        <a:latin typeface="Arial"/>
-                      </a:endParaRPr>
-                    </a:p>
-                  </a:txBody>
-                  <a:tcPr marL="90000" marR="90000">
-                    <a:lnL w="720">
-                      <a:solidFill>
-                        <a:srgbClr val="ffffff"/>
-                      </a:solidFill>
-                    </a:lnL>
-                    <a:lnR w="720">
-                      <a:solidFill>
-                        <a:srgbClr val="ffffff"/>
-                      </a:solidFill>
-                    </a:lnR>
-                    <a:lnT w="720">
-                      <a:solidFill>
-                        <a:srgbClr val="ffffff"/>
-                      </a:solidFill>
-                    </a:lnT>
-                    <a:lnB w="720">
-                      <a:solidFill>
-                        <a:srgbClr val="ffffff"/>
-                      </a:solidFill>
-                    </a:lnB>
-                    <a:solidFill>
-                      <a:srgbClr val="e6e6e6"/>
-                    </a:solidFill>
-                  </a:tcPr>
-                </a:tc>
-                <a:tc>
-                  <a:txBody>
-                    <a:bodyPr lIns="90000" rIns="90000"/>
-                    <a:p>
-                      <a:pPr algn="ctr">
-                        <a:lnSpc>
-                          <a:spcPct val="100000"/>
-                        </a:lnSpc>
-                      </a:pPr>
-                      <a:r>
-                        <a:rPr b="0" lang="en-US" sz="1800" spc="-1" strike="noStrike">
-                          <a:solidFill>
-                            <a:srgbClr val="000000"/>
-                          </a:solidFill>
-                          <a:uFill>
-                            <a:solidFill>
-                              <a:srgbClr val="ffffff"/>
-                            </a:solidFill>
-                          </a:uFill>
-                          <a:latin typeface="Times New Roman"/>
-                        </a:rPr>
-                        <a:t>Mohamed Fawzy Abdel-salam</a:t>
-                      </a:r>
-                      <a:endParaRPr b="0" lang="en-US" sz="1800" spc="-1" strike="noStrike">
-                        <a:solidFill>
-                          <a:srgbClr val="000000"/>
-                        </a:solidFill>
-                        <a:uFill>
-                          <a:solidFill>
-                            <a:srgbClr val="ffffff"/>
-                          </a:solidFill>
-                        </a:uFill>
-                        <a:latin typeface="Arial"/>
-                      </a:endParaRPr>
-                    </a:p>
-                  </a:txBody>
-                  <a:tcPr marL="90000" marR="90000">
-                    <a:lnL w="720">
-                      <a:solidFill>
-                        <a:srgbClr val="ffffff"/>
-                      </a:solidFill>
-                    </a:lnL>
-                    <a:lnR w="720">
-                      <a:solidFill>
-                        <a:srgbClr val="ffffff"/>
-                      </a:solidFill>
-                    </a:lnR>
-                    <a:lnT w="720">
-                      <a:solidFill>
-                        <a:srgbClr val="ffffff"/>
-                      </a:solidFill>
-                    </a:lnT>
-                    <a:lnB w="720">
-                      <a:solidFill>
-                        <a:srgbClr val="ffffff"/>
-                      </a:solidFill>
-                    </a:lnB>
-                    <a:solidFill>
-                      <a:srgbClr val="e6e6e6"/>
-                    </a:solidFill>
-                  </a:tcPr>
-                </a:tc>
-              </a:tr>
-              <a:tr h="720360">
-                <a:tc>
-                  <a:txBody>
-                    <a:bodyPr lIns="90000" rIns="90000"/>
-                    <a:p>
-                      <a:pPr algn="ctr">
-                        <a:lnSpc>
-                          <a:spcPct val="100000"/>
-                        </a:lnSpc>
-                      </a:pPr>
-                      <a:r>
-                        <a:rPr b="0" lang="en-US" sz="1800" spc="-1" strike="noStrike">
-                          <a:solidFill>
-                            <a:srgbClr val="000000"/>
-                          </a:solidFill>
-                          <a:uFill>
-                            <a:solidFill>
-                              <a:srgbClr val="ffffff"/>
-                            </a:solidFill>
-                          </a:uFill>
-                          <a:latin typeface="Times New Roman"/>
-                        </a:rPr>
-                        <a:t>20140055</a:t>
-                      </a:r>
-                      <a:endParaRPr b="0" lang="en-US" sz="1800" spc="-1" strike="noStrike">
-                        <a:solidFill>
-                          <a:srgbClr val="000000"/>
-                        </a:solidFill>
-                        <a:uFill>
-                          <a:solidFill>
-                            <a:srgbClr val="ffffff"/>
-                          </a:solidFill>
-                        </a:uFill>
-                        <a:latin typeface="Arial"/>
-                      </a:endParaRPr>
-                    </a:p>
-                  </a:txBody>
-                  <a:tcPr marL="90000" marR="90000">
-                    <a:lnL w="720">
-                      <a:solidFill>
-                        <a:srgbClr val="ffffff"/>
-                      </a:solidFill>
-                    </a:lnL>
-                    <a:lnR w="720">
-                      <a:solidFill>
-                        <a:srgbClr val="ffffff"/>
-                      </a:solidFill>
-                    </a:lnR>
-                    <a:lnT w="720">
-                      <a:solidFill>
-                        <a:srgbClr val="ffffff"/>
-                      </a:solidFill>
-                    </a:lnT>
-                    <a:lnB w="720">
-                      <a:solidFill>
-                        <a:srgbClr val="ffffff"/>
-                      </a:solidFill>
-                    </a:lnB>
-                    <a:solidFill>
-                      <a:srgbClr val="e6e6e6"/>
-                    </a:solidFill>
-                  </a:tcPr>
-                </a:tc>
-                <a:tc>
-                  <a:txBody>
-                    <a:bodyPr lIns="90000" rIns="90000"/>
-                    <a:p>
-                      <a:pPr algn="ctr">
-                        <a:lnSpc>
-                          <a:spcPct val="100000"/>
-                        </a:lnSpc>
-                      </a:pPr>
-                      <a:r>
-                        <a:rPr b="0" lang="en-US" sz="1800" spc="-1" strike="noStrike">
-                          <a:solidFill>
-                            <a:srgbClr val="000000"/>
-                          </a:solidFill>
-                          <a:uFill>
-                            <a:solidFill>
-                              <a:srgbClr val="ffffff"/>
-                            </a:solidFill>
-                          </a:uFill>
-                          <a:latin typeface="Times New Roman"/>
-                        </a:rPr>
-                        <a:t>Esraa Abdel-naby </a:t>
-                      </a:r>
-                      <a:endParaRPr b="0" lang="en-US" sz="1800" spc="-1" strike="noStrike">
-                        <a:solidFill>
-                          <a:srgbClr val="000000"/>
-                        </a:solidFill>
-                        <a:uFill>
-                          <a:solidFill>
-                            <a:srgbClr val="ffffff"/>
-                          </a:solidFill>
-                        </a:uFill>
-                        <a:latin typeface="Arial"/>
-                      </a:endParaRPr>
-                    </a:p>
-                  </a:txBody>
-                  <a:tcPr marL="90000" marR="90000">
-                    <a:lnL w="720">
-                      <a:solidFill>
-                        <a:srgbClr val="ffffff"/>
-                      </a:solidFill>
-                    </a:lnL>
-                    <a:lnR w="720">
-                      <a:solidFill>
-                        <a:srgbClr val="ffffff"/>
-                      </a:solidFill>
-                    </a:lnR>
-                    <a:lnT w="720">
-                      <a:solidFill>
-                        <a:srgbClr val="ffffff"/>
-                      </a:solidFill>
-                    </a:lnT>
-                    <a:lnB w="720">
-                      <a:solidFill>
-                        <a:srgbClr val="ffffff"/>
-                      </a:solidFill>
-                    </a:lnB>
-                    <a:solidFill>
-                      <a:srgbClr val="e6e6e6"/>
-                    </a:solidFill>
-                  </a:tcPr>
-                </a:tc>
-              </a:tr>
-            </a:tbl>
-          </a:graphicData>
-        </a:graphic>
-      </p:graphicFrame>
     </p:spTree>
   </p:cSld>
+  <p:clrMapOvr>
+    <a:masterClrMapping/>
+  </p:clrMapOvr>
   <p:timing>
     <p:tnLst>
       <p:par>
@@ -2573,14 +3492,14 @@
             <p:seq>
               <p:cTn id="2" nodeType="mainSeq"/>
               <p:prevCondLst>
-                <p:cond delay="0" evt="onPrev">
+                <p:cond evt="onPrev" delay="0">
                   <p:tgtEl>
                     <p:sldTgt/>
                   </p:tgtEl>
                 </p:cond>
               </p:prevCondLst>
               <p:nextCondLst>
-                <p:cond delay="0" evt="onNext">
+                <p:cond evt="onNext" delay="0">
                   <p:tgtEl>
                     <p:sldTgt/>
                   </p:tgtEl>
@@ -2595,8 +3514,8 @@
 </p:sld>
 </file>
 
-<file path=ppt/slides/slide2.xml><?xml version="1.0" encoding="utf-8"?>
-<p:sld xmlns:a="http://schemas.openxmlformats.org/drawingml/2006/main" xmlns:p="http://schemas.openxmlformats.org/presentationml/2006/main" xmlns:r="http://schemas.openxmlformats.org/officeDocument/2006/relationships" xmlns:p14="http://schemas.microsoft.com/office/powerpoint/2010/main" xmlns:p15="http://schemas.microsoft.com/office/powerpoint/2012/main" xmlns:mc="http://schemas.openxmlformats.org/markup-compatibility/2006">
+<file path=ppt/slides/slide3.xml><?xml version="1.0" encoding="utf-8"?>
+<p:sld xmlns:a="http://schemas.openxmlformats.org/drawingml/2006/main" xmlns:r="http://schemas.openxmlformats.org/officeDocument/2006/relationships" xmlns:p="http://schemas.openxmlformats.org/presentationml/2006/main">
   <p:cSld>
     <p:spTree>
       <p:nvGrpSpPr>
@@ -2614,13 +3533,13 @@
       </p:grpSpPr>
       <p:sp>
         <p:nvSpPr>
-          <p:cNvPr id="42" name="CustomShape 1"/>
-          <p:cNvSpPr/>
+          <p:cNvPr id="44" name="TextShape 1"/>
+          <p:cNvSpPr txBox="1"/>
           <p:nvPr/>
         </p:nvSpPr>
         <p:spPr>
           <a:xfrm>
-            <a:off x="548640" y="182880"/>
+            <a:off x="504000" y="301320"/>
             <a:ext cx="9070560" cy="1261080"/>
           </a:xfrm>
           <a:prstGeom prst="rect">
@@ -2631,57 +3550,37 @@
             <a:noFill/>
           </a:ln>
         </p:spPr>
-        <p:style>
-          <a:lnRef idx="0"/>
-          <a:fillRef idx="0"/>
-          <a:effectRef idx="0"/>
-          <a:fontRef idx="minor"/>
-        </p:style>
         <p:txBody>
-          <a:bodyPr lIns="0" rIns="0" tIns="0" bIns="0" anchor="ctr"/>
-          <a:p>
-            <a:pPr algn="ctr">
-              <a:lnSpc>
-                <a:spcPct val="100000"/>
-              </a:lnSpc>
-            </a:pPr>
+          <a:bodyPr lIns="0" tIns="0" rIns="0" bIns="0" anchor="ctr"/>
+          <a:lstStyle/>
+          <a:p>
+            <a:pPr algn="ctr"/>
             <a:r>
-              <a:rPr b="0" lang="en-US" sz="4400" spc="-1" strike="noStrike">
+              <a:rPr lang="en-US" sz="4400" b="0" strike="noStrike" spc="-1" dirty="0">
                 <a:solidFill>
                   <a:srgbClr val="000000"/>
                 </a:solidFill>
                 <a:uFill>
                   <a:solidFill>
-                    <a:srgbClr val="ffffff"/>
+                    <a:srgbClr val="FFFFFF"/>
                   </a:solidFill>
                 </a:uFill>
                 <a:latin typeface="Arial"/>
               </a:rPr>
-              <a:t>Project Idea</a:t>
+              <a:t>Problem significance</a:t>
             </a:r>
-            <a:endParaRPr b="0" lang="en-US" sz="1800" spc="-1" strike="noStrike">
-              <a:solidFill>
-                <a:srgbClr val="000000"/>
-              </a:solidFill>
-              <a:uFill>
-                <a:solidFill>
-                  <a:srgbClr val="ffffff"/>
-                </a:solidFill>
-              </a:uFill>
-              <a:latin typeface="Arial"/>
-            </a:endParaRPr>
           </a:p>
         </p:txBody>
       </p:sp>
       <p:sp>
         <p:nvSpPr>
-          <p:cNvPr id="43" name="CustomShape 2"/>
-          <p:cNvSpPr/>
+          <p:cNvPr id="45" name="TextShape 2"/>
+          <p:cNvSpPr txBox="1"/>
           <p:nvPr/>
         </p:nvSpPr>
         <p:spPr>
           <a:xfrm>
-            <a:off x="437760" y="1742400"/>
+            <a:off x="438120" y="1742760"/>
             <a:ext cx="9071640" cy="4383720"/>
           </a:xfrm>
           <a:prstGeom prst="rect">
@@ -2692,19 +3591,11 @@
             <a:noFill/>
           </a:ln>
         </p:spPr>
-        <p:style>
-          <a:lnRef idx="0"/>
-          <a:fillRef idx="0"/>
-          <a:effectRef idx="0"/>
-          <a:fontRef idx="minor"/>
-        </p:style>
         <p:txBody>
-          <a:bodyPr lIns="0" rIns="0" tIns="0" bIns="0"/>
-          <a:p>
-            <a:pPr marL="432000" indent="-323640">
-              <a:lnSpc>
-                <a:spcPct val="100000"/>
-              </a:lnSpc>
+          <a:bodyPr lIns="0" tIns="0" rIns="0" bIns="0"/>
+          <a:lstStyle/>
+          <a:p>
+            <a:pPr marL="432000" indent="-324000">
               <a:buClr>
                 <a:srgbClr val="000000"/>
               </a:buClr>
@@ -2713,37 +3604,22 @@
               <a:buChar char=""/>
             </a:pPr>
             <a:r>
-              <a:rPr b="0" lang="en-US" sz="3200" spc="-1" strike="noStrike">
+              <a:rPr lang="en-US" sz="3200" b="0" strike="noStrike" spc="-1">
                 <a:solidFill>
                   <a:srgbClr val="000000"/>
                 </a:solidFill>
                 <a:uFill>
                   <a:solidFill>
-                    <a:srgbClr val="ffffff"/>
+                    <a:srgbClr val="FFFFFF"/>
                   </a:solidFill>
                 </a:uFill>
-                <a:latin typeface="Times New Roman"/>
-                <a:ea typeface="Noto Sans CJK SC Regular"/>
+                <a:latin typeface="Arial"/>
               </a:rPr>
-              <a:t>When people decide to take a vacation.</a:t>
+              <a:t>A platform for the traveling companies to advertise their offers is missing</a:t>
             </a:r>
-            <a:endParaRPr b="0" lang="en-US" sz="1800" spc="-1" strike="noStrike">
-              <a:solidFill>
-                <a:srgbClr val="000000"/>
-              </a:solidFill>
-              <a:uFill>
-                <a:solidFill>
-                  <a:srgbClr val="ffffff"/>
-                </a:solidFill>
-              </a:uFill>
-              <a:latin typeface="Arial"/>
-            </a:endParaRPr>
-          </a:p>
-          <a:p>
-            <a:pPr marL="432000" indent="-323640">
-              <a:lnSpc>
-                <a:spcPct val="100000"/>
-              </a:lnSpc>
+          </a:p>
+          <a:p>
+            <a:pPr marL="432000" indent="-324000">
               <a:buClr>
                 <a:srgbClr val="000000"/>
               </a:buClr>
@@ -2752,37 +3628,22 @@
               <a:buChar char=""/>
             </a:pPr>
             <a:r>
-              <a:rPr b="0" lang="en-US" sz="3200" spc="-1" strike="noStrike">
+              <a:rPr lang="en-US" sz="3200" b="0" strike="noStrike" spc="-1">
                 <a:solidFill>
                   <a:srgbClr val="000000"/>
                 </a:solidFill>
                 <a:uFill>
                   <a:solidFill>
-                    <a:srgbClr val="ffffff"/>
+                    <a:srgbClr val="FFFFFF"/>
                   </a:solidFill>
                 </a:uFill>
-                <a:latin typeface="Times New Roman"/>
-                <a:ea typeface="Noto Sans CJK SC Regular"/>
+                <a:latin typeface="Arial"/>
               </a:rPr>
-              <a:t>Preparing for such trips is managed by many companies.</a:t>
+              <a:t>Deliver such a platform will be win-win situation for all.</a:t>
             </a:r>
-            <a:endParaRPr b="0" lang="en-US" sz="1800" spc="-1" strike="noStrike">
-              <a:solidFill>
-                <a:srgbClr val="000000"/>
-              </a:solidFill>
-              <a:uFill>
-                <a:solidFill>
-                  <a:srgbClr val="ffffff"/>
-                </a:solidFill>
-              </a:uFill>
-              <a:latin typeface="Arial"/>
-            </a:endParaRPr>
-          </a:p>
-          <a:p>
-            <a:pPr marL="432000" indent="-323640">
-              <a:lnSpc>
-                <a:spcPct val="100000"/>
-              </a:lnSpc>
+          </a:p>
+          <a:p>
+            <a:pPr marL="432000" indent="-324000">
               <a:buClr>
                 <a:srgbClr val="000000"/>
               </a:buClr>
@@ -2791,37 +3652,22 @@
               <a:buChar char=""/>
             </a:pPr>
             <a:r>
-              <a:rPr b="0" lang="en-US" sz="3200" spc="-1" strike="noStrike">
+              <a:rPr lang="en-US" sz="3200" b="0" strike="noStrike" spc="-1">
                 <a:solidFill>
                   <a:srgbClr val="000000"/>
                 </a:solidFill>
                 <a:uFill>
                   <a:solidFill>
-                    <a:srgbClr val="ffffff"/>
+                    <a:srgbClr val="FFFFFF"/>
                   </a:solidFill>
                 </a:uFill>
-                <a:latin typeface="Times New Roman"/>
-                <a:ea typeface="Noto Sans CJK SC Regular"/>
+                <a:latin typeface="Arial"/>
               </a:rPr>
-              <a:t>they don’t have a platform to advertise their offers.</a:t>
+              <a:t>Creating a cross-platform System</a:t>
             </a:r>
-            <a:endParaRPr b="0" lang="en-US" sz="1800" spc="-1" strike="noStrike">
-              <a:solidFill>
-                <a:srgbClr val="000000"/>
-              </a:solidFill>
-              <a:uFill>
-                <a:solidFill>
-                  <a:srgbClr val="ffffff"/>
-                </a:solidFill>
-              </a:uFill>
-              <a:latin typeface="Arial"/>
-            </a:endParaRPr>
-          </a:p>
-          <a:p>
-            <a:pPr marL="432000" indent="-323640">
-              <a:lnSpc>
-                <a:spcPct val="100000"/>
-              </a:lnSpc>
+          </a:p>
+          <a:p>
+            <a:pPr marL="432000" indent="-324000">
               <a:buClr>
                 <a:srgbClr val="000000"/>
               </a:buClr>
@@ -2830,184 +3676,115 @@
               <a:buChar char=""/>
             </a:pPr>
             <a:r>
-              <a:rPr b="0" lang="en-US" sz="3200" spc="-1" strike="noStrike">
+              <a:rPr lang="en-US" sz="3200" b="0" strike="noStrike" spc="-1">
                 <a:solidFill>
                   <a:srgbClr val="000000"/>
                 </a:solidFill>
                 <a:uFill>
                   <a:solidFill>
-                    <a:srgbClr val="ffffff"/>
+                    <a:srgbClr val="FFFFFF"/>
                   </a:solidFill>
                 </a:uFill>
-                <a:latin typeface="Times New Roman"/>
-                <a:ea typeface="Noto Sans CJK SC Regular"/>
+                <a:latin typeface="Arial"/>
               </a:rPr>
-              <a:t>So a system is required to be the platform where the customer can:</a:t>
+              <a:t>previous solutions:</a:t>
             </a:r>
-            <a:endParaRPr b="0" lang="en-US" sz="1800" spc="-1" strike="noStrike">
-              <a:solidFill>
-                <a:srgbClr val="000000"/>
-              </a:solidFill>
-              <a:uFill>
-                <a:solidFill>
-                  <a:srgbClr val="ffffff"/>
-                </a:solidFill>
-              </a:uFill>
-              <a:latin typeface="Arial"/>
-            </a:endParaRPr>
-          </a:p>
-          <a:p>
-            <a:pPr lvl="1" marL="864000" indent="-323640">
-              <a:lnSpc>
-                <a:spcPct val="100000"/>
-              </a:lnSpc>
+          </a:p>
+          <a:p>
+            <a:pPr marL="685800" lvl="1" indent="-228600">
               <a:buClr>
                 <a:srgbClr val="000000"/>
               </a:buClr>
               <a:buSzPct val="75000"/>
-              <a:buFont typeface="Symbol"/>
+              <a:buFont typeface="Symbol" charset="2"/>
               <a:buChar char=""/>
             </a:pPr>
             <a:r>
-              <a:rPr b="0" lang="en-US" sz="3200" spc="-1" strike="noStrike">
+              <a:rPr lang="en-US" sz="2800" b="0" strike="noStrike" spc="-1">
                 <a:solidFill>
                   <a:srgbClr val="000000"/>
                 </a:solidFill>
                 <a:uFill>
                   <a:solidFill>
-                    <a:srgbClr val="ffffff"/>
+                    <a:srgbClr val="FFFFFF"/>
                   </a:solidFill>
                 </a:uFill>
-                <a:latin typeface="Times New Roman"/>
-                <a:ea typeface="Noto Sans CJK SC Regular"/>
+                <a:latin typeface="Arial"/>
               </a:rPr>
-              <a:t> </a:t>
+              <a:t>Street-posters</a:t>
             </a:r>
-            <a:r>
-              <a:rPr b="0" lang="en-US" sz="3200" spc="-1" strike="noStrike">
-                <a:solidFill>
-                  <a:srgbClr val="000000"/>
-                </a:solidFill>
-                <a:uFill>
-                  <a:solidFill>
-                    <a:srgbClr val="ffffff"/>
-                  </a:solidFill>
-                </a:uFill>
-                <a:latin typeface="Times New Roman"/>
-                <a:ea typeface="Noto Sans CJK SC Regular"/>
-              </a:rPr>
-              <a:t>view and surf offers made by deferent companies.</a:t>
-            </a:r>
-            <a:endParaRPr b="0" lang="en-US" sz="1800" spc="-1" strike="noStrike">
-              <a:solidFill>
-                <a:srgbClr val="000000"/>
-              </a:solidFill>
-              <a:uFill>
-                <a:solidFill>
-                  <a:srgbClr val="ffffff"/>
-                </a:solidFill>
-              </a:uFill>
-              <a:latin typeface="Arial"/>
-            </a:endParaRPr>
-          </a:p>
-          <a:p>
-            <a:pPr lvl="1" marL="864000" indent="-323640">
-              <a:lnSpc>
-                <a:spcPct val="100000"/>
-              </a:lnSpc>
+          </a:p>
+          <a:p>
+            <a:pPr marL="685800" lvl="1" indent="-228600">
               <a:buClr>
                 <a:srgbClr val="000000"/>
               </a:buClr>
               <a:buSzPct val="75000"/>
-              <a:buFont typeface="Symbol"/>
+              <a:buFont typeface="Symbol" charset="2"/>
               <a:buChar char=""/>
             </a:pPr>
             <a:r>
-              <a:rPr b="0" lang="en-US" sz="3200" spc="-1" strike="noStrike">
+              <a:rPr lang="en-US" sz="2800" b="0" strike="noStrike" spc="-1">
                 <a:solidFill>
                   <a:srgbClr val="000000"/>
                 </a:solidFill>
                 <a:uFill>
                   <a:solidFill>
-                    <a:srgbClr val="ffffff"/>
+                    <a:srgbClr val="FFFFFF"/>
                   </a:solidFill>
                 </a:uFill>
-                <a:latin typeface="Times New Roman"/>
-                <a:ea typeface="Noto Sans CJK SC Regular"/>
+                <a:latin typeface="Arial"/>
               </a:rPr>
-              <a:t>select an offer that suits him/her.</a:t>
+              <a:t>Flayers</a:t>
             </a:r>
-            <a:endParaRPr b="0" lang="en-US" sz="1800" spc="-1" strike="noStrike">
-              <a:solidFill>
-                <a:srgbClr val="000000"/>
-              </a:solidFill>
-              <a:uFill>
-                <a:solidFill>
-                  <a:srgbClr val="ffffff"/>
-                </a:solidFill>
-              </a:uFill>
-              <a:latin typeface="Arial"/>
-            </a:endParaRPr>
-          </a:p>
-          <a:p>
-            <a:pPr lvl="1" marL="864000" indent="-323640">
-              <a:lnSpc>
-                <a:spcPct val="100000"/>
-              </a:lnSpc>
+          </a:p>
+          <a:p>
+            <a:pPr marL="685800" lvl="1" indent="-228600">
               <a:buClr>
                 <a:srgbClr val="000000"/>
               </a:buClr>
               <a:buSzPct val="75000"/>
-              <a:buFont typeface="Symbol"/>
+              <a:buFont typeface="Symbol" charset="2"/>
               <a:buChar char=""/>
             </a:pPr>
             <a:r>
-              <a:rPr b="0" lang="en-US" sz="3200" spc="-1" strike="noStrike">
+              <a:rPr lang="en-US" sz="2800" b="0" strike="noStrike" spc="-1">
                 <a:solidFill>
                   <a:srgbClr val="000000"/>
                 </a:solidFill>
                 <a:uFill>
                   <a:solidFill>
-                    <a:srgbClr val="ffffff"/>
+                    <a:srgbClr val="FFFFFF"/>
                   </a:solidFill>
                 </a:uFill>
-                <a:latin typeface="Times New Roman"/>
-                <a:ea typeface="Noto Sans CJK SC Regular"/>
+                <a:latin typeface="Arial"/>
               </a:rPr>
-              <a:t>book tickets and pay for them on the platform.</a:t>
+              <a:t>Social Media Events</a:t>
             </a:r>
-            <a:endParaRPr b="0" lang="en-US" sz="1800" spc="-1" strike="noStrike">
-              <a:solidFill>
-                <a:srgbClr val="000000"/>
-              </a:solidFill>
-              <a:uFill>
-                <a:solidFill>
-                  <a:srgbClr val="ffffff"/>
-                </a:solidFill>
-              </a:uFill>
-              <a:latin typeface="Arial"/>
-            </a:endParaRPr>
           </a:p>
         </p:txBody>
       </p:sp>
     </p:spTree>
   </p:cSld>
+  <p:clrMapOvr>
+    <a:masterClrMapping/>
+  </p:clrMapOvr>
   <p:timing>
     <p:tnLst>
       <p:par>
-        <p:cTn id="3" dur="indefinite" restart="never" nodeType="tmRoot">
+        <p:cTn id="1" dur="indefinite" restart="never" nodeType="tmRoot">
           <p:childTnLst>
             <p:seq>
-              <p:cTn id="4" nodeType="mainSeq"/>
+              <p:cTn id="2" nodeType="mainSeq"/>
               <p:prevCondLst>
-                <p:cond delay="0" evt="onPrev">
+                <p:cond evt="onPrev" delay="0">
                   <p:tgtEl>
                     <p:sldTgt/>
                   </p:tgtEl>
                 </p:cond>
               </p:prevCondLst>
               <p:nextCondLst>
-                <p:cond delay="0" evt="onNext">
+                <p:cond evt="onNext" delay="0">
                   <p:tgtEl>
                     <p:sldTgt/>
                   </p:tgtEl>
@@ -3022,8 +3799,8 @@
 </p:sld>
 </file>
 
-<file path=ppt/slides/slide3.xml><?xml version="1.0" encoding="utf-8"?>
-<p:sld xmlns:a="http://schemas.openxmlformats.org/drawingml/2006/main" xmlns:p="http://schemas.openxmlformats.org/presentationml/2006/main" xmlns:r="http://schemas.openxmlformats.org/officeDocument/2006/relationships" xmlns:p14="http://schemas.microsoft.com/office/powerpoint/2010/main" xmlns:p15="http://schemas.microsoft.com/office/powerpoint/2012/main" xmlns:mc="http://schemas.openxmlformats.org/markup-compatibility/2006">
+<file path=ppt/slides/slide4.xml><?xml version="1.0" encoding="utf-8"?>
+<p:sld xmlns:a="http://schemas.openxmlformats.org/drawingml/2006/main" xmlns:r="http://schemas.openxmlformats.org/officeDocument/2006/relationships" xmlns:p="http://schemas.openxmlformats.org/presentationml/2006/main">
   <p:cSld>
     <p:spTree>
       <p:nvGrpSpPr>
@@ -3041,7 +3818,7 @@
       </p:grpSpPr>
       <p:sp>
         <p:nvSpPr>
-          <p:cNvPr id="44" name="TextShape 1"/>
+          <p:cNvPr id="46" name="TextShape 1"/>
           <p:cNvSpPr txBox="1"/>
           <p:nvPr/>
         </p:nvSpPr>
@@ -3059,74 +3836,36 @@
           </a:ln>
         </p:spPr>
         <p:txBody>
-          <a:bodyPr lIns="0" rIns="0" tIns="0" bIns="0" anchor="ctr"/>
+          <a:bodyPr lIns="0" tIns="0" rIns="0" bIns="0" anchor="ctr"/>
+          <a:lstStyle/>
           <a:p>
             <a:pPr algn="ctr"/>
             <a:r>
-              <a:rPr b="0" lang="en-US" sz="4400" spc="-1" strike="noStrike">
+              <a:rPr lang="en-US" sz="4400" b="0" strike="noStrike" spc="-1">
                 <a:solidFill>
                   <a:srgbClr val="000000"/>
                 </a:solidFill>
                 <a:uFill>
                   <a:solidFill>
-                    <a:srgbClr val="ffffff"/>
+                    <a:srgbClr val="FFFFFF"/>
                   </a:solidFill>
                 </a:uFill>
                 <a:latin typeface="Arial"/>
               </a:rPr>
-              <a:t>Problem</a:t>
+              <a:t>System architecture</a:t>
             </a:r>
-            <a:r>
-              <a:rPr b="0" lang="en-US" sz="4400" spc="-1" strike="noStrike">
-                <a:solidFill>
-                  <a:srgbClr val="000000"/>
-                </a:solidFill>
-                <a:uFill>
-                  <a:solidFill>
-                    <a:srgbClr val="ffffff"/>
-                  </a:solidFill>
-                </a:uFill>
-                <a:latin typeface="Arial"/>
-              </a:rPr>
-              <a:t>	</a:t>
-            </a:r>
-            <a:r>
-              <a:rPr b="0" lang="en-US" sz="4400" spc="-1" strike="noStrike">
-                <a:solidFill>
-                  <a:srgbClr val="000000"/>
-                </a:solidFill>
-                <a:uFill>
-                  <a:solidFill>
-                    <a:srgbClr val="ffffff"/>
-                  </a:solidFill>
-                </a:uFill>
-                <a:latin typeface="Arial"/>
-              </a:rPr>
-              <a:t>significance</a:t>
-            </a:r>
-            <a:endParaRPr b="0" lang="en-US" sz="4400" spc="-1" strike="noStrike">
-              <a:solidFill>
-                <a:srgbClr val="000000"/>
-              </a:solidFill>
-              <a:uFill>
-                <a:solidFill>
-                  <a:srgbClr val="ffffff"/>
-                </a:solidFill>
-              </a:uFill>
-              <a:latin typeface="Arial"/>
-            </a:endParaRPr>
           </a:p>
         </p:txBody>
       </p:sp>
       <p:sp>
         <p:nvSpPr>
-          <p:cNvPr id="45" name="TextShape 2"/>
+          <p:cNvPr id="47" name="TextShape 2"/>
           <p:cNvSpPr txBox="1"/>
           <p:nvPr/>
         </p:nvSpPr>
         <p:spPr>
           <a:xfrm>
-            <a:off x="438120" y="1742760"/>
+            <a:off x="182880" y="2382840"/>
             <a:ext cx="9071640" cy="4383720"/>
           </a:xfrm>
           <a:prstGeom prst="rect">
@@ -3138,7 +3877,8 @@
           </a:ln>
         </p:spPr>
         <p:txBody>
-          <a:bodyPr lIns="0" rIns="0" tIns="0" bIns="0"/>
+          <a:bodyPr lIns="0" tIns="0" rIns="0" bIns="0"/>
+          <a:lstStyle/>
           <a:p>
             <a:pPr marL="432000" indent="-324000">
               <a:buClr>
@@ -3149,138 +3889,22 @@
               <a:buChar char=""/>
             </a:pPr>
             <a:r>
-              <a:rPr b="0" lang="en-US" sz="3200" spc="-1" strike="noStrike">
+              <a:rPr lang="en-US" sz="3200" b="0" strike="noStrike" spc="-1">
                 <a:solidFill>
                   <a:srgbClr val="000000"/>
                 </a:solidFill>
                 <a:uFill>
                   <a:solidFill>
-                    <a:srgbClr val="ffffff"/>
+                    <a:srgbClr val="FFFFFF"/>
                   </a:solidFill>
                 </a:uFill>
                 <a:latin typeface="Arial"/>
               </a:rPr>
-              <a:t>A platform for the traveling companies to advertise their offers is missing</a:t>
+              <a:t>Web-based 3-Tier architecture</a:t>
             </a:r>
-            <a:endParaRPr b="0" lang="en-US" sz="3200" spc="-1" strike="noStrike">
-              <a:solidFill>
-                <a:srgbClr val="000000"/>
-              </a:solidFill>
-              <a:uFill>
-                <a:solidFill>
-                  <a:srgbClr val="ffffff"/>
-                </a:solidFill>
-              </a:uFill>
-              <a:latin typeface="Arial"/>
-            </a:endParaRPr>
-          </a:p>
-          <a:p>
-            <a:pPr marL="432000" indent="-324000">
-              <a:buClr>
-                <a:srgbClr val="000000"/>
-              </a:buClr>
-              <a:buSzPct val="45000"/>
-              <a:buFont typeface="Wingdings" charset="2"/>
-              <a:buChar char=""/>
-            </a:pPr>
-            <a:r>
-              <a:rPr b="0" lang="en-US" sz="3200" spc="-1" strike="noStrike">
-                <a:solidFill>
-                  <a:srgbClr val="000000"/>
-                </a:solidFill>
-                <a:uFill>
-                  <a:solidFill>
-                    <a:srgbClr val="ffffff"/>
-                  </a:solidFill>
-                </a:uFill>
-                <a:latin typeface="Arial"/>
-              </a:rPr>
-              <a:t>Deliver such a platform will be win-win situation for all.</a:t>
-            </a:r>
-            <a:endParaRPr b="0" lang="en-US" sz="3200" spc="-1" strike="noStrike">
-              <a:solidFill>
-                <a:srgbClr val="000000"/>
-              </a:solidFill>
-              <a:uFill>
-                <a:solidFill>
-                  <a:srgbClr val="ffffff"/>
-                </a:solidFill>
-              </a:uFill>
-              <a:latin typeface="Arial"/>
-            </a:endParaRPr>
-          </a:p>
-          <a:p>
-            <a:pPr marL="432000" indent="-324000">
-              <a:buClr>
-                <a:srgbClr val="000000"/>
-              </a:buClr>
-              <a:buSzPct val="45000"/>
-              <a:buFont typeface="Wingdings" charset="2"/>
-              <a:buChar char=""/>
-            </a:pPr>
-            <a:r>
-              <a:rPr b="0" lang="en-US" sz="3200" spc="-1" strike="noStrike">
-                <a:solidFill>
-                  <a:srgbClr val="000000"/>
-                </a:solidFill>
-                <a:uFill>
-                  <a:solidFill>
-                    <a:srgbClr val="ffffff"/>
-                  </a:solidFill>
-                </a:uFill>
-                <a:latin typeface="Arial"/>
-              </a:rPr>
-              <a:t>Creating a cross-platform System</a:t>
-            </a:r>
-            <a:endParaRPr b="0" lang="en-US" sz="3200" spc="-1" strike="noStrike">
-              <a:solidFill>
-                <a:srgbClr val="000000"/>
-              </a:solidFill>
-              <a:uFill>
-                <a:solidFill>
-                  <a:srgbClr val="ffffff"/>
-                </a:solidFill>
-              </a:uFill>
-              <a:latin typeface="Arial"/>
-            </a:endParaRPr>
-          </a:p>
-          <a:p>
-            <a:pPr marL="432000" indent="-324000">
-              <a:buClr>
-                <a:srgbClr val="000000"/>
-              </a:buClr>
-              <a:buSzPct val="45000"/>
-              <a:buFont typeface="Wingdings" charset="2"/>
-              <a:buChar char=""/>
-            </a:pPr>
-            <a:r>
-              <a:rPr b="0" lang="en-US" sz="3200" spc="-1" strike="noStrike">
-                <a:solidFill>
-                  <a:srgbClr val="000000"/>
-                </a:solidFill>
-                <a:uFill>
-                  <a:solidFill>
-                    <a:srgbClr val="ffffff"/>
-                  </a:solidFill>
-                </a:uFill>
-                <a:latin typeface="Arial"/>
-              </a:rPr>
-              <a:t>previous solutions:</a:t>
-            </a:r>
-            <a:endParaRPr b="0" lang="en-US" sz="3200" spc="-1" strike="noStrike">
-              <a:solidFill>
-                <a:srgbClr val="000000"/>
-              </a:solidFill>
-              <a:uFill>
-                <a:solidFill>
-                  <a:srgbClr val="ffffff"/>
-                </a:solidFill>
-              </a:uFill>
-              <a:latin typeface="Arial"/>
-            </a:endParaRPr>
-          </a:p>
-          <a:p>
-            <a:pPr lvl="1" marL="685800" indent="-228600">
+          </a:p>
+          <a:p>
+            <a:pPr marL="864000" lvl="1" indent="-324000">
               <a:buClr>
                 <a:srgbClr val="000000"/>
               </a:buClr>
@@ -3289,33 +3913,22 @@
               <a:buChar char=""/>
             </a:pPr>
             <a:r>
-              <a:rPr b="0" lang="en-US" sz="2800" spc="-1" strike="noStrike">
+              <a:rPr lang="en-US" sz="2800" b="0" strike="noStrike" spc="-1">
                 <a:solidFill>
                   <a:srgbClr val="000000"/>
                 </a:solidFill>
                 <a:uFill>
                   <a:solidFill>
-                    <a:srgbClr val="ffffff"/>
+                    <a:srgbClr val="FFFFFF"/>
                   </a:solidFill>
                 </a:uFill>
                 <a:latin typeface="Arial"/>
               </a:rPr>
-              <a:t>Street-posters</a:t>
+              <a:t>User Interface Tier</a:t>
             </a:r>
-            <a:endParaRPr b="0" lang="en-US" sz="2800" spc="-1" strike="noStrike">
-              <a:solidFill>
-                <a:srgbClr val="000000"/>
-              </a:solidFill>
-              <a:uFill>
-                <a:solidFill>
-                  <a:srgbClr val="ffffff"/>
-                </a:solidFill>
-              </a:uFill>
-              <a:latin typeface="Arial"/>
-            </a:endParaRPr>
-          </a:p>
-          <a:p>
-            <a:pPr lvl="1" marL="685800" indent="-228600">
+          </a:p>
+          <a:p>
+            <a:pPr marL="864000" lvl="1" indent="-324000">
               <a:buClr>
                 <a:srgbClr val="000000"/>
               </a:buClr>
@@ -3324,33 +3937,22 @@
               <a:buChar char=""/>
             </a:pPr>
             <a:r>
-              <a:rPr b="0" lang="en-US" sz="2800" spc="-1" strike="noStrike">
+              <a:rPr lang="en-US" sz="2800" b="0" strike="noStrike" spc="-1">
                 <a:solidFill>
                   <a:srgbClr val="000000"/>
                 </a:solidFill>
                 <a:uFill>
                   <a:solidFill>
-                    <a:srgbClr val="ffffff"/>
+                    <a:srgbClr val="FFFFFF"/>
                   </a:solidFill>
                 </a:uFill>
                 <a:latin typeface="Arial"/>
               </a:rPr>
-              <a:t>Flayers</a:t>
+              <a:t>Application Logic Tier</a:t>
             </a:r>
-            <a:endParaRPr b="0" lang="en-US" sz="2800" spc="-1" strike="noStrike">
-              <a:solidFill>
-                <a:srgbClr val="000000"/>
-              </a:solidFill>
-              <a:uFill>
-                <a:solidFill>
-                  <a:srgbClr val="ffffff"/>
-                </a:solidFill>
-              </a:uFill>
-              <a:latin typeface="Arial"/>
-            </a:endParaRPr>
-          </a:p>
-          <a:p>
-            <a:pPr lvl="1" marL="685800" indent="-228600">
+          </a:p>
+          <a:p>
+            <a:pPr marL="864000" lvl="1" indent="-324000">
               <a:buClr>
                 <a:srgbClr val="000000"/>
               </a:buClr>
@@ -3359,314 +3961,43 @@
               <a:buChar char=""/>
             </a:pPr>
             <a:r>
-              <a:rPr b="0" lang="en-US" sz="2800" spc="-1" strike="noStrike">
+              <a:rPr lang="en-US" sz="2800" b="0" strike="noStrike" spc="-1">
                 <a:solidFill>
                   <a:srgbClr val="000000"/>
                 </a:solidFill>
                 <a:uFill>
                   <a:solidFill>
-                    <a:srgbClr val="ffffff"/>
+                    <a:srgbClr val="FFFFFF"/>
                   </a:solidFill>
                 </a:uFill>
                 <a:latin typeface="Arial"/>
               </a:rPr>
-              <a:t>Social Media Events</a:t>
+              <a:t>DataBase Tier</a:t>
             </a:r>
-            <a:endParaRPr b="0" lang="en-US" sz="2800" spc="-1" strike="noStrike">
-              <a:solidFill>
-                <a:srgbClr val="000000"/>
-              </a:solidFill>
-              <a:uFill>
-                <a:solidFill>
-                  <a:srgbClr val="ffffff"/>
-                </a:solidFill>
-              </a:uFill>
-              <a:latin typeface="Arial"/>
-            </a:endParaRPr>
           </a:p>
         </p:txBody>
       </p:sp>
     </p:spTree>
   </p:cSld>
+  <p:clrMapOvr>
+    <a:masterClrMapping/>
+  </p:clrMapOvr>
   <p:timing>
     <p:tnLst>
       <p:par>
-        <p:cTn id="5" dur="indefinite" restart="never" nodeType="tmRoot">
+        <p:cTn id="1" dur="indefinite" restart="never" nodeType="tmRoot">
           <p:childTnLst>
             <p:seq>
-              <p:cTn id="6" nodeType="mainSeq"/>
+              <p:cTn id="2" nodeType="mainSeq"/>
               <p:prevCondLst>
-                <p:cond delay="0" evt="onPrev">
+                <p:cond evt="onPrev" delay="0">
                   <p:tgtEl>
                     <p:sldTgt/>
                   </p:tgtEl>
                 </p:cond>
               </p:prevCondLst>
               <p:nextCondLst>
-                <p:cond delay="0" evt="onNext">
-                  <p:tgtEl>
-                    <p:sldTgt/>
-                  </p:tgtEl>
-                </p:cond>
-              </p:nextCondLst>
-            </p:seq>
-          </p:childTnLst>
-        </p:cTn>
-      </p:par>
-    </p:tnLst>
-  </p:timing>
-</p:sld>
-</file>
-
-<file path=ppt/slides/slide4.xml><?xml version="1.0" encoding="utf-8"?>
-<p:sld xmlns:a="http://schemas.openxmlformats.org/drawingml/2006/main" xmlns:p="http://schemas.openxmlformats.org/presentationml/2006/main" xmlns:r="http://schemas.openxmlformats.org/officeDocument/2006/relationships" xmlns:p14="http://schemas.microsoft.com/office/powerpoint/2010/main" xmlns:p15="http://schemas.microsoft.com/office/powerpoint/2012/main" xmlns:mc="http://schemas.openxmlformats.org/markup-compatibility/2006">
-  <p:cSld>
-    <p:spTree>
-      <p:nvGrpSpPr>
-        <p:cNvPr id="1" name=""/>
-        <p:cNvGrpSpPr/>
-        <p:nvPr/>
-      </p:nvGrpSpPr>
-      <p:grpSpPr>
-        <a:xfrm>
-          <a:off x="0" y="0"/>
-          <a:ext cx="0" cy="0"/>
-          <a:chOff x="0" y="0"/>
-          <a:chExt cx="0" cy="0"/>
-        </a:xfrm>
-      </p:grpSpPr>
-      <p:sp>
-        <p:nvSpPr>
-          <p:cNvPr id="46" name="TextShape 1"/>
-          <p:cNvSpPr txBox="1"/>
-          <p:nvPr/>
-        </p:nvSpPr>
-        <p:spPr>
-          <a:xfrm>
-            <a:off x="504000" y="301320"/>
-            <a:ext cx="9070560" cy="1261080"/>
-          </a:xfrm>
-          <a:prstGeom prst="rect">
-            <a:avLst/>
-          </a:prstGeom>
-          <a:noFill/>
-          <a:ln>
-            <a:noFill/>
-          </a:ln>
-        </p:spPr>
-        <p:txBody>
-          <a:bodyPr lIns="0" rIns="0" tIns="0" bIns="0" anchor="ctr"/>
-          <a:p>
-            <a:pPr algn="ctr"/>
-            <a:r>
-              <a:rPr b="0" lang="en-US" sz="4400" spc="-1" strike="noStrike">
-                <a:solidFill>
-                  <a:srgbClr val="000000"/>
-                </a:solidFill>
-                <a:uFill>
-                  <a:solidFill>
-                    <a:srgbClr val="ffffff"/>
-                  </a:solidFill>
-                </a:uFill>
-                <a:latin typeface="Arial"/>
-              </a:rPr>
-              <a:t>System architecture</a:t>
-            </a:r>
-            <a:endParaRPr b="0" lang="en-US" sz="4400" spc="-1" strike="noStrike">
-              <a:solidFill>
-                <a:srgbClr val="000000"/>
-              </a:solidFill>
-              <a:uFill>
-                <a:solidFill>
-                  <a:srgbClr val="ffffff"/>
-                </a:solidFill>
-              </a:uFill>
-              <a:latin typeface="Arial"/>
-            </a:endParaRPr>
-          </a:p>
-        </p:txBody>
-      </p:sp>
-      <p:sp>
-        <p:nvSpPr>
-          <p:cNvPr id="47" name="TextShape 2"/>
-          <p:cNvSpPr txBox="1"/>
-          <p:nvPr/>
-        </p:nvSpPr>
-        <p:spPr>
-          <a:xfrm>
-            <a:off x="182880" y="2382840"/>
-            <a:ext cx="9071640" cy="4383720"/>
-          </a:xfrm>
-          <a:prstGeom prst="rect">
-            <a:avLst/>
-          </a:prstGeom>
-          <a:noFill/>
-          <a:ln>
-            <a:noFill/>
-          </a:ln>
-        </p:spPr>
-        <p:txBody>
-          <a:bodyPr lIns="0" rIns="0" tIns="0" bIns="0"/>
-          <a:p>
-            <a:pPr marL="432000" indent="-324000">
-              <a:buClr>
-                <a:srgbClr val="000000"/>
-              </a:buClr>
-              <a:buSzPct val="45000"/>
-              <a:buFont typeface="Wingdings" charset="2"/>
-              <a:buChar char=""/>
-            </a:pPr>
-            <a:r>
-              <a:rPr b="0" lang="en-US" sz="3200" spc="-1" strike="noStrike">
-                <a:solidFill>
-                  <a:srgbClr val="000000"/>
-                </a:solidFill>
-                <a:uFill>
-                  <a:solidFill>
-                    <a:srgbClr val="ffffff"/>
-                  </a:solidFill>
-                </a:uFill>
-                <a:latin typeface="Arial"/>
-              </a:rPr>
-              <a:t>Web-based 3-Tier architecture</a:t>
-            </a:r>
-            <a:endParaRPr b="0" lang="en-US" sz="3200" spc="-1" strike="noStrike">
-              <a:solidFill>
-                <a:srgbClr val="000000"/>
-              </a:solidFill>
-              <a:uFill>
-                <a:solidFill>
-                  <a:srgbClr val="ffffff"/>
-                </a:solidFill>
-              </a:uFill>
-              <a:latin typeface="Arial"/>
-            </a:endParaRPr>
-          </a:p>
-          <a:p>
-            <a:pPr lvl="1" marL="864000" indent="-324000">
-              <a:buClr>
-                <a:srgbClr val="000000"/>
-              </a:buClr>
-              <a:buSzPct val="75000"/>
-              <a:buFont typeface="Symbol" charset="2"/>
-              <a:buChar char=""/>
-            </a:pPr>
-            <a:r>
-              <a:rPr b="0" lang="en-US" sz="2800" spc="-1" strike="noStrike">
-                <a:solidFill>
-                  <a:srgbClr val="000000"/>
-                </a:solidFill>
-                <a:uFill>
-                  <a:solidFill>
-                    <a:srgbClr val="ffffff"/>
-                  </a:solidFill>
-                </a:uFill>
-                <a:latin typeface="Arial"/>
-              </a:rPr>
-              <a:t>User Interface Tier</a:t>
-            </a:r>
-            <a:endParaRPr b="0" lang="en-US" sz="2800" spc="-1" strike="noStrike">
-              <a:solidFill>
-                <a:srgbClr val="000000"/>
-              </a:solidFill>
-              <a:uFill>
-                <a:solidFill>
-                  <a:srgbClr val="ffffff"/>
-                </a:solidFill>
-              </a:uFill>
-              <a:latin typeface="Arial"/>
-            </a:endParaRPr>
-          </a:p>
-          <a:p>
-            <a:pPr lvl="1" marL="864000" indent="-324000">
-              <a:buClr>
-                <a:srgbClr val="000000"/>
-              </a:buClr>
-              <a:buSzPct val="75000"/>
-              <a:buFont typeface="Symbol" charset="2"/>
-              <a:buChar char=""/>
-            </a:pPr>
-            <a:r>
-              <a:rPr b="0" lang="en-US" sz="2800" spc="-1" strike="noStrike">
-                <a:solidFill>
-                  <a:srgbClr val="000000"/>
-                </a:solidFill>
-                <a:uFill>
-                  <a:solidFill>
-                    <a:srgbClr val="ffffff"/>
-                  </a:solidFill>
-                </a:uFill>
-                <a:latin typeface="Arial"/>
-              </a:rPr>
-              <a:t>Application Logic Tier</a:t>
-            </a:r>
-            <a:endParaRPr b="0" lang="en-US" sz="2800" spc="-1" strike="noStrike">
-              <a:solidFill>
-                <a:srgbClr val="000000"/>
-              </a:solidFill>
-              <a:uFill>
-                <a:solidFill>
-                  <a:srgbClr val="ffffff"/>
-                </a:solidFill>
-              </a:uFill>
-              <a:latin typeface="Arial"/>
-            </a:endParaRPr>
-          </a:p>
-          <a:p>
-            <a:pPr lvl="1" marL="864000" indent="-324000">
-              <a:buClr>
-                <a:srgbClr val="000000"/>
-              </a:buClr>
-              <a:buSzPct val="75000"/>
-              <a:buFont typeface="Symbol" charset="2"/>
-              <a:buChar char=""/>
-            </a:pPr>
-            <a:r>
-              <a:rPr b="0" lang="en-US" sz="2800" spc="-1" strike="noStrike">
-                <a:solidFill>
-                  <a:srgbClr val="000000"/>
-                </a:solidFill>
-                <a:uFill>
-                  <a:solidFill>
-                    <a:srgbClr val="ffffff"/>
-                  </a:solidFill>
-                </a:uFill>
-                <a:latin typeface="Arial"/>
-              </a:rPr>
-              <a:t>DataBase Tier</a:t>
-            </a:r>
-            <a:endParaRPr b="0" lang="en-US" sz="2800" spc="-1" strike="noStrike">
-              <a:solidFill>
-                <a:srgbClr val="000000"/>
-              </a:solidFill>
-              <a:uFill>
-                <a:solidFill>
-                  <a:srgbClr val="ffffff"/>
-                </a:solidFill>
-              </a:uFill>
-              <a:latin typeface="Arial"/>
-            </a:endParaRPr>
-          </a:p>
-        </p:txBody>
-      </p:sp>
-    </p:spTree>
-  </p:cSld>
-  <p:timing>
-    <p:tnLst>
-      <p:par>
-        <p:cTn id="7" dur="indefinite" restart="never" nodeType="tmRoot">
-          <p:childTnLst>
-            <p:seq>
-              <p:cTn id="8" nodeType="mainSeq"/>
-              <p:prevCondLst>
-                <p:cond delay="0" evt="onPrev">
-                  <p:tgtEl>
-                    <p:sldTgt/>
-                  </p:tgtEl>
-                </p:cond>
-              </p:prevCondLst>
-              <p:nextCondLst>
-                <p:cond delay="0" evt="onNext">
+                <p:cond evt="onNext" delay="0">
                   <p:tgtEl>
                     <p:sldTgt/>
                   </p:tgtEl>
@@ -3682,7 +4013,7 @@
 </file>
 
 <file path=ppt/slides/slide5.xml><?xml version="1.0" encoding="utf-8"?>
-<p:sld xmlns:a="http://schemas.openxmlformats.org/drawingml/2006/main" xmlns:p="http://schemas.openxmlformats.org/presentationml/2006/main" xmlns:r="http://schemas.openxmlformats.org/officeDocument/2006/relationships" xmlns:p14="http://schemas.microsoft.com/office/powerpoint/2010/main" xmlns:p15="http://schemas.microsoft.com/office/powerpoint/2012/main" xmlns:mc="http://schemas.openxmlformats.org/markup-compatibility/2006">
+<p:sld xmlns:a="http://schemas.openxmlformats.org/drawingml/2006/main" xmlns:r="http://schemas.openxmlformats.org/officeDocument/2006/relationships" xmlns:p="http://schemas.openxmlformats.org/presentationml/2006/main">
   <p:cSld>
     <p:spTree>
       <p:nvGrpSpPr>
@@ -3700,30 +4031,7 @@
       </p:grpSpPr>
       <p:pic>
         <p:nvPicPr>
-          <p:cNvPr id="48" name="" descr=""/>
-          <p:cNvPicPr/>
-          <p:nvPr/>
-        </p:nvPicPr>
-        <p:blipFill>
-          <a:blip r:embed="rId1"/>
-          <a:stretch/>
-        </p:blipFill>
-        <p:spPr>
-          <a:xfrm>
-            <a:off x="61200" y="91440"/>
-            <a:ext cx="3779280" cy="2834640"/>
-          </a:xfrm>
-          <a:prstGeom prst="rect">
-            <a:avLst/>
-          </a:prstGeom>
-          <a:ln>
-            <a:noFill/>
-          </a:ln>
-        </p:spPr>
-      </p:pic>
-      <p:pic>
-        <p:nvPicPr>
-          <p:cNvPr id="49" name="" descr=""/>
+          <p:cNvPr id="48" name="Picture 47"/>
           <p:cNvPicPr/>
           <p:nvPr/>
         </p:nvPicPr>
@@ -3733,8 +4041,8 @@
         </p:blipFill>
         <p:spPr>
           <a:xfrm>
-            <a:off x="3383280" y="3657600"/>
-            <a:ext cx="4267440" cy="3200400"/>
+            <a:off x="61200" y="91440"/>
+            <a:ext cx="3779280" cy="2834640"/>
           </a:xfrm>
           <a:prstGeom prst="rect">
             <a:avLst/>
@@ -3746,7 +4054,7 @@
       </p:pic>
       <p:pic>
         <p:nvPicPr>
-          <p:cNvPr id="50" name="" descr=""/>
+          <p:cNvPr id="49" name="Picture 48"/>
           <p:cNvPicPr/>
           <p:nvPr/>
         </p:nvPicPr>
@@ -3756,8 +4064,8 @@
         </p:blipFill>
         <p:spPr>
           <a:xfrm>
-            <a:off x="429120" y="3017520"/>
-            <a:ext cx="2314080" cy="1980720"/>
+            <a:off x="3383280" y="3657600"/>
+            <a:ext cx="4267440" cy="3200400"/>
           </a:xfrm>
           <a:prstGeom prst="rect">
             <a:avLst/>
@@ -3767,94 +4075,9 @@
           </a:ln>
         </p:spPr>
       </p:pic>
-      <p:sp>
-        <p:nvSpPr>
-          <p:cNvPr id="51" name="Line 1"/>
-          <p:cNvSpPr/>
-          <p:nvPr/>
-        </p:nvSpPr>
-        <p:spPr>
-          <a:xfrm>
-            <a:off x="1371600" y="1920240"/>
-            <a:ext cx="0" cy="822960"/>
-          </a:xfrm>
-          <a:prstGeom prst="line">
-            <a:avLst/>
-          </a:prstGeom>
-          <a:ln>
-            <a:solidFill>
-              <a:srgbClr val="000000"/>
-            </a:solidFill>
-            <a:tailEnd len="med" type="triangle" w="med"/>
-          </a:ln>
-        </p:spPr>
-        <p:style>
-          <a:lnRef idx="0"/>
-          <a:fillRef idx="0"/>
-          <a:effectRef idx="0"/>
-          <a:fontRef idx="minor"/>
-        </p:style>
-      </p:sp>
-      <p:sp>
-        <p:nvSpPr>
-          <p:cNvPr id="52" name="Line 2"/>
-          <p:cNvSpPr/>
-          <p:nvPr/>
-        </p:nvSpPr>
-        <p:spPr>
-          <a:xfrm flipV="1">
-            <a:off x="1920240" y="2011680"/>
-            <a:ext cx="0" cy="731520"/>
-          </a:xfrm>
-          <a:prstGeom prst="line">
-            <a:avLst/>
-          </a:prstGeom>
-          <a:ln>
-            <a:solidFill>
-              <a:srgbClr val="000000"/>
-            </a:solidFill>
-            <a:tailEnd len="med" type="triangle" w="med"/>
-          </a:ln>
-        </p:spPr>
-        <p:style>
-          <a:lnRef idx="0"/>
-          <a:fillRef idx="0"/>
-          <a:effectRef idx="0"/>
-          <a:fontRef idx="minor"/>
-        </p:style>
-      </p:sp>
-      <p:sp>
-        <p:nvSpPr>
-          <p:cNvPr id="53" name="Line 3"/>
-          <p:cNvSpPr/>
-          <p:nvPr/>
-        </p:nvSpPr>
-        <p:spPr>
-          <a:xfrm>
-            <a:off x="2560320" y="4846320"/>
-            <a:ext cx="731520" cy="914400"/>
-          </a:xfrm>
-          <a:prstGeom prst="line">
-            <a:avLst/>
-          </a:prstGeom>
-          <a:ln>
-            <a:solidFill>
-              <a:srgbClr val="1c1c1c"/>
-            </a:solidFill>
-            <a:headEnd len="med" type="triangle" w="med"/>
-            <a:tailEnd len="med" type="triangle" w="med"/>
-          </a:ln>
-        </p:spPr>
-        <p:style>
-          <a:lnRef idx="0"/>
-          <a:fillRef idx="0"/>
-          <a:effectRef idx="0"/>
-          <a:fontRef idx="minor"/>
-        </p:style>
-      </p:sp>
       <p:pic>
         <p:nvPicPr>
-          <p:cNvPr id="54" name="" descr=""/>
+          <p:cNvPr id="50" name="Picture 49"/>
           <p:cNvPicPr/>
           <p:nvPr/>
         </p:nvPicPr>
@@ -3864,8 +4087,8 @@
         </p:blipFill>
         <p:spPr>
           <a:xfrm>
-            <a:off x="8046720" y="1371600"/>
-            <a:ext cx="1737360" cy="1737360"/>
+            <a:off x="429120" y="3017520"/>
+            <a:ext cx="2314080" cy="1980720"/>
           </a:xfrm>
           <a:prstGeom prst="rect">
             <a:avLst/>
@@ -3877,6 +4100,132 @@
       </p:pic>
       <p:sp>
         <p:nvSpPr>
+          <p:cNvPr id="51" name="Line 1"/>
+          <p:cNvSpPr/>
+          <p:nvPr/>
+        </p:nvSpPr>
+        <p:spPr>
+          <a:xfrm>
+            <a:off x="1371600" y="1920240"/>
+            <a:ext cx="0" cy="822960"/>
+          </a:xfrm>
+          <a:prstGeom prst="line">
+            <a:avLst/>
+          </a:prstGeom>
+          <a:ln>
+            <a:solidFill>
+              <a:srgbClr val="000000"/>
+            </a:solidFill>
+            <a:tailEnd type="triangle" w="med" len="med"/>
+          </a:ln>
+        </p:spPr>
+        <p:style>
+          <a:lnRef idx="0">
+            <a:scrgbClr r="0" g="0" b="0"/>
+          </a:lnRef>
+          <a:fillRef idx="0">
+            <a:scrgbClr r="0" g="0" b="0"/>
+          </a:fillRef>
+          <a:effectRef idx="0">
+            <a:scrgbClr r="0" g="0" b="0"/>
+          </a:effectRef>
+          <a:fontRef idx="minor"/>
+        </p:style>
+      </p:sp>
+      <p:sp>
+        <p:nvSpPr>
+          <p:cNvPr id="52" name="Line 2"/>
+          <p:cNvSpPr/>
+          <p:nvPr/>
+        </p:nvSpPr>
+        <p:spPr>
+          <a:xfrm flipV="1">
+            <a:off x="1920240" y="2011680"/>
+            <a:ext cx="0" cy="731520"/>
+          </a:xfrm>
+          <a:prstGeom prst="line">
+            <a:avLst/>
+          </a:prstGeom>
+          <a:ln>
+            <a:solidFill>
+              <a:srgbClr val="000000"/>
+            </a:solidFill>
+            <a:tailEnd type="triangle" w="med" len="med"/>
+          </a:ln>
+        </p:spPr>
+        <p:style>
+          <a:lnRef idx="0">
+            <a:scrgbClr r="0" g="0" b="0"/>
+          </a:lnRef>
+          <a:fillRef idx="0">
+            <a:scrgbClr r="0" g="0" b="0"/>
+          </a:fillRef>
+          <a:effectRef idx="0">
+            <a:scrgbClr r="0" g="0" b="0"/>
+          </a:effectRef>
+          <a:fontRef idx="minor"/>
+        </p:style>
+      </p:sp>
+      <p:sp>
+        <p:nvSpPr>
+          <p:cNvPr id="53" name="Line 3"/>
+          <p:cNvSpPr/>
+          <p:nvPr/>
+        </p:nvSpPr>
+        <p:spPr>
+          <a:xfrm>
+            <a:off x="2560320" y="4846320"/>
+            <a:ext cx="731520" cy="914400"/>
+          </a:xfrm>
+          <a:prstGeom prst="line">
+            <a:avLst/>
+          </a:prstGeom>
+          <a:ln>
+            <a:solidFill>
+              <a:srgbClr val="1C1C1C"/>
+            </a:solidFill>
+            <a:headEnd type="triangle" w="med" len="med"/>
+            <a:tailEnd type="triangle" w="med" len="med"/>
+          </a:ln>
+        </p:spPr>
+        <p:style>
+          <a:lnRef idx="0">
+            <a:scrgbClr r="0" g="0" b="0"/>
+          </a:lnRef>
+          <a:fillRef idx="0">
+            <a:scrgbClr r="0" g="0" b="0"/>
+          </a:fillRef>
+          <a:effectRef idx="0">
+            <a:scrgbClr r="0" g="0" b="0"/>
+          </a:effectRef>
+          <a:fontRef idx="minor"/>
+        </p:style>
+      </p:sp>
+      <p:pic>
+        <p:nvPicPr>
+          <p:cNvPr id="54" name="Picture 53"/>
+          <p:cNvPicPr/>
+          <p:nvPr/>
+        </p:nvPicPr>
+        <p:blipFill>
+          <a:blip r:embed="rId5"/>
+          <a:stretch/>
+        </p:blipFill>
+        <p:spPr>
+          <a:xfrm>
+            <a:off x="8046720" y="1371600"/>
+            <a:ext cx="1737360" cy="1737360"/>
+          </a:xfrm>
+          <a:prstGeom prst="rect">
+            <a:avLst/>
+          </a:prstGeom>
+          <a:ln>
+            <a:noFill/>
+          </a:ln>
+        </p:spPr>
+      </p:pic>
+      <p:sp>
+        <p:nvSpPr>
           <p:cNvPr id="55" name="Line 4"/>
           <p:cNvSpPr/>
           <p:nvPr/>
@@ -3891,37 +4240,46 @@
           </a:prstGeom>
           <a:ln>
             <a:solidFill>
-              <a:srgbClr val="3465a4"/>
+              <a:srgbClr val="3465A4"/>
             </a:solidFill>
-            <a:headEnd len="med" type="triangle" w="med"/>
-            <a:tailEnd len="med" type="triangle" w="med"/>
+            <a:headEnd type="triangle" w="med" len="med"/>
+            <a:tailEnd type="triangle" w="med" len="med"/>
           </a:ln>
         </p:spPr>
         <p:style>
-          <a:lnRef idx="0"/>
-          <a:fillRef idx="0"/>
-          <a:effectRef idx="0"/>
+          <a:lnRef idx="0">
+            <a:scrgbClr r="0" g="0" b="0"/>
+          </a:lnRef>
+          <a:fillRef idx="0">
+            <a:scrgbClr r="0" g="0" b="0"/>
+          </a:fillRef>
+          <a:effectRef idx="0">
+            <a:scrgbClr r="0" g="0" b="0"/>
+          </a:effectRef>
           <a:fontRef idx="minor"/>
         </p:style>
       </p:sp>
     </p:spTree>
   </p:cSld>
+  <p:clrMapOvr>
+    <a:masterClrMapping/>
+  </p:clrMapOvr>
   <p:timing>
     <p:tnLst>
       <p:par>
-        <p:cTn id="9" dur="indefinite" restart="never" nodeType="tmRoot">
+        <p:cTn id="1" dur="indefinite" restart="never" nodeType="tmRoot">
           <p:childTnLst>
             <p:seq>
-              <p:cTn id="10" nodeType="mainSeq"/>
+              <p:cTn id="2" nodeType="mainSeq"/>
               <p:prevCondLst>
-                <p:cond delay="0" evt="onPrev">
+                <p:cond evt="onPrev" delay="0">
                   <p:tgtEl>
                     <p:sldTgt/>
                   </p:tgtEl>
                 </p:cond>
               </p:prevCondLst>
               <p:nextCondLst>
-                <p:cond delay="0" evt="onNext">
+                <p:cond evt="onNext" delay="0">
                   <p:tgtEl>
                     <p:sldTgt/>
                   </p:tgtEl>
@@ -4156,5 +4514,7 @@
       </a:bgFillStyleLst>
     </a:fmtScheme>
   </a:themeElements>
+  <a:objectDefaults/>
+  <a:extraClrSchemeLst/>
 </a:theme>
 </file>